--- a/receive_coordinate_setup  .pptx
+++ b/receive_coordinate_setup  .pptx
@@ -15,6 +15,7 @@
     <p:sldId id="263" r:id="rId9"/>
     <p:sldId id="264" r:id="rId10"/>
     <p:sldId id="265" r:id="rId11"/>
+    <p:sldId id="266" r:id="rId12"/>
   </p:sldIdLst>
   <p:sldSz cx="12192000" cy="6858000"/>
   <p:notesSz cx="6858000" cy="9144000"/>
@@ -279,7 +280,7 @@
           <a:p>
             <a:fld id="{C1FD7E95-16DB-4A98-AEA5-7D9BAC9F37E6}" type="datetimeFigureOut">
               <a:rPr lang="en-US" smtClean="0"/>
-              <a:t>7/16/2024</a:t>
+              <a:t>7/17/2024</a:t>
             </a:fld>
             <a:endParaRPr lang="en-US"/>
           </a:p>
@@ -477,7 +478,7 @@
           <a:p>
             <a:fld id="{C1FD7E95-16DB-4A98-AEA5-7D9BAC9F37E6}" type="datetimeFigureOut">
               <a:rPr lang="en-US" smtClean="0"/>
-              <a:t>7/16/2024</a:t>
+              <a:t>7/17/2024</a:t>
             </a:fld>
             <a:endParaRPr lang="en-US"/>
           </a:p>
@@ -685,7 +686,7 @@
           <a:p>
             <a:fld id="{C1FD7E95-16DB-4A98-AEA5-7D9BAC9F37E6}" type="datetimeFigureOut">
               <a:rPr lang="en-US" smtClean="0"/>
-              <a:t>7/16/2024</a:t>
+              <a:t>7/17/2024</a:t>
             </a:fld>
             <a:endParaRPr lang="en-US"/>
           </a:p>
@@ -883,7 +884,7 @@
           <a:p>
             <a:fld id="{C1FD7E95-16DB-4A98-AEA5-7D9BAC9F37E6}" type="datetimeFigureOut">
               <a:rPr lang="en-US" smtClean="0"/>
-              <a:t>7/16/2024</a:t>
+              <a:t>7/17/2024</a:t>
             </a:fld>
             <a:endParaRPr lang="en-US"/>
           </a:p>
@@ -1158,7 +1159,7 @@
           <a:p>
             <a:fld id="{C1FD7E95-16DB-4A98-AEA5-7D9BAC9F37E6}" type="datetimeFigureOut">
               <a:rPr lang="en-US" smtClean="0"/>
-              <a:t>7/16/2024</a:t>
+              <a:t>7/17/2024</a:t>
             </a:fld>
             <a:endParaRPr lang="en-US"/>
           </a:p>
@@ -1423,7 +1424,7 @@
           <a:p>
             <a:fld id="{C1FD7E95-16DB-4A98-AEA5-7D9BAC9F37E6}" type="datetimeFigureOut">
               <a:rPr lang="en-US" smtClean="0"/>
-              <a:t>7/16/2024</a:t>
+              <a:t>7/17/2024</a:t>
             </a:fld>
             <a:endParaRPr lang="en-US"/>
           </a:p>
@@ -1835,7 +1836,7 @@
           <a:p>
             <a:fld id="{C1FD7E95-16DB-4A98-AEA5-7D9BAC9F37E6}" type="datetimeFigureOut">
               <a:rPr lang="en-US" smtClean="0"/>
-              <a:t>7/16/2024</a:t>
+              <a:t>7/17/2024</a:t>
             </a:fld>
             <a:endParaRPr lang="en-US"/>
           </a:p>
@@ -1976,7 +1977,7 @@
           <a:p>
             <a:fld id="{C1FD7E95-16DB-4A98-AEA5-7D9BAC9F37E6}" type="datetimeFigureOut">
               <a:rPr lang="en-US" smtClean="0"/>
-              <a:t>7/16/2024</a:t>
+              <a:t>7/17/2024</a:t>
             </a:fld>
             <a:endParaRPr lang="en-US"/>
           </a:p>
@@ -2089,7 +2090,7 @@
           <a:p>
             <a:fld id="{C1FD7E95-16DB-4A98-AEA5-7D9BAC9F37E6}" type="datetimeFigureOut">
               <a:rPr lang="en-US" smtClean="0"/>
-              <a:t>7/16/2024</a:t>
+              <a:t>7/17/2024</a:t>
             </a:fld>
             <a:endParaRPr lang="en-US"/>
           </a:p>
@@ -2400,7 +2401,7 @@
           <a:p>
             <a:fld id="{C1FD7E95-16DB-4A98-AEA5-7D9BAC9F37E6}" type="datetimeFigureOut">
               <a:rPr lang="en-US" smtClean="0"/>
-              <a:t>7/16/2024</a:t>
+              <a:t>7/17/2024</a:t>
             </a:fld>
             <a:endParaRPr lang="en-US"/>
           </a:p>
@@ -2688,7 +2689,7 @@
           <a:p>
             <a:fld id="{C1FD7E95-16DB-4A98-AEA5-7D9BAC9F37E6}" type="datetimeFigureOut">
               <a:rPr lang="en-US" smtClean="0"/>
-              <a:t>7/16/2024</a:t>
+              <a:t>7/17/2024</a:t>
             </a:fld>
             <a:endParaRPr lang="en-US"/>
           </a:p>
@@ -2929,7 +2930,7 @@
           <a:p>
             <a:fld id="{C1FD7E95-16DB-4A98-AEA5-7D9BAC9F37E6}" type="datetimeFigureOut">
               <a:rPr lang="en-US" smtClean="0"/>
-              <a:t>7/16/2024</a:t>
+              <a:t>7/17/2024</a:t>
             </a:fld>
             <a:endParaRPr lang="en-US"/>
           </a:p>
@@ -3517,6 +3518,3044 @@
 </p:sld>
 </file>
 
+<file path=ppt/slides/slide11.xml><?xml version="1.0" encoding="utf-8"?>
+<p:sld xmlns:a="http://schemas.openxmlformats.org/drawingml/2006/main" xmlns:r="http://schemas.openxmlformats.org/officeDocument/2006/relationships" xmlns:p="http://schemas.openxmlformats.org/presentationml/2006/main">
+  <p:cSld>
+    <p:spTree>
+      <p:nvGrpSpPr>
+        <p:cNvPr id="1" name=""/>
+        <p:cNvGrpSpPr/>
+        <p:nvPr/>
+      </p:nvGrpSpPr>
+      <p:grpSpPr>
+        <a:xfrm>
+          <a:off x="0" y="0"/>
+          <a:ext cx="0" cy="0"/>
+          <a:chOff x="0" y="0"/>
+          <a:chExt cx="0" cy="0"/>
+        </a:xfrm>
+      </p:grpSpPr>
+      <p:grpSp>
+        <p:nvGrpSpPr>
+          <p:cNvPr id="2" name="Group 1">
+            <a:extLst>
+              <a:ext uri="{FF2B5EF4-FFF2-40B4-BE49-F238E27FC236}">
+                <a16:creationId xmlns:a16="http://schemas.microsoft.com/office/drawing/2014/main" id="{4597301D-05AE-C841-D3AD-81912F74DF13}"/>
+              </a:ext>
+            </a:extLst>
+          </p:cNvPr>
+          <p:cNvGrpSpPr/>
+          <p:nvPr/>
+        </p:nvGrpSpPr>
+        <p:grpSpPr>
+          <a:xfrm>
+            <a:off x="429478" y="645406"/>
+            <a:ext cx="7961546" cy="5567188"/>
+            <a:chOff x="-180809" y="399270"/>
+            <a:chExt cx="7961546" cy="5567188"/>
+          </a:xfrm>
+        </p:grpSpPr>
+        <p:cxnSp>
+          <p:nvCxnSpPr>
+            <p:cNvPr id="3" name="Straight Connector 2">
+              <a:extLst>
+                <a:ext uri="{FF2B5EF4-FFF2-40B4-BE49-F238E27FC236}">
+                  <a16:creationId xmlns:a16="http://schemas.microsoft.com/office/drawing/2014/main" id="{50628D74-7E3A-C8A0-3A11-F8CCEA436074}"/>
+                </a:ext>
+              </a:extLst>
+            </p:cNvPr>
+            <p:cNvCxnSpPr>
+              <a:cxnSpLocks/>
+            </p:cNvCxnSpPr>
+            <p:nvPr/>
+          </p:nvCxnSpPr>
+          <p:spPr>
+            <a:xfrm flipH="1" flipV="1">
+              <a:off x="2962263" y="4006961"/>
+              <a:ext cx="1496982" cy="1297916"/>
+            </a:xfrm>
+            <a:prstGeom prst="line">
+              <a:avLst/>
+            </a:prstGeom>
+          </p:spPr>
+          <p:style>
+            <a:lnRef idx="1">
+              <a:schemeClr val="accent1"/>
+            </a:lnRef>
+            <a:fillRef idx="0">
+              <a:schemeClr val="accent1"/>
+            </a:fillRef>
+            <a:effectRef idx="0">
+              <a:schemeClr val="accent1"/>
+            </a:effectRef>
+            <a:fontRef idx="minor">
+              <a:schemeClr val="tx1"/>
+            </a:fontRef>
+          </p:style>
+        </p:cxnSp>
+        <p:grpSp>
+          <p:nvGrpSpPr>
+            <p:cNvPr id="4" name="Group 3">
+              <a:extLst>
+                <a:ext uri="{FF2B5EF4-FFF2-40B4-BE49-F238E27FC236}">
+                  <a16:creationId xmlns:a16="http://schemas.microsoft.com/office/drawing/2014/main" id="{9BC223A4-FAD5-1364-BF46-B39C23E8DFF9}"/>
+                </a:ext>
+              </a:extLst>
+            </p:cNvPr>
+            <p:cNvGrpSpPr/>
+            <p:nvPr/>
+          </p:nvGrpSpPr>
+          <p:grpSpPr>
+            <a:xfrm>
+              <a:off x="-180809" y="399270"/>
+              <a:ext cx="7961546" cy="5567188"/>
+              <a:chOff x="-186612" y="412140"/>
+              <a:chExt cx="7961546" cy="5567188"/>
+            </a:xfrm>
+          </p:grpSpPr>
+          <p:grpSp>
+            <p:nvGrpSpPr>
+              <p:cNvPr id="7" name="Group 6">
+                <a:extLst>
+                  <a:ext uri="{FF2B5EF4-FFF2-40B4-BE49-F238E27FC236}">
+                    <a16:creationId xmlns:a16="http://schemas.microsoft.com/office/drawing/2014/main" id="{9E342E10-6EDA-FE63-B24F-5F8E321CD866}"/>
+                  </a:ext>
+                </a:extLst>
+              </p:cNvPr>
+              <p:cNvGrpSpPr/>
+              <p:nvPr/>
+            </p:nvGrpSpPr>
+            <p:grpSpPr>
+              <a:xfrm>
+                <a:off x="-186612" y="412140"/>
+                <a:ext cx="7961546" cy="5567188"/>
+                <a:chOff x="0" y="645406"/>
+                <a:chExt cx="7961546" cy="5567188"/>
+              </a:xfrm>
+            </p:grpSpPr>
+            <p:grpSp>
+              <p:nvGrpSpPr>
+                <p:cNvPr id="9" name="Group 8">
+                  <a:extLst>
+                    <a:ext uri="{FF2B5EF4-FFF2-40B4-BE49-F238E27FC236}">
+                      <a16:creationId xmlns:a16="http://schemas.microsoft.com/office/drawing/2014/main" id="{53535A53-5401-3D88-2000-1CCE066345FC}"/>
+                    </a:ext>
+                  </a:extLst>
+                </p:cNvPr>
+                <p:cNvGrpSpPr/>
+                <p:nvPr/>
+              </p:nvGrpSpPr>
+              <p:grpSpPr>
+                <a:xfrm>
+                  <a:off x="0" y="645406"/>
+                  <a:ext cx="7961546" cy="5567188"/>
+                  <a:chOff x="1872631" y="343406"/>
+                  <a:chExt cx="7961546" cy="5567188"/>
+                </a:xfrm>
+              </p:grpSpPr>
+              <p:grpSp>
+                <p:nvGrpSpPr>
+                  <p:cNvPr id="12" name="Group 11">
+                    <a:extLst>
+                      <a:ext uri="{FF2B5EF4-FFF2-40B4-BE49-F238E27FC236}">
+                        <a16:creationId xmlns:a16="http://schemas.microsoft.com/office/drawing/2014/main" id="{6F95BE8C-F1D1-789A-AAF9-7F3043ACA0D6}"/>
+                      </a:ext>
+                    </a:extLst>
+                  </p:cNvPr>
+                  <p:cNvGrpSpPr/>
+                  <p:nvPr/>
+                </p:nvGrpSpPr>
+                <p:grpSpPr>
+                  <a:xfrm>
+                    <a:off x="1872631" y="343406"/>
+                    <a:ext cx="7961546" cy="5052347"/>
+                    <a:chOff x="3276691" y="2116077"/>
+                    <a:chExt cx="4165631" cy="2633206"/>
+                  </a:xfrm>
+                </p:grpSpPr>
+                <p:grpSp>
+                  <p:nvGrpSpPr>
+                    <p:cNvPr id="38" name="Group 37">
+                      <a:extLst>
+                        <a:ext uri="{FF2B5EF4-FFF2-40B4-BE49-F238E27FC236}">
+                          <a16:creationId xmlns:a16="http://schemas.microsoft.com/office/drawing/2014/main" id="{20AA6874-13CE-D89F-6AC5-339AB03D75D2}"/>
+                        </a:ext>
+                      </a:extLst>
+                    </p:cNvPr>
+                    <p:cNvGrpSpPr/>
+                    <p:nvPr/>
+                  </p:nvGrpSpPr>
+                  <p:grpSpPr>
+                    <a:xfrm>
+                      <a:off x="3276691" y="2116077"/>
+                      <a:ext cx="4165631" cy="2633206"/>
+                      <a:chOff x="2744846" y="977742"/>
+                      <a:chExt cx="4165631" cy="2633206"/>
+                    </a:xfrm>
+                  </p:grpSpPr>
+                  <p:grpSp>
+                    <p:nvGrpSpPr>
+                      <p:cNvPr id="40" name="Group 39">
+                        <a:extLst>
+                          <a:ext uri="{FF2B5EF4-FFF2-40B4-BE49-F238E27FC236}">
+                            <a16:creationId xmlns:a16="http://schemas.microsoft.com/office/drawing/2014/main" id="{61386303-35A5-F840-E8E1-5B097B67F9F2}"/>
+                          </a:ext>
+                        </a:extLst>
+                      </p:cNvPr>
+                      <p:cNvGrpSpPr/>
+                      <p:nvPr/>
+                    </p:nvGrpSpPr>
+                    <p:grpSpPr>
+                      <a:xfrm>
+                        <a:off x="3585298" y="2299353"/>
+                        <a:ext cx="723219" cy="1311595"/>
+                        <a:chOff x="3051110" y="1705940"/>
+                        <a:chExt cx="1254996" cy="1643751"/>
+                      </a:xfrm>
+                    </p:grpSpPr>
+                    <p:cxnSp>
+                      <p:nvCxnSpPr>
+                        <p:cNvPr id="47" name="Straight Connector 46">
+                          <a:extLst>
+                            <a:ext uri="{FF2B5EF4-FFF2-40B4-BE49-F238E27FC236}">
+                              <a16:creationId xmlns:a16="http://schemas.microsoft.com/office/drawing/2014/main" id="{50DB8832-0D29-8B9B-907F-3EA7329B5258}"/>
+                            </a:ext>
+                          </a:extLst>
+                        </p:cNvPr>
+                        <p:cNvCxnSpPr/>
+                        <p:nvPr/>
+                      </p:nvCxnSpPr>
+                      <p:spPr>
+                        <a:xfrm>
+                          <a:off x="3051110" y="1705940"/>
+                          <a:ext cx="1007706" cy="317240"/>
+                        </a:xfrm>
+                        <a:prstGeom prst="line">
+                          <a:avLst/>
+                        </a:prstGeom>
+                        <a:ln w="38100">
+                          <a:solidFill>
+                            <a:schemeClr val="tx1"/>
+                          </a:solidFill>
+                        </a:ln>
+                      </p:spPr>
+                      <p:style>
+                        <a:lnRef idx="1">
+                          <a:schemeClr val="accent1"/>
+                        </a:lnRef>
+                        <a:fillRef idx="0">
+                          <a:schemeClr val="accent1"/>
+                        </a:fillRef>
+                        <a:effectRef idx="0">
+                          <a:schemeClr val="accent1"/>
+                        </a:effectRef>
+                        <a:fontRef idx="minor">
+                          <a:schemeClr val="tx1"/>
+                        </a:fontRef>
+                      </p:style>
+                    </p:cxnSp>
+                    <p:cxnSp>
+                      <p:nvCxnSpPr>
+                        <p:cNvPr id="48" name="Straight Connector 47">
+                          <a:extLst>
+                            <a:ext uri="{FF2B5EF4-FFF2-40B4-BE49-F238E27FC236}">
+                              <a16:creationId xmlns:a16="http://schemas.microsoft.com/office/drawing/2014/main" id="{C5029754-A63B-738F-53DA-D6FECAFE3621}"/>
+                            </a:ext>
+                          </a:extLst>
+                        </p:cNvPr>
+                        <p:cNvCxnSpPr>
+                          <a:cxnSpLocks/>
+                        </p:cNvCxnSpPr>
+                        <p:nvPr/>
+                      </p:nvCxnSpPr>
+                      <p:spPr>
+                        <a:xfrm>
+                          <a:off x="3125755" y="2799184"/>
+                          <a:ext cx="858416" cy="550507"/>
+                        </a:xfrm>
+                        <a:prstGeom prst="line">
+                          <a:avLst/>
+                        </a:prstGeom>
+                        <a:ln w="38100">
+                          <a:solidFill>
+                            <a:schemeClr val="tx1"/>
+                          </a:solidFill>
+                        </a:ln>
+                      </p:spPr>
+                      <p:style>
+                        <a:lnRef idx="1">
+                          <a:schemeClr val="accent1"/>
+                        </a:lnRef>
+                        <a:fillRef idx="0">
+                          <a:schemeClr val="accent1"/>
+                        </a:fillRef>
+                        <a:effectRef idx="0">
+                          <a:schemeClr val="accent1"/>
+                        </a:effectRef>
+                        <a:fontRef idx="minor">
+                          <a:schemeClr val="tx1"/>
+                        </a:fontRef>
+                      </p:style>
+                    </p:cxnSp>
+                    <p:cxnSp>
+                      <p:nvCxnSpPr>
+                        <p:cNvPr id="49" name="Straight Connector 48">
+                          <a:extLst>
+                            <a:ext uri="{FF2B5EF4-FFF2-40B4-BE49-F238E27FC236}">
+                              <a16:creationId xmlns:a16="http://schemas.microsoft.com/office/drawing/2014/main" id="{4E1F6983-64F8-A9D0-055D-43440C4130A2}"/>
+                            </a:ext>
+                          </a:extLst>
+                        </p:cNvPr>
+                        <p:cNvCxnSpPr>
+                          <a:cxnSpLocks/>
+                        </p:cNvCxnSpPr>
+                        <p:nvPr/>
+                      </p:nvCxnSpPr>
+                      <p:spPr>
+                        <a:xfrm>
+                          <a:off x="3051110" y="2915816"/>
+                          <a:ext cx="1254996" cy="402101"/>
+                        </a:xfrm>
+                        <a:prstGeom prst="line">
+                          <a:avLst/>
+                        </a:prstGeom>
+                        <a:ln>
+                          <a:solidFill>
+                            <a:schemeClr val="tx1"/>
+                          </a:solidFill>
+                          <a:prstDash val="dash"/>
+                        </a:ln>
+                      </p:spPr>
+                      <p:style>
+                        <a:lnRef idx="1">
+                          <a:schemeClr val="accent1"/>
+                        </a:lnRef>
+                        <a:fillRef idx="0">
+                          <a:schemeClr val="accent1"/>
+                        </a:fillRef>
+                        <a:effectRef idx="0">
+                          <a:schemeClr val="accent1"/>
+                        </a:effectRef>
+                        <a:fontRef idx="minor">
+                          <a:schemeClr val="tx1"/>
+                        </a:fontRef>
+                      </p:style>
+                    </p:cxnSp>
+                  </p:grpSp>
+                  <p:cxnSp>
+                    <p:nvCxnSpPr>
+                      <p:cNvPr id="41" name="Straight Arrow Connector 40">
+                        <a:extLst>
+                          <a:ext uri="{FF2B5EF4-FFF2-40B4-BE49-F238E27FC236}">
+                            <a16:creationId xmlns:a16="http://schemas.microsoft.com/office/drawing/2014/main" id="{7914EFEF-3F98-CAAF-6F14-666DDC99C9E8}"/>
+                          </a:ext>
+                        </a:extLst>
+                      </p:cNvPr>
+                      <p:cNvCxnSpPr>
+                        <a:cxnSpLocks/>
+                      </p:cNvCxnSpPr>
+                      <p:nvPr/>
+                    </p:nvCxnSpPr>
+                    <p:spPr>
+                      <a:xfrm flipV="1">
+                        <a:off x="2744846" y="2436617"/>
+                        <a:ext cx="1183346" cy="924933"/>
+                      </a:xfrm>
+                      <a:prstGeom prst="straightConnector1">
+                        <a:avLst/>
+                      </a:prstGeom>
+                      <a:ln w="28575">
+                        <a:solidFill>
+                          <a:schemeClr val="accent2">
+                            <a:lumMod val="50000"/>
+                          </a:schemeClr>
+                        </a:solidFill>
+                        <a:tailEnd type="triangle"/>
+                      </a:ln>
+                    </p:spPr>
+                    <p:style>
+                      <a:lnRef idx="1">
+                        <a:schemeClr val="accent1"/>
+                      </a:lnRef>
+                      <a:fillRef idx="0">
+                        <a:schemeClr val="accent1"/>
+                      </a:fillRef>
+                      <a:effectRef idx="0">
+                        <a:schemeClr val="accent1"/>
+                      </a:effectRef>
+                      <a:fontRef idx="minor">
+                        <a:schemeClr val="tx1"/>
+                      </a:fontRef>
+                    </p:style>
+                  </p:cxnSp>
+                  <p:cxnSp>
+                    <p:nvCxnSpPr>
+                      <p:cNvPr id="42" name="Straight Arrow Connector 41">
+                        <a:extLst>
+                          <a:ext uri="{FF2B5EF4-FFF2-40B4-BE49-F238E27FC236}">
+                            <a16:creationId xmlns:a16="http://schemas.microsoft.com/office/drawing/2014/main" id="{9D010230-0607-4B99-B080-B3A95A03182D}"/>
+                          </a:ext>
+                        </a:extLst>
+                      </p:cNvPr>
+                      <p:cNvCxnSpPr>
+                        <a:cxnSpLocks/>
+                      </p:cNvCxnSpPr>
+                      <p:nvPr/>
+                    </p:nvCxnSpPr>
+                    <p:spPr>
+                      <a:xfrm>
+                        <a:off x="3907668" y="2430799"/>
+                        <a:ext cx="0" cy="1000042"/>
+                      </a:xfrm>
+                      <a:prstGeom prst="straightConnector1">
+                        <a:avLst/>
+                      </a:prstGeom>
+                      <a:ln w="28575">
+                        <a:solidFill>
+                          <a:schemeClr val="accent2">
+                            <a:lumMod val="50000"/>
+                          </a:schemeClr>
+                        </a:solidFill>
+                        <a:tailEnd type="triangle"/>
+                      </a:ln>
+                    </p:spPr>
+                    <p:style>
+                      <a:lnRef idx="1">
+                        <a:schemeClr val="accent1"/>
+                      </a:lnRef>
+                      <a:fillRef idx="0">
+                        <a:schemeClr val="accent1"/>
+                      </a:fillRef>
+                      <a:effectRef idx="0">
+                        <a:schemeClr val="accent1"/>
+                      </a:effectRef>
+                      <a:fontRef idx="minor">
+                        <a:schemeClr val="tx1"/>
+                      </a:fontRef>
+                    </p:style>
+                  </p:cxnSp>
+                  <p:cxnSp>
+                    <p:nvCxnSpPr>
+                      <p:cNvPr id="43" name="Straight Arrow Connector 42">
+                        <a:extLst>
+                          <a:ext uri="{FF2B5EF4-FFF2-40B4-BE49-F238E27FC236}">
+                            <a16:creationId xmlns:a16="http://schemas.microsoft.com/office/drawing/2014/main" id="{0429F0EC-817E-101C-F9D3-B077BDF0F289}"/>
+                          </a:ext>
+                        </a:extLst>
+                      </p:cNvPr>
+                      <p:cNvCxnSpPr>
+                        <a:cxnSpLocks/>
+                      </p:cNvCxnSpPr>
+                      <p:nvPr/>
+                    </p:nvCxnSpPr>
+                    <p:spPr>
+                      <a:xfrm flipV="1">
+                        <a:off x="3909815" y="2874955"/>
+                        <a:ext cx="2798956" cy="531189"/>
+                      </a:xfrm>
+                      <a:prstGeom prst="straightConnector1">
+                        <a:avLst/>
+                      </a:prstGeom>
+                      <a:ln w="28575">
+                        <a:solidFill>
+                          <a:schemeClr val="accent2">
+                            <a:lumMod val="50000"/>
+                          </a:schemeClr>
+                        </a:solidFill>
+                        <a:tailEnd type="triangle"/>
+                      </a:ln>
+                    </p:spPr>
+                    <p:style>
+                      <a:lnRef idx="1">
+                        <a:schemeClr val="accent1"/>
+                      </a:lnRef>
+                      <a:fillRef idx="0">
+                        <a:schemeClr val="accent1"/>
+                      </a:fillRef>
+                      <a:effectRef idx="0">
+                        <a:schemeClr val="accent1"/>
+                      </a:effectRef>
+                      <a:fontRef idx="minor">
+                        <a:schemeClr val="tx1"/>
+                      </a:fontRef>
+                    </p:style>
+                  </p:cxnSp>
+                  <p:grpSp>
+                    <p:nvGrpSpPr>
+                      <p:cNvPr id="44" name="Group 43">
+                        <a:extLst>
+                          <a:ext uri="{FF2B5EF4-FFF2-40B4-BE49-F238E27FC236}">
+                            <a16:creationId xmlns:a16="http://schemas.microsoft.com/office/drawing/2014/main" id="{B915ED45-2942-21D3-5F2A-A9D9E498DF6B}"/>
+                          </a:ext>
+                        </a:extLst>
+                      </p:cNvPr>
+                      <p:cNvGrpSpPr/>
+                      <p:nvPr/>
+                    </p:nvGrpSpPr>
+                    <p:grpSpPr>
+                      <a:xfrm>
+                        <a:off x="4370336" y="977742"/>
+                        <a:ext cx="2540141" cy="2540141"/>
+                        <a:chOff x="5068525" y="232158"/>
+                        <a:chExt cx="2540141" cy="2540141"/>
+                      </a:xfrm>
+                    </p:grpSpPr>
+                    <p:sp>
+                      <p:nvSpPr>
+                        <p:cNvPr id="45" name="Oval 44">
+                          <a:extLst>
+                            <a:ext uri="{FF2B5EF4-FFF2-40B4-BE49-F238E27FC236}">
+                              <a16:creationId xmlns:a16="http://schemas.microsoft.com/office/drawing/2014/main" id="{D0B4CD7E-BF38-1FA7-894F-5B92EEA978FD}"/>
+                            </a:ext>
+                          </a:extLst>
+                        </p:cNvPr>
+                        <p:cNvSpPr/>
+                        <p:nvPr/>
+                      </p:nvSpPr>
+                      <p:spPr>
+                        <a:xfrm>
+                          <a:off x="5068525" y="232158"/>
+                          <a:ext cx="2540141" cy="2540141"/>
+                        </a:xfrm>
+                        <a:prstGeom prst="ellipse">
+                          <a:avLst/>
+                        </a:prstGeom>
+                        <a:noFill/>
+                        <a:ln w="38100">
+                          <a:solidFill>
+                            <a:schemeClr val="bg1">
+                              <a:lumMod val="65000"/>
+                            </a:schemeClr>
+                          </a:solidFill>
+                        </a:ln>
+                      </p:spPr>
+                      <p:style>
+                        <a:lnRef idx="2">
+                          <a:schemeClr val="accent1">
+                            <a:shade val="50000"/>
+                          </a:schemeClr>
+                        </a:lnRef>
+                        <a:fillRef idx="1">
+                          <a:schemeClr val="accent1"/>
+                        </a:fillRef>
+                        <a:effectRef idx="0">
+                          <a:schemeClr val="accent1"/>
+                        </a:effectRef>
+                        <a:fontRef idx="minor">
+                          <a:schemeClr val="lt1"/>
+                        </a:fontRef>
+                      </p:style>
+                      <p:txBody>
+                        <a:bodyPr rtlCol="0" anchor="ctr"/>
+                        <a:lstStyle/>
+                        <a:p>
+                          <a:pPr algn="ctr"/>
+                          <a:endParaRPr lang="en-US"/>
+                        </a:p>
+                      </p:txBody>
+                    </p:sp>
+                    <p:sp>
+                      <p:nvSpPr>
+                        <p:cNvPr id="46" name="Oval 45">
+                          <a:extLst>
+                            <a:ext uri="{FF2B5EF4-FFF2-40B4-BE49-F238E27FC236}">
+                              <a16:creationId xmlns:a16="http://schemas.microsoft.com/office/drawing/2014/main" id="{C38F23CD-830C-BD7B-B5EE-45307C453E4B}"/>
+                            </a:ext>
+                          </a:extLst>
+                        </p:cNvPr>
+                        <p:cNvSpPr/>
+                        <p:nvPr/>
+                      </p:nvSpPr>
+                      <p:spPr>
+                        <a:xfrm>
+                          <a:off x="5834742" y="998376"/>
+                          <a:ext cx="1007706" cy="1007706"/>
+                        </a:xfrm>
+                        <a:prstGeom prst="ellipse">
+                          <a:avLst/>
+                        </a:prstGeom>
+                        <a:noFill/>
+                        <a:ln w="38100">
+                          <a:solidFill>
+                            <a:schemeClr val="bg1">
+                              <a:lumMod val="65000"/>
+                            </a:schemeClr>
+                          </a:solidFill>
+                        </a:ln>
+                      </p:spPr>
+                      <p:style>
+                        <a:lnRef idx="2">
+                          <a:schemeClr val="accent1">
+                            <a:shade val="50000"/>
+                          </a:schemeClr>
+                        </a:lnRef>
+                        <a:fillRef idx="1">
+                          <a:schemeClr val="accent1"/>
+                        </a:fillRef>
+                        <a:effectRef idx="0">
+                          <a:schemeClr val="accent1"/>
+                        </a:effectRef>
+                        <a:fontRef idx="minor">
+                          <a:schemeClr val="lt1"/>
+                        </a:fontRef>
+                      </p:style>
+                      <p:txBody>
+                        <a:bodyPr rtlCol="0" anchor="ctr"/>
+                        <a:lstStyle/>
+                        <a:p>
+                          <a:pPr algn="ctr"/>
+                          <a:endParaRPr lang="en-US"/>
+                        </a:p>
+                      </p:txBody>
+                    </p:sp>
+                  </p:grpSp>
+                </p:grpSp>
+                <p:cxnSp>
+                  <p:nvCxnSpPr>
+                    <p:cNvPr id="39" name="Straight Connector 38">
+                      <a:extLst>
+                        <a:ext uri="{FF2B5EF4-FFF2-40B4-BE49-F238E27FC236}">
+                          <a16:creationId xmlns:a16="http://schemas.microsoft.com/office/drawing/2014/main" id="{BFFD0799-46A7-6449-E80C-243AD20F7273}"/>
+                        </a:ext>
+                      </a:extLst>
+                    </p:cNvPr>
+                    <p:cNvCxnSpPr>
+                      <a:cxnSpLocks/>
+                    </p:cNvCxnSpPr>
+                    <p:nvPr/>
+                  </p:nvCxnSpPr>
+                  <p:spPr>
+                    <a:xfrm>
+                      <a:off x="5186184" y="4204695"/>
+                      <a:ext cx="238518" cy="213129"/>
+                    </a:xfrm>
+                    <a:prstGeom prst="line">
+                      <a:avLst/>
+                    </a:prstGeom>
+                    <a:ln w="38100">
+                      <a:solidFill>
+                        <a:schemeClr val="tx1"/>
+                      </a:solidFill>
+                    </a:ln>
+                  </p:spPr>
+                  <p:style>
+                    <a:lnRef idx="1">
+                      <a:schemeClr val="accent1"/>
+                    </a:lnRef>
+                    <a:fillRef idx="0">
+                      <a:schemeClr val="accent1"/>
+                    </a:fillRef>
+                    <a:effectRef idx="0">
+                      <a:schemeClr val="accent1"/>
+                    </a:effectRef>
+                    <a:fontRef idx="minor">
+                      <a:schemeClr val="tx1"/>
+                    </a:fontRef>
+                  </p:style>
+                </p:cxnSp>
+              </p:grpSp>
+              <p:cxnSp>
+                <p:nvCxnSpPr>
+                  <p:cNvPr id="13" name="Straight Arrow Connector 12">
+                    <a:extLst>
+                      <a:ext uri="{FF2B5EF4-FFF2-40B4-BE49-F238E27FC236}">
+                        <a16:creationId xmlns:a16="http://schemas.microsoft.com/office/drawing/2014/main" id="{8B8A85BF-47DC-9F16-AAB6-BF5693C9291F}"/>
+                      </a:ext>
+                    </a:extLst>
+                  </p:cNvPr>
+                  <p:cNvCxnSpPr/>
+                  <p:nvPr/>
+                </p:nvCxnSpPr>
+                <p:spPr>
+                  <a:xfrm flipH="1">
+                    <a:off x="5748565" y="2771721"/>
+                    <a:ext cx="1657296" cy="1766397"/>
+                  </a:xfrm>
+                  <a:prstGeom prst="straightConnector1">
+                    <a:avLst/>
+                  </a:prstGeom>
+                  <a:ln>
+                    <a:solidFill>
+                      <a:schemeClr val="tx1"/>
+                    </a:solidFill>
+                    <a:tailEnd type="triangle"/>
+                  </a:ln>
+                </p:spPr>
+                <p:style>
+                  <a:lnRef idx="1">
+                    <a:schemeClr val="accent1"/>
+                  </a:lnRef>
+                  <a:fillRef idx="0">
+                    <a:schemeClr val="accent1"/>
+                  </a:fillRef>
+                  <a:effectRef idx="0">
+                    <a:schemeClr val="accent1"/>
+                  </a:effectRef>
+                  <a:fontRef idx="minor">
+                    <a:schemeClr val="tx1"/>
+                  </a:fontRef>
+                </p:style>
+              </p:cxnSp>
+              <p:cxnSp>
+                <p:nvCxnSpPr>
+                  <p:cNvPr id="14" name="Straight Arrow Connector 13">
+                    <a:extLst>
+                      <a:ext uri="{FF2B5EF4-FFF2-40B4-BE49-F238E27FC236}">
+                        <a16:creationId xmlns:a16="http://schemas.microsoft.com/office/drawing/2014/main" id="{DA8CB026-D5DD-78B7-2A94-FA905E235C71}"/>
+                      </a:ext>
+                    </a:extLst>
+                  </p:cNvPr>
+                  <p:cNvCxnSpPr>
+                    <a:cxnSpLocks/>
+                  </p:cNvCxnSpPr>
+                  <p:nvPr/>
+                </p:nvCxnSpPr>
+                <p:spPr>
+                  <a:xfrm>
+                    <a:off x="7405861" y="2771721"/>
+                    <a:ext cx="385510" cy="1433600"/>
+                  </a:xfrm>
+                  <a:prstGeom prst="straightConnector1">
+                    <a:avLst/>
+                  </a:prstGeom>
+                  <a:ln>
+                    <a:solidFill>
+                      <a:schemeClr val="tx1"/>
+                    </a:solidFill>
+                    <a:tailEnd type="triangle"/>
+                  </a:ln>
+                </p:spPr>
+                <p:style>
+                  <a:lnRef idx="1">
+                    <a:schemeClr val="accent1"/>
+                  </a:lnRef>
+                  <a:fillRef idx="0">
+                    <a:schemeClr val="accent1"/>
+                  </a:fillRef>
+                  <a:effectRef idx="0">
+                    <a:schemeClr val="accent1"/>
+                  </a:effectRef>
+                  <a:fontRef idx="minor">
+                    <a:schemeClr val="tx1"/>
+                  </a:fontRef>
+                </p:style>
+              </p:cxnSp>
+              <p:sp>
+                <p:nvSpPr>
+                  <p:cNvPr id="15" name="Arc 14">
+                    <a:extLst>
+                      <a:ext uri="{FF2B5EF4-FFF2-40B4-BE49-F238E27FC236}">
+                        <a16:creationId xmlns:a16="http://schemas.microsoft.com/office/drawing/2014/main" id="{1AAB4600-1F91-59DE-224C-E8E3F9265D7B}"/>
+                      </a:ext>
+                    </a:extLst>
+                  </p:cNvPr>
+                  <p:cNvSpPr/>
+                  <p:nvPr/>
+                </p:nvSpPr>
+                <p:spPr>
+                  <a:xfrm rot="13535089">
+                    <a:off x="3700571" y="4561451"/>
+                    <a:ext cx="457200" cy="457200"/>
+                  </a:xfrm>
+                  <a:prstGeom prst="arc">
+                    <a:avLst>
+                      <a:gd name="adj1" fmla="val 18053513"/>
+                      <a:gd name="adj2" fmla="val 20415195"/>
+                    </a:avLst>
+                  </a:prstGeom>
+                  <a:ln w="19050">
+                    <a:solidFill>
+                      <a:schemeClr val="tx1"/>
+                    </a:solidFill>
+                  </a:ln>
+                </p:spPr>
+                <p:style>
+                  <a:lnRef idx="1">
+                    <a:schemeClr val="accent1"/>
+                  </a:lnRef>
+                  <a:fillRef idx="0">
+                    <a:schemeClr val="accent1"/>
+                  </a:fillRef>
+                  <a:effectRef idx="0">
+                    <a:schemeClr val="accent1"/>
+                  </a:effectRef>
+                  <a:fontRef idx="minor">
+                    <a:schemeClr val="tx1"/>
+                  </a:fontRef>
+                </p:style>
+                <p:txBody>
+                  <a:bodyPr rtlCol="0" anchor="ctr"/>
+                  <a:lstStyle/>
+                  <a:p>
+                    <a:pPr algn="ctr"/>
+                    <a:endParaRPr lang="en-US"/>
+                  </a:p>
+                </p:txBody>
+              </p:sp>
+              <p:cxnSp>
+                <p:nvCxnSpPr>
+                  <p:cNvPr id="16" name="Straight Arrow Connector 15">
+                    <a:extLst>
+                      <a:ext uri="{FF2B5EF4-FFF2-40B4-BE49-F238E27FC236}">
+                        <a16:creationId xmlns:a16="http://schemas.microsoft.com/office/drawing/2014/main" id="{3C50589A-611D-DAEB-3847-24820092966D}"/>
+                      </a:ext>
+                    </a:extLst>
+                  </p:cNvPr>
+                  <p:cNvCxnSpPr/>
+                  <p:nvPr/>
+                </p:nvCxnSpPr>
+                <p:spPr>
+                  <a:xfrm flipH="1">
+                    <a:off x="4033886" y="2771721"/>
+                    <a:ext cx="3371975" cy="2221647"/>
+                  </a:xfrm>
+                  <a:prstGeom prst="straightConnector1">
+                    <a:avLst/>
+                  </a:prstGeom>
+                  <a:ln>
+                    <a:solidFill>
+                      <a:schemeClr val="tx1"/>
+                    </a:solidFill>
+                    <a:tailEnd type="triangle"/>
+                  </a:ln>
+                </p:spPr>
+                <p:style>
+                  <a:lnRef idx="1">
+                    <a:schemeClr val="accent1"/>
+                  </a:lnRef>
+                  <a:fillRef idx="0">
+                    <a:schemeClr val="accent1"/>
+                  </a:fillRef>
+                  <a:effectRef idx="0">
+                    <a:schemeClr val="accent1"/>
+                  </a:effectRef>
+                  <a:fontRef idx="minor">
+                    <a:schemeClr val="tx1"/>
+                  </a:fontRef>
+                </p:style>
+              </p:cxnSp>
+              <p:sp>
+                <p:nvSpPr>
+                  <p:cNvPr id="17" name="Arc 16">
+                    <a:extLst>
+                      <a:ext uri="{FF2B5EF4-FFF2-40B4-BE49-F238E27FC236}">
+                        <a16:creationId xmlns:a16="http://schemas.microsoft.com/office/drawing/2014/main" id="{3AF99637-6F63-660B-DCE3-B9DE1A61AF22}"/>
+                      </a:ext>
+                    </a:extLst>
+                  </p:cNvPr>
+                  <p:cNvSpPr/>
+                  <p:nvPr/>
+                </p:nvSpPr>
+                <p:spPr>
+                  <a:xfrm rot="11299855">
+                    <a:off x="6922295" y="2823696"/>
+                    <a:ext cx="457200" cy="457200"/>
+                  </a:xfrm>
+                  <a:prstGeom prst="arc">
+                    <a:avLst>
+                      <a:gd name="adj1" fmla="val 18053513"/>
+                      <a:gd name="adj2" fmla="val 20485441"/>
+                    </a:avLst>
+                  </a:prstGeom>
+                  <a:ln w="19050">
+                    <a:solidFill>
+                      <a:schemeClr val="tx1"/>
+                    </a:solidFill>
+                  </a:ln>
+                </p:spPr>
+                <p:style>
+                  <a:lnRef idx="1">
+                    <a:schemeClr val="accent1"/>
+                  </a:lnRef>
+                  <a:fillRef idx="0">
+                    <a:schemeClr val="accent1"/>
+                  </a:fillRef>
+                  <a:effectRef idx="0">
+                    <a:schemeClr val="accent1"/>
+                  </a:effectRef>
+                  <a:fontRef idx="minor">
+                    <a:schemeClr val="tx1"/>
+                  </a:fontRef>
+                </p:style>
+                <p:txBody>
+                  <a:bodyPr rtlCol="0" anchor="ctr"/>
+                  <a:lstStyle/>
+                  <a:p>
+                    <a:pPr algn="ctr"/>
+                    <a:endParaRPr lang="en-US"/>
+                  </a:p>
+                </p:txBody>
+              </p:sp>
+              <p:sp>
+                <p:nvSpPr>
+                  <p:cNvPr id="18" name="Arc 17">
+                    <a:extLst>
+                      <a:ext uri="{FF2B5EF4-FFF2-40B4-BE49-F238E27FC236}">
+                        <a16:creationId xmlns:a16="http://schemas.microsoft.com/office/drawing/2014/main" id="{E99EE5E4-2769-793C-C1A8-0BA1F0F1FE17}"/>
+                      </a:ext>
+                    </a:extLst>
+                  </p:cNvPr>
+                  <p:cNvSpPr/>
+                  <p:nvPr/>
+                </p:nvSpPr>
+                <p:spPr>
+                  <a:xfrm rot="12907480">
+                    <a:off x="3959516" y="2938359"/>
+                    <a:ext cx="457200" cy="457200"/>
+                  </a:xfrm>
+                  <a:prstGeom prst="arc">
+                    <a:avLst>
+                      <a:gd name="adj1" fmla="val 18053513"/>
+                      <a:gd name="adj2" fmla="val 20415195"/>
+                    </a:avLst>
+                  </a:prstGeom>
+                  <a:ln w="19050">
+                    <a:solidFill>
+                      <a:schemeClr val="tx1"/>
+                    </a:solidFill>
+                  </a:ln>
+                </p:spPr>
+                <p:style>
+                  <a:lnRef idx="1">
+                    <a:schemeClr val="accent1"/>
+                  </a:lnRef>
+                  <a:fillRef idx="0">
+                    <a:schemeClr val="accent1"/>
+                  </a:fillRef>
+                  <a:effectRef idx="0">
+                    <a:schemeClr val="accent1"/>
+                  </a:effectRef>
+                  <a:fontRef idx="minor">
+                    <a:schemeClr val="tx1"/>
+                  </a:fontRef>
+                </p:style>
+                <p:txBody>
+                  <a:bodyPr rtlCol="0" anchor="ctr"/>
+                  <a:lstStyle/>
+                  <a:p>
+                    <a:pPr algn="ctr"/>
+                    <a:endParaRPr lang="en-US"/>
+                  </a:p>
+                </p:txBody>
+              </p:sp>
+              <mc:AlternateContent xmlns:mc="http://schemas.openxmlformats.org/markup-compatibility/2006" xmlns:a14="http://schemas.microsoft.com/office/drawing/2010/main">
+                <mc:Choice Requires="a14">
+                  <p:sp>
+                    <p:nvSpPr>
+                      <p:cNvPr id="19" name="TextBox 18">
+                        <a:extLst>
+                          <a:ext uri="{FF2B5EF4-FFF2-40B4-BE49-F238E27FC236}">
+                            <a16:creationId xmlns:a16="http://schemas.microsoft.com/office/drawing/2014/main" id="{9119B38C-8E56-9B43-7D75-18EC79A844B3}"/>
+                          </a:ext>
+                        </a:extLst>
+                      </p:cNvPr>
+                      <p:cNvSpPr txBox="1"/>
+                      <p:nvPr/>
+                    </p:nvSpPr>
+                    <p:spPr>
+                      <a:xfrm>
+                        <a:off x="4715405" y="3882544"/>
+                        <a:ext cx="546111" cy="369332"/>
+                      </a:xfrm>
+                      <a:prstGeom prst="rect">
+                        <a:avLst/>
+                      </a:prstGeom>
+                      <a:noFill/>
+                    </p:spPr>
+                    <p:txBody>
+                      <a:bodyPr wrap="none" rtlCol="0">
+                        <a:spAutoFit/>
+                      </a:bodyPr>
+                      <a:lstStyle/>
+                      <a:p>
+                        <a:pPr/>
+                        <a14:m>
+                          <m:oMathPara xmlns:m="http://schemas.openxmlformats.org/officeDocument/2006/math">
+                            <m:oMathParaPr>
+                              <m:jc m:val="centerGroup"/>
+                            </m:oMathParaPr>
+                            <m:oMath xmlns:m="http://schemas.openxmlformats.org/officeDocument/2006/math">
+                              <m:sSub>
+                                <m:sSubPr>
+                                  <m:ctrlPr>
+                                    <a:rPr lang="en-US" b="0" i="1" smtClean="0">
+                                      <a:latin typeface="Cambria Math" panose="02040503050406030204" pitchFamily="18" charset="0"/>
+                                    </a:rPr>
+                                  </m:ctrlPr>
+                                </m:sSubPr>
+                                <m:e>
+                                  <m:r>
+                                    <a:rPr lang="en-US" b="0" i="1" smtClean="0">
+                                      <a:latin typeface="Cambria Math" panose="02040503050406030204" pitchFamily="18" charset="0"/>
+                                    </a:rPr>
+                                    <m:t>𝑅</m:t>
+                                  </m:r>
+                                </m:e>
+                                <m:sub>
+                                  <m:r>
+                                    <m:rPr>
+                                      <m:sty m:val="p"/>
+                                    </m:rPr>
+                                    <a:rPr lang="en-US" altLang="zh-CN" i="1">
+                                      <a:latin typeface="Cambria Math" panose="02040503050406030204" pitchFamily="18" charset="0"/>
+                                    </a:rPr>
+                                    <m:t>m</m:t>
+                                  </m:r>
+                                </m:sub>
+                              </m:sSub>
+                            </m:oMath>
+                          </m:oMathPara>
+                        </a14:m>
+                        <a:endParaRPr lang="en-US" dirty="0"/>
+                      </a:p>
+                    </p:txBody>
+                  </p:sp>
+                </mc:Choice>
+                <mc:Fallback xmlns="">
+                  <p:sp>
+                    <p:nvSpPr>
+                      <p:cNvPr id="47" name="TextBox 46">
+                        <a:extLst>
+                          <a:ext uri="{FF2B5EF4-FFF2-40B4-BE49-F238E27FC236}">
+                            <a16:creationId xmlns:a16="http://schemas.microsoft.com/office/drawing/2014/main" id="{9B0862FD-957D-42E5-8E1D-4DEE40CE9EC8}"/>
+                          </a:ext>
+                        </a:extLst>
+                      </p:cNvPr>
+                      <p:cNvSpPr txBox="1">
+                        <a:spLocks noRot="1" noChangeAspect="1" noMove="1" noResize="1" noEditPoints="1" noAdjustHandles="1" noChangeArrowheads="1" noChangeShapeType="1" noTextEdit="1"/>
+                      </p:cNvSpPr>
+                      <p:nvPr/>
+                    </p:nvSpPr>
+                    <p:spPr>
+                      <a:xfrm>
+                        <a:off x="4715405" y="3882544"/>
+                        <a:ext cx="546111" cy="369332"/>
+                      </a:xfrm>
+                      <a:prstGeom prst="rect">
+                        <a:avLst/>
+                      </a:prstGeom>
+                      <a:blipFill>
+                        <a:blip r:embed="rId2"/>
+                        <a:stretch>
+                          <a:fillRect/>
+                        </a:stretch>
+                      </a:blipFill>
+                    </p:spPr>
+                    <p:txBody>
+                      <a:bodyPr/>
+                      <a:lstStyle/>
+                      <a:p>
+                        <a:r>
+                          <a:rPr lang="en-US">
+                            <a:noFill/>
+                          </a:rPr>
+                          <a:t> </a:t>
+                        </a:r>
+                      </a:p>
+                    </p:txBody>
+                  </p:sp>
+                </mc:Fallback>
+              </mc:AlternateContent>
+              <mc:AlternateContent xmlns:mc="http://schemas.openxmlformats.org/markup-compatibility/2006" xmlns:a14="http://schemas.microsoft.com/office/drawing/2010/main">
+                <mc:Choice Requires="a14">
+                  <p:sp>
+                    <p:nvSpPr>
+                      <p:cNvPr id="20" name="TextBox 19">
+                        <a:extLst>
+                          <a:ext uri="{FF2B5EF4-FFF2-40B4-BE49-F238E27FC236}">
+                            <a16:creationId xmlns:a16="http://schemas.microsoft.com/office/drawing/2014/main" id="{70451F9D-8633-CA18-5751-E786BA41D56D}"/>
+                          </a:ext>
+                        </a:extLst>
+                      </p:cNvPr>
+                      <p:cNvSpPr txBox="1"/>
+                      <p:nvPr/>
+                    </p:nvSpPr>
+                    <p:spPr>
+                      <a:xfrm>
+                        <a:off x="7545236" y="3251048"/>
+                        <a:ext cx="391774" cy="369332"/>
+                      </a:xfrm>
+                      <a:prstGeom prst="rect">
+                        <a:avLst/>
+                      </a:prstGeom>
+                      <a:noFill/>
+                    </p:spPr>
+                    <p:txBody>
+                      <a:bodyPr wrap="none" rtlCol="0">
+                        <a:spAutoFit/>
+                      </a:bodyPr>
+                      <a:lstStyle/>
+                      <a:p>
+                        <a:pPr/>
+                        <a14:m>
+                          <m:oMathPara xmlns:m="http://schemas.openxmlformats.org/officeDocument/2006/math">
+                            <m:oMathParaPr>
+                              <m:jc m:val="centerGroup"/>
+                            </m:oMathParaPr>
+                            <m:oMath xmlns:m="http://schemas.openxmlformats.org/officeDocument/2006/math">
+                              <m:r>
+                                <a:rPr lang="en-US" b="0" i="1" smtClean="0">
+                                  <a:latin typeface="Cambria Math" panose="02040503050406030204" pitchFamily="18" charset="0"/>
+                                </a:rPr>
+                                <m:t>𝑅</m:t>
+                              </m:r>
+                            </m:oMath>
+                          </m:oMathPara>
+                        </a14:m>
+                        <a:endParaRPr lang="en-US" dirty="0"/>
+                      </a:p>
+                    </p:txBody>
+                  </p:sp>
+                </mc:Choice>
+                <mc:Fallback xmlns="">
+                  <p:sp>
+                    <p:nvSpPr>
+                      <p:cNvPr id="48" name="TextBox 47">
+                        <a:extLst>
+                          <a:ext uri="{FF2B5EF4-FFF2-40B4-BE49-F238E27FC236}">
+                            <a16:creationId xmlns:a16="http://schemas.microsoft.com/office/drawing/2014/main" id="{F5BDF149-9864-4F65-8C61-A5EAB44281E1}"/>
+                          </a:ext>
+                        </a:extLst>
+                      </p:cNvPr>
+                      <p:cNvSpPr txBox="1">
+                        <a:spLocks noRot="1" noChangeAspect="1" noMove="1" noResize="1" noEditPoints="1" noAdjustHandles="1" noChangeArrowheads="1" noChangeShapeType="1" noTextEdit="1"/>
+                      </p:cNvSpPr>
+                      <p:nvPr/>
+                    </p:nvSpPr>
+                    <p:spPr>
+                      <a:xfrm>
+                        <a:off x="7545236" y="3251048"/>
+                        <a:ext cx="391774" cy="369332"/>
+                      </a:xfrm>
+                      <a:prstGeom prst="rect">
+                        <a:avLst/>
+                      </a:prstGeom>
+                      <a:blipFill>
+                        <a:blip r:embed="rId3"/>
+                        <a:stretch>
+                          <a:fillRect/>
+                        </a:stretch>
+                      </a:blipFill>
+                    </p:spPr>
+                    <p:txBody>
+                      <a:bodyPr/>
+                      <a:lstStyle/>
+                      <a:p>
+                        <a:r>
+                          <a:rPr lang="en-US">
+                            <a:noFill/>
+                          </a:rPr>
+                          <a:t> </a:t>
+                        </a:r>
+                      </a:p>
+                    </p:txBody>
+                  </p:sp>
+                </mc:Fallback>
+              </mc:AlternateContent>
+              <mc:AlternateContent xmlns:mc="http://schemas.openxmlformats.org/markup-compatibility/2006" xmlns:a14="http://schemas.microsoft.com/office/drawing/2010/main">
+                <mc:Choice Requires="a14">
+                  <p:sp>
+                    <p:nvSpPr>
+                      <p:cNvPr id="21" name="TextBox 20">
+                        <a:extLst>
+                          <a:ext uri="{FF2B5EF4-FFF2-40B4-BE49-F238E27FC236}">
+                            <a16:creationId xmlns:a16="http://schemas.microsoft.com/office/drawing/2014/main" id="{28D1891B-BEC0-FFFF-5A84-A00498ADB365}"/>
+                          </a:ext>
+                        </a:extLst>
+                      </p:cNvPr>
+                      <p:cNvSpPr txBox="1"/>
+                      <p:nvPr/>
+                    </p:nvSpPr>
+                    <p:spPr>
+                      <a:xfrm>
+                        <a:off x="6209098" y="3266200"/>
+                        <a:ext cx="709126" cy="369332"/>
+                      </a:xfrm>
+                      <a:prstGeom prst="rect">
+                        <a:avLst/>
+                      </a:prstGeom>
+                      <a:noFill/>
+                    </p:spPr>
+                    <p:txBody>
+                      <a:bodyPr wrap="square" rtlCol="0">
+                        <a:spAutoFit/>
+                      </a:bodyPr>
+                      <a:lstStyle/>
+                      <a:p>
+                        <a:pPr/>
+                        <a14:m>
+                          <m:oMathPara xmlns:m="http://schemas.openxmlformats.org/officeDocument/2006/math">
+                            <m:oMathParaPr>
+                              <m:jc m:val="centerGroup"/>
+                            </m:oMathParaPr>
+                            <m:oMath xmlns:m="http://schemas.openxmlformats.org/officeDocument/2006/math">
+                              <m:sSub>
+                                <m:sSubPr>
+                                  <m:ctrlPr>
+                                    <a:rPr lang="en-US" b="0" i="1" smtClean="0">
+                                      <a:latin typeface="Cambria Math" panose="02040503050406030204" pitchFamily="18" charset="0"/>
+                                    </a:rPr>
+                                  </m:ctrlPr>
+                                </m:sSubPr>
+                                <m:e>
+                                  <m:r>
+                                    <a:rPr lang="en-US" b="0" i="1" smtClean="0">
+                                      <a:latin typeface="Cambria Math" panose="02040503050406030204" pitchFamily="18" charset="0"/>
+                                    </a:rPr>
+                                    <m:t>𝜙</m:t>
+                                  </m:r>
+                                </m:e>
+                                <m:sub>
+                                  <m:r>
+                                    <a:rPr lang="en-US" b="0" i="1" smtClean="0">
+                                      <a:latin typeface="Cambria Math" panose="02040503050406030204" pitchFamily="18" charset="0"/>
+                                    </a:rPr>
+                                    <m:t>1</m:t>
+                                  </m:r>
+                                </m:sub>
+                              </m:sSub>
+                            </m:oMath>
+                          </m:oMathPara>
+                        </a14:m>
+                        <a:endParaRPr lang="en-US" dirty="0"/>
+                      </a:p>
+                    </p:txBody>
+                  </p:sp>
+                </mc:Choice>
+                <mc:Fallback xmlns="">
+                  <p:sp>
+                    <p:nvSpPr>
+                      <p:cNvPr id="49" name="TextBox 48">
+                        <a:extLst>
+                          <a:ext uri="{FF2B5EF4-FFF2-40B4-BE49-F238E27FC236}">
+                            <a16:creationId xmlns:a16="http://schemas.microsoft.com/office/drawing/2014/main" id="{13201286-2CA6-4154-A26E-27536473E535}"/>
+                          </a:ext>
+                        </a:extLst>
+                      </p:cNvPr>
+                      <p:cNvSpPr txBox="1">
+                        <a:spLocks noRot="1" noChangeAspect="1" noMove="1" noResize="1" noEditPoints="1" noAdjustHandles="1" noChangeArrowheads="1" noChangeShapeType="1" noTextEdit="1"/>
+                      </p:cNvSpPr>
+                      <p:nvPr/>
+                    </p:nvSpPr>
+                    <p:spPr>
+                      <a:xfrm>
+                        <a:off x="6209098" y="3266200"/>
+                        <a:ext cx="709126" cy="369332"/>
+                      </a:xfrm>
+                      <a:prstGeom prst="rect">
+                        <a:avLst/>
+                      </a:prstGeom>
+                      <a:blipFill>
+                        <a:blip r:embed="rId4"/>
+                        <a:stretch>
+                          <a:fillRect b="-11475"/>
+                        </a:stretch>
+                      </a:blipFill>
+                    </p:spPr>
+                    <p:txBody>
+                      <a:bodyPr/>
+                      <a:lstStyle/>
+                      <a:p>
+                        <a:r>
+                          <a:rPr lang="en-US">
+                            <a:noFill/>
+                          </a:rPr>
+                          <a:t> </a:t>
+                        </a:r>
+                      </a:p>
+                    </p:txBody>
+                  </p:sp>
+                </mc:Fallback>
+              </mc:AlternateContent>
+              <p:cxnSp>
+                <p:nvCxnSpPr>
+                  <p:cNvPr id="22" name="Straight Connector 21">
+                    <a:extLst>
+                      <a:ext uri="{FF2B5EF4-FFF2-40B4-BE49-F238E27FC236}">
+                        <a16:creationId xmlns:a16="http://schemas.microsoft.com/office/drawing/2014/main" id="{35503B37-7EB1-9D54-1669-86D7752D3026}"/>
+                      </a:ext>
+                    </a:extLst>
+                  </p:cNvPr>
+                  <p:cNvCxnSpPr/>
+                  <p:nvPr/>
+                </p:nvCxnSpPr>
+                <p:spPr>
+                  <a:xfrm>
+                    <a:off x="4033886" y="4993368"/>
+                    <a:ext cx="681519" cy="763620"/>
+                  </a:xfrm>
+                  <a:prstGeom prst="line">
+                    <a:avLst/>
+                  </a:prstGeom>
+                  <a:ln>
+                    <a:solidFill>
+                      <a:schemeClr val="tx1">
+                        <a:lumMod val="50000"/>
+                        <a:lumOff val="50000"/>
+                      </a:schemeClr>
+                    </a:solidFill>
+                  </a:ln>
+                </p:spPr>
+                <p:style>
+                  <a:lnRef idx="1">
+                    <a:schemeClr val="accent1"/>
+                  </a:lnRef>
+                  <a:fillRef idx="0">
+                    <a:schemeClr val="accent1"/>
+                  </a:fillRef>
+                  <a:effectRef idx="0">
+                    <a:schemeClr val="accent1"/>
+                  </a:effectRef>
+                  <a:fontRef idx="minor">
+                    <a:schemeClr val="tx1"/>
+                  </a:fontRef>
+                </p:style>
+              </p:cxnSp>
+              <mc:AlternateContent xmlns:mc="http://schemas.openxmlformats.org/markup-compatibility/2006" xmlns:a14="http://schemas.microsoft.com/office/drawing/2010/main">
+                <mc:Choice Requires="a14">
+                  <p:sp>
+                    <p:nvSpPr>
+                      <p:cNvPr id="23" name="TextBox 22">
+                        <a:extLst>
+                          <a:ext uri="{FF2B5EF4-FFF2-40B4-BE49-F238E27FC236}">
+                            <a16:creationId xmlns:a16="http://schemas.microsoft.com/office/drawing/2014/main" id="{083E15C1-733B-9F20-AE99-11269E290D49}"/>
+                          </a:ext>
+                        </a:extLst>
+                      </p:cNvPr>
+                      <p:cNvSpPr txBox="1"/>
+                      <p:nvPr/>
+                    </p:nvSpPr>
+                    <p:spPr>
+                      <a:xfrm>
+                        <a:off x="3306767" y="3033615"/>
+                        <a:ext cx="637000" cy="369332"/>
+                      </a:xfrm>
+                      <a:prstGeom prst="rect">
+                        <a:avLst/>
+                      </a:prstGeom>
+                      <a:noFill/>
+                    </p:spPr>
+                    <p:txBody>
+                      <a:bodyPr wrap="square" rtlCol="0">
+                        <a:spAutoFit/>
+                      </a:bodyPr>
+                      <a:lstStyle/>
+                      <a:p>
+                        <a:pPr/>
+                        <a14:m>
+                          <m:oMathPara xmlns:m="http://schemas.openxmlformats.org/officeDocument/2006/math">
+                            <m:oMathParaPr>
+                              <m:jc m:val="centerGroup"/>
+                            </m:oMathParaPr>
+                            <m:oMath xmlns:m="http://schemas.openxmlformats.org/officeDocument/2006/math">
+                              <m:sSub>
+                                <m:sSubPr>
+                                  <m:ctrlPr>
+                                    <a:rPr lang="en-US" b="0" i="1" smtClean="0">
+                                      <a:latin typeface="Cambria Math" panose="02040503050406030204" pitchFamily="18" charset="0"/>
+                                    </a:rPr>
+                                  </m:ctrlPr>
+                                </m:sSubPr>
+                                <m:e>
+                                  <m:r>
+                                    <a:rPr lang="en-US" b="0" i="1" smtClean="0">
+                                      <a:latin typeface="Cambria Math" panose="02040503050406030204" pitchFamily="18" charset="0"/>
+                                    </a:rPr>
+                                    <m:t>𝜃</m:t>
+                                  </m:r>
+                                </m:e>
+                                <m:sub>
+                                  <m:r>
+                                    <a:rPr lang="en-US" b="0" i="1" smtClean="0">
+                                      <a:latin typeface="Cambria Math" panose="02040503050406030204" pitchFamily="18" charset="0"/>
+                                    </a:rPr>
+                                    <m:t>𝑖𝑛</m:t>
+                                  </m:r>
+                                </m:sub>
+                              </m:sSub>
+                            </m:oMath>
+                          </m:oMathPara>
+                        </a14:m>
+                        <a:endParaRPr lang="en-US" dirty="0"/>
+                      </a:p>
+                    </p:txBody>
+                  </p:sp>
+                </mc:Choice>
+                <mc:Fallback xmlns="">
+                  <p:sp>
+                    <p:nvSpPr>
+                      <p:cNvPr id="52" name="TextBox 51">
+                        <a:extLst>
+                          <a:ext uri="{FF2B5EF4-FFF2-40B4-BE49-F238E27FC236}">
+                            <a16:creationId xmlns:a16="http://schemas.microsoft.com/office/drawing/2014/main" id="{B846C461-A48F-490F-825E-061C06EE6DB1}"/>
+                          </a:ext>
+                        </a:extLst>
+                      </p:cNvPr>
+                      <p:cNvSpPr txBox="1">
+                        <a:spLocks noRot="1" noChangeAspect="1" noMove="1" noResize="1" noEditPoints="1" noAdjustHandles="1" noChangeArrowheads="1" noChangeShapeType="1" noTextEdit="1"/>
+                      </p:cNvSpPr>
+                      <p:nvPr/>
+                    </p:nvSpPr>
+                    <p:spPr>
+                      <a:xfrm>
+                        <a:off x="3306767" y="3033615"/>
+                        <a:ext cx="637000" cy="369332"/>
+                      </a:xfrm>
+                      <a:prstGeom prst="rect">
+                        <a:avLst/>
+                      </a:prstGeom>
+                      <a:blipFill>
+                        <a:blip r:embed="rId5"/>
+                        <a:stretch>
+                          <a:fillRect/>
+                        </a:stretch>
+                      </a:blipFill>
+                    </p:spPr>
+                    <p:txBody>
+                      <a:bodyPr/>
+                      <a:lstStyle/>
+                      <a:p>
+                        <a:r>
+                          <a:rPr lang="en-US">
+                            <a:noFill/>
+                          </a:rPr>
+                          <a:t> </a:t>
+                        </a:r>
+                      </a:p>
+                    </p:txBody>
+                  </p:sp>
+                </mc:Fallback>
+              </mc:AlternateContent>
+              <mc:AlternateContent xmlns:mc="http://schemas.openxmlformats.org/markup-compatibility/2006" xmlns:a14="http://schemas.microsoft.com/office/drawing/2010/main">
+                <mc:Choice Requires="a14">
+                  <p:sp>
+                    <p:nvSpPr>
+                      <p:cNvPr id="24" name="TextBox 23">
+                        <a:extLst>
+                          <a:ext uri="{FF2B5EF4-FFF2-40B4-BE49-F238E27FC236}">
+                            <a16:creationId xmlns:a16="http://schemas.microsoft.com/office/drawing/2014/main" id="{EEB6F80D-8A50-53E6-AB5F-7E3C15228003}"/>
+                          </a:ext>
+                        </a:extLst>
+                      </p:cNvPr>
+                      <p:cNvSpPr txBox="1"/>
+                      <p:nvPr/>
+                    </p:nvSpPr>
+                    <p:spPr>
+                      <a:xfrm>
+                        <a:off x="3006373" y="4720798"/>
+                        <a:ext cx="637000" cy="369332"/>
+                      </a:xfrm>
+                      <a:prstGeom prst="rect">
+                        <a:avLst/>
+                      </a:prstGeom>
+                      <a:noFill/>
+                    </p:spPr>
+                    <p:txBody>
+                      <a:bodyPr wrap="square" rtlCol="0">
+                        <a:spAutoFit/>
+                      </a:bodyPr>
+                      <a:lstStyle/>
+                      <a:p>
+                        <a:pPr/>
+                        <a14:m>
+                          <m:oMathPara xmlns:m="http://schemas.openxmlformats.org/officeDocument/2006/math">
+                            <m:oMathParaPr>
+                              <m:jc m:val="centerGroup"/>
+                            </m:oMathParaPr>
+                            <m:oMath xmlns:m="http://schemas.openxmlformats.org/officeDocument/2006/math">
+                              <m:sSub>
+                                <m:sSubPr>
+                                  <m:ctrlPr>
+                                    <a:rPr lang="en-US" b="0" i="1" smtClean="0">
+                                      <a:latin typeface="Cambria Math" panose="02040503050406030204" pitchFamily="18" charset="0"/>
+                                    </a:rPr>
+                                  </m:ctrlPr>
+                                </m:sSubPr>
+                                <m:e>
+                                  <m:r>
+                                    <a:rPr lang="en-US" b="0" i="1" smtClean="0">
+                                      <a:latin typeface="Cambria Math" panose="02040503050406030204" pitchFamily="18" charset="0"/>
+                                    </a:rPr>
+                                    <m:t>𝜃</m:t>
+                                  </m:r>
+                                </m:e>
+                                <m:sub>
+                                  <m:r>
+                                    <a:rPr lang="en-US" b="0" i="1" smtClean="0">
+                                      <a:latin typeface="Cambria Math" panose="02040503050406030204" pitchFamily="18" charset="0"/>
+                                    </a:rPr>
+                                    <m:t>𝑀</m:t>
+                                  </m:r>
+                                  <m:r>
+                                    <a:rPr lang="en-US" b="0" i="1" smtClean="0">
+                                      <a:latin typeface="Cambria Math" panose="02040503050406030204" pitchFamily="18" charset="0"/>
+                                    </a:rPr>
+                                    <m:t>2</m:t>
+                                  </m:r>
+                                </m:sub>
+                              </m:sSub>
+                            </m:oMath>
+                          </m:oMathPara>
+                        </a14:m>
+                        <a:endParaRPr lang="en-US" dirty="0"/>
+                      </a:p>
+                    </p:txBody>
+                  </p:sp>
+                </mc:Choice>
+                <mc:Fallback xmlns="">
+                  <p:sp>
+                    <p:nvSpPr>
+                      <p:cNvPr id="53" name="TextBox 52">
+                        <a:extLst>
+                          <a:ext uri="{FF2B5EF4-FFF2-40B4-BE49-F238E27FC236}">
+                            <a16:creationId xmlns:a16="http://schemas.microsoft.com/office/drawing/2014/main" id="{4A2DA21E-7E2B-41DC-96BD-8AE182E5172C}"/>
+                          </a:ext>
+                        </a:extLst>
+                      </p:cNvPr>
+                      <p:cNvSpPr txBox="1">
+                        <a:spLocks noRot="1" noChangeAspect="1" noMove="1" noResize="1" noEditPoints="1" noAdjustHandles="1" noChangeArrowheads="1" noChangeShapeType="1" noTextEdit="1"/>
+                      </p:cNvSpPr>
+                      <p:nvPr/>
+                    </p:nvSpPr>
+                    <p:spPr>
+                      <a:xfrm>
+                        <a:off x="3006373" y="4720798"/>
+                        <a:ext cx="637000" cy="369332"/>
+                      </a:xfrm>
+                      <a:prstGeom prst="rect">
+                        <a:avLst/>
+                      </a:prstGeom>
+                      <a:blipFill>
+                        <a:blip r:embed="rId6"/>
+                        <a:stretch>
+                          <a:fillRect/>
+                        </a:stretch>
+                      </a:blipFill>
+                    </p:spPr>
+                    <p:txBody>
+                      <a:bodyPr/>
+                      <a:lstStyle/>
+                      <a:p>
+                        <a:r>
+                          <a:rPr lang="en-US">
+                            <a:noFill/>
+                          </a:rPr>
+                          <a:t> </a:t>
+                        </a:r>
+                      </a:p>
+                    </p:txBody>
+                  </p:sp>
+                </mc:Fallback>
+              </mc:AlternateContent>
+              <p:cxnSp>
+                <p:nvCxnSpPr>
+                  <p:cNvPr id="25" name="Straight Arrow Connector 24">
+                    <a:extLst>
+                      <a:ext uri="{FF2B5EF4-FFF2-40B4-BE49-F238E27FC236}">
+                        <a16:creationId xmlns:a16="http://schemas.microsoft.com/office/drawing/2014/main" id="{F93B4E67-D3C3-33B5-F744-BCF1757BBDAE}"/>
+                      </a:ext>
+                    </a:extLst>
+                  </p:cNvPr>
+                  <p:cNvCxnSpPr>
+                    <a:cxnSpLocks/>
+                  </p:cNvCxnSpPr>
+                  <p:nvPr/>
+                </p:nvCxnSpPr>
+                <p:spPr>
+                  <a:xfrm flipV="1">
+                    <a:off x="3418395" y="4731195"/>
+                    <a:ext cx="226279" cy="107635"/>
+                  </a:xfrm>
+                  <a:prstGeom prst="straightConnector1">
+                    <a:avLst/>
+                  </a:prstGeom>
+                  <a:ln>
+                    <a:tailEnd type="triangle"/>
+                  </a:ln>
+                </p:spPr>
+                <p:style>
+                  <a:lnRef idx="1">
+                    <a:schemeClr val="accent1"/>
+                  </a:lnRef>
+                  <a:fillRef idx="0">
+                    <a:schemeClr val="accent1"/>
+                  </a:fillRef>
+                  <a:effectRef idx="0">
+                    <a:schemeClr val="accent1"/>
+                  </a:effectRef>
+                  <a:fontRef idx="minor">
+                    <a:schemeClr val="tx1"/>
+                  </a:fontRef>
+                </p:style>
+              </p:cxnSp>
+              <mc:AlternateContent xmlns:mc="http://schemas.openxmlformats.org/markup-compatibility/2006" xmlns:a14="http://schemas.microsoft.com/office/drawing/2010/main">
+                <mc:Choice Requires="a14">
+                  <p:sp>
+                    <p:nvSpPr>
+                      <p:cNvPr id="26" name="TextBox 25">
+                        <a:extLst>
+                          <a:ext uri="{FF2B5EF4-FFF2-40B4-BE49-F238E27FC236}">
+                            <a16:creationId xmlns:a16="http://schemas.microsoft.com/office/drawing/2014/main" id="{270C8145-37B7-B672-E0FF-64F234264D2B}"/>
+                          </a:ext>
+                        </a:extLst>
+                      </p:cNvPr>
+                      <p:cNvSpPr txBox="1"/>
+                      <p:nvPr/>
+                    </p:nvSpPr>
+                    <p:spPr>
+                      <a:xfrm>
+                        <a:off x="3797444" y="2707592"/>
+                        <a:ext cx="637000" cy="369332"/>
+                      </a:xfrm>
+                      <a:prstGeom prst="rect">
+                        <a:avLst/>
+                      </a:prstGeom>
+                      <a:noFill/>
+                    </p:spPr>
+                    <p:txBody>
+                      <a:bodyPr wrap="square" rtlCol="0">
+                        <a:spAutoFit/>
+                      </a:bodyPr>
+                      <a:lstStyle/>
+                      <a:p>
+                        <a:pPr/>
+                        <a14:m>
+                          <m:oMathPara xmlns:m="http://schemas.openxmlformats.org/officeDocument/2006/math">
+                            <m:oMathParaPr>
+                              <m:jc m:val="centerGroup"/>
+                            </m:oMathParaPr>
+                            <m:oMath xmlns:m="http://schemas.openxmlformats.org/officeDocument/2006/math">
+                              <m:r>
+                                <a:rPr lang="en-US" b="0" i="1" smtClean="0">
+                                  <a:solidFill>
+                                    <a:schemeClr val="accent1"/>
+                                  </a:solidFill>
+                                  <a:latin typeface="Cambria Math" panose="02040503050406030204" pitchFamily="18" charset="0"/>
+                                </a:rPr>
+                                <m:t>𝑀</m:t>
+                              </m:r>
+                              <m:r>
+                                <a:rPr lang="en-US" b="0" i="1" smtClean="0">
+                                  <a:solidFill>
+                                    <a:schemeClr val="accent1"/>
+                                  </a:solidFill>
+                                  <a:latin typeface="Cambria Math" panose="02040503050406030204" pitchFamily="18" charset="0"/>
+                                </a:rPr>
+                                <m:t>1</m:t>
+                              </m:r>
+                            </m:oMath>
+                          </m:oMathPara>
+                        </a14:m>
+                        <a:endParaRPr lang="en-US" dirty="0">
+                          <a:solidFill>
+                            <a:schemeClr val="accent1"/>
+                          </a:solidFill>
+                        </a:endParaRPr>
+                      </a:p>
+                    </p:txBody>
+                  </p:sp>
+                </mc:Choice>
+                <mc:Fallback xmlns="">
+                  <p:sp>
+                    <p:nvSpPr>
+                      <p:cNvPr id="58" name="TextBox 57">
+                        <a:extLst>
+                          <a:ext uri="{FF2B5EF4-FFF2-40B4-BE49-F238E27FC236}">
+                            <a16:creationId xmlns:a16="http://schemas.microsoft.com/office/drawing/2014/main" id="{AA267F40-700B-4A25-92D6-5D0F7191C466}"/>
+                          </a:ext>
+                        </a:extLst>
+                      </p:cNvPr>
+                      <p:cNvSpPr txBox="1">
+                        <a:spLocks noRot="1" noChangeAspect="1" noMove="1" noResize="1" noEditPoints="1" noAdjustHandles="1" noChangeArrowheads="1" noChangeShapeType="1" noTextEdit="1"/>
+                      </p:cNvSpPr>
+                      <p:nvPr/>
+                    </p:nvSpPr>
+                    <p:spPr>
+                      <a:xfrm>
+                        <a:off x="3797444" y="2707592"/>
+                        <a:ext cx="637000" cy="369332"/>
+                      </a:xfrm>
+                      <a:prstGeom prst="rect">
+                        <a:avLst/>
+                      </a:prstGeom>
+                      <a:blipFill>
+                        <a:blip r:embed="rId7"/>
+                        <a:stretch>
+                          <a:fillRect/>
+                        </a:stretch>
+                      </a:blipFill>
+                    </p:spPr>
+                    <p:txBody>
+                      <a:bodyPr/>
+                      <a:lstStyle/>
+                      <a:p>
+                        <a:r>
+                          <a:rPr lang="en-US">
+                            <a:noFill/>
+                          </a:rPr>
+                          <a:t> </a:t>
+                        </a:r>
+                      </a:p>
+                    </p:txBody>
+                  </p:sp>
+                </mc:Fallback>
+              </mc:AlternateContent>
+              <mc:AlternateContent xmlns:mc="http://schemas.openxmlformats.org/markup-compatibility/2006" xmlns:a14="http://schemas.microsoft.com/office/drawing/2010/main">
+                <mc:Choice Requires="a14">
+                  <p:sp>
+                    <p:nvSpPr>
+                      <p:cNvPr id="27" name="TextBox 26">
+                        <a:extLst>
+                          <a:ext uri="{FF2B5EF4-FFF2-40B4-BE49-F238E27FC236}">
+                            <a16:creationId xmlns:a16="http://schemas.microsoft.com/office/drawing/2014/main" id="{AA2AD666-EE6B-E891-684E-874B1A7AC247}"/>
+                          </a:ext>
+                        </a:extLst>
+                      </p:cNvPr>
+                      <p:cNvSpPr txBox="1"/>
+                      <p:nvPr/>
+                    </p:nvSpPr>
+                    <p:spPr>
+                      <a:xfrm>
+                        <a:off x="3059123" y="4283461"/>
+                        <a:ext cx="637000" cy="369332"/>
+                      </a:xfrm>
+                      <a:prstGeom prst="rect">
+                        <a:avLst/>
+                      </a:prstGeom>
+                      <a:noFill/>
+                    </p:spPr>
+                    <p:txBody>
+                      <a:bodyPr wrap="square" rtlCol="0">
+                        <a:spAutoFit/>
+                      </a:bodyPr>
+                      <a:lstStyle/>
+                      <a:p>
+                        <a:pPr/>
+                        <a14:m>
+                          <m:oMathPara xmlns:m="http://schemas.openxmlformats.org/officeDocument/2006/math">
+                            <m:oMathParaPr>
+                              <m:jc m:val="centerGroup"/>
+                            </m:oMathParaPr>
+                            <m:oMath xmlns:m="http://schemas.openxmlformats.org/officeDocument/2006/math">
+                              <m:r>
+                                <a:rPr lang="en-US" b="0" i="1" smtClean="0">
+                                  <a:solidFill>
+                                    <a:schemeClr val="accent1"/>
+                                  </a:solidFill>
+                                  <a:latin typeface="Cambria Math" panose="02040503050406030204" pitchFamily="18" charset="0"/>
+                                </a:rPr>
+                                <m:t>𝑀</m:t>
+                              </m:r>
+                              <m:r>
+                                <a:rPr lang="en-US" b="0" i="1" smtClean="0">
+                                  <a:solidFill>
+                                    <a:schemeClr val="accent1"/>
+                                  </a:solidFill>
+                                  <a:latin typeface="Cambria Math" panose="02040503050406030204" pitchFamily="18" charset="0"/>
+                                </a:rPr>
+                                <m:t>2</m:t>
+                              </m:r>
+                            </m:oMath>
+                          </m:oMathPara>
+                        </a14:m>
+                        <a:endParaRPr lang="en-US" dirty="0">
+                          <a:solidFill>
+                            <a:schemeClr val="accent1"/>
+                          </a:solidFill>
+                        </a:endParaRPr>
+                      </a:p>
+                    </p:txBody>
+                  </p:sp>
+                </mc:Choice>
+                <mc:Fallback xmlns="">
+                  <p:sp>
+                    <p:nvSpPr>
+                      <p:cNvPr id="59" name="TextBox 58">
+                        <a:extLst>
+                          <a:ext uri="{FF2B5EF4-FFF2-40B4-BE49-F238E27FC236}">
+                            <a16:creationId xmlns:a16="http://schemas.microsoft.com/office/drawing/2014/main" id="{5020F38C-27EC-4C4C-BAEB-BCE23E0A9446}"/>
+                          </a:ext>
+                        </a:extLst>
+                      </p:cNvPr>
+                      <p:cNvSpPr txBox="1">
+                        <a:spLocks noRot="1" noChangeAspect="1" noMove="1" noResize="1" noEditPoints="1" noAdjustHandles="1" noChangeArrowheads="1" noChangeShapeType="1" noTextEdit="1"/>
+                      </p:cNvSpPr>
+                      <p:nvPr/>
+                    </p:nvSpPr>
+                    <p:spPr>
+                      <a:xfrm>
+                        <a:off x="3059123" y="4283461"/>
+                        <a:ext cx="637000" cy="369332"/>
+                      </a:xfrm>
+                      <a:prstGeom prst="rect">
+                        <a:avLst/>
+                      </a:prstGeom>
+                      <a:blipFill>
+                        <a:blip r:embed="rId8"/>
+                        <a:stretch>
+                          <a:fillRect/>
+                        </a:stretch>
+                      </a:blipFill>
+                    </p:spPr>
+                    <p:txBody>
+                      <a:bodyPr/>
+                      <a:lstStyle/>
+                      <a:p>
+                        <a:r>
+                          <a:rPr lang="en-US">
+                            <a:noFill/>
+                          </a:rPr>
+                          <a:t> </a:t>
+                        </a:r>
+                      </a:p>
+                    </p:txBody>
+                  </p:sp>
+                </mc:Fallback>
+              </mc:AlternateContent>
+              <mc:AlternateContent xmlns:mc="http://schemas.openxmlformats.org/markup-compatibility/2006" xmlns:a14="http://schemas.microsoft.com/office/drawing/2010/main">
+                <mc:Choice Requires="a14">
+                  <p:sp>
+                    <p:nvSpPr>
+                      <p:cNvPr id="28" name="TextBox 27">
+                        <a:extLst>
+                          <a:ext uri="{FF2B5EF4-FFF2-40B4-BE49-F238E27FC236}">
+                            <a16:creationId xmlns:a16="http://schemas.microsoft.com/office/drawing/2014/main" id="{92D9FA96-087D-F8D2-9EB4-5556408E43E5}"/>
+                          </a:ext>
+                        </a:extLst>
+                      </p:cNvPr>
+                      <p:cNvSpPr txBox="1"/>
+                      <p:nvPr/>
+                    </p:nvSpPr>
+                    <p:spPr>
+                      <a:xfrm>
+                        <a:off x="5504323" y="4774023"/>
+                        <a:ext cx="637000" cy="369332"/>
+                      </a:xfrm>
+                      <a:prstGeom prst="rect">
+                        <a:avLst/>
+                      </a:prstGeom>
+                      <a:noFill/>
+                    </p:spPr>
+                    <p:txBody>
+                      <a:bodyPr wrap="square" rtlCol="0">
+                        <a:spAutoFit/>
+                      </a:bodyPr>
+                      <a:lstStyle/>
+                      <a:p>
+                        <a:pPr/>
+                        <a14:m>
+                          <m:oMathPara xmlns:m="http://schemas.openxmlformats.org/officeDocument/2006/math">
+                            <m:oMathParaPr>
+                              <m:jc m:val="centerGroup"/>
+                            </m:oMathParaPr>
+                            <m:oMath xmlns:m="http://schemas.openxmlformats.org/officeDocument/2006/math">
+                              <m:r>
+                                <a:rPr lang="en-US" b="0" i="1" smtClean="0">
+                                  <a:solidFill>
+                                    <a:schemeClr val="accent1"/>
+                                  </a:solidFill>
+                                  <a:latin typeface="Cambria Math" panose="02040503050406030204" pitchFamily="18" charset="0"/>
+                                </a:rPr>
+                                <m:t>𝑊</m:t>
+                              </m:r>
+                            </m:oMath>
+                          </m:oMathPara>
+                        </a14:m>
+                        <a:endParaRPr lang="en-US" dirty="0">
+                          <a:solidFill>
+                            <a:schemeClr val="accent1"/>
+                          </a:solidFill>
+                        </a:endParaRPr>
+                      </a:p>
+                    </p:txBody>
+                  </p:sp>
+                </mc:Choice>
+                <mc:Fallback xmlns="">
+                  <p:sp>
+                    <p:nvSpPr>
+                      <p:cNvPr id="60" name="TextBox 59">
+                        <a:extLst>
+                          <a:ext uri="{FF2B5EF4-FFF2-40B4-BE49-F238E27FC236}">
+                            <a16:creationId xmlns:a16="http://schemas.microsoft.com/office/drawing/2014/main" id="{821A5169-C842-47F2-83EC-21A49E593B2A}"/>
+                          </a:ext>
+                        </a:extLst>
+                      </p:cNvPr>
+                      <p:cNvSpPr txBox="1">
+                        <a:spLocks noRot="1" noChangeAspect="1" noMove="1" noResize="1" noEditPoints="1" noAdjustHandles="1" noChangeArrowheads="1" noChangeShapeType="1" noTextEdit="1"/>
+                      </p:cNvSpPr>
+                      <p:nvPr/>
+                    </p:nvSpPr>
+                    <p:spPr>
+                      <a:xfrm>
+                        <a:off x="5504323" y="4774023"/>
+                        <a:ext cx="637000" cy="369332"/>
+                      </a:xfrm>
+                      <a:prstGeom prst="rect">
+                        <a:avLst/>
+                      </a:prstGeom>
+                      <a:blipFill>
+                        <a:blip r:embed="rId9"/>
+                        <a:stretch>
+                          <a:fillRect/>
+                        </a:stretch>
+                      </a:blipFill>
+                    </p:spPr>
+                    <p:txBody>
+                      <a:bodyPr/>
+                      <a:lstStyle/>
+                      <a:p>
+                        <a:r>
+                          <a:rPr lang="en-US">
+                            <a:noFill/>
+                          </a:rPr>
+                          <a:t> </a:t>
+                        </a:r>
+                      </a:p>
+                    </p:txBody>
+                  </p:sp>
+                </mc:Fallback>
+              </mc:AlternateContent>
+              <mc:AlternateContent xmlns:mc="http://schemas.openxmlformats.org/markup-compatibility/2006" xmlns:a14="http://schemas.microsoft.com/office/drawing/2010/main">
+                <mc:Choice Requires="a14">
+                  <p:sp>
+                    <p:nvSpPr>
+                      <p:cNvPr id="29" name="TextBox 28">
+                        <a:extLst>
+                          <a:ext uri="{FF2B5EF4-FFF2-40B4-BE49-F238E27FC236}">
+                            <a16:creationId xmlns:a16="http://schemas.microsoft.com/office/drawing/2014/main" id="{63704956-2FD6-7378-4A51-2BA989F6BAAF}"/>
+                          </a:ext>
+                        </a:extLst>
+                      </p:cNvPr>
+                      <p:cNvSpPr txBox="1"/>
+                      <p:nvPr/>
+                    </p:nvSpPr>
+                    <p:spPr>
+                      <a:xfrm>
+                        <a:off x="4951650" y="5541262"/>
+                        <a:ext cx="178643" cy="369332"/>
+                      </a:xfrm>
+                      <a:prstGeom prst="rect">
+                        <a:avLst/>
+                      </a:prstGeom>
+                      <a:noFill/>
+                    </p:spPr>
+                    <p:txBody>
+                      <a:bodyPr wrap="square" rtlCol="0">
+                        <a:spAutoFit/>
+                      </a:bodyPr>
+                      <a:lstStyle/>
+                      <a:p>
+                        <a:pPr/>
+                        <a14:m>
+                          <m:oMathPara xmlns:m="http://schemas.openxmlformats.org/officeDocument/2006/math">
+                            <m:oMathParaPr>
+                              <m:jc m:val="centerGroup"/>
+                            </m:oMathParaPr>
+                            <m:oMath xmlns:m="http://schemas.openxmlformats.org/officeDocument/2006/math">
+                              <m:sSub>
+                                <m:sSubPr>
+                                  <m:ctrlPr>
+                                    <a:rPr lang="en-US" b="0" i="1" smtClean="0">
+                                      <a:latin typeface="Cambria Math" panose="02040503050406030204" pitchFamily="18" charset="0"/>
+                                    </a:rPr>
+                                  </m:ctrlPr>
+                                </m:sSubPr>
+                                <m:e>
+                                  <m:r>
+                                    <a:rPr lang="en-US" b="0" i="1" smtClean="0">
+                                      <a:latin typeface="Cambria Math" panose="02040503050406030204" pitchFamily="18" charset="0"/>
+                                    </a:rPr>
+                                    <m:t>𝜃</m:t>
+                                  </m:r>
+                                </m:e>
+                                <m:sub>
+                                  <m:r>
+                                    <a:rPr lang="en-US" b="0" i="1" smtClean="0">
+                                      <a:latin typeface="Cambria Math" panose="02040503050406030204" pitchFamily="18" charset="0"/>
+                                    </a:rPr>
+                                    <m:t>1</m:t>
+                                  </m:r>
+                                  <m:r>
+                                    <a:rPr lang="en-US" b="0" i="1" smtClean="0">
+                                      <a:latin typeface="Cambria Math" panose="02040503050406030204" pitchFamily="18" charset="0"/>
+                                    </a:rPr>
+                                    <m:t>𝑊</m:t>
+                                  </m:r>
+                                </m:sub>
+                              </m:sSub>
+                            </m:oMath>
+                          </m:oMathPara>
+                        </a14:m>
+                        <a:endParaRPr lang="en-US" dirty="0"/>
+                      </a:p>
+                    </p:txBody>
+                  </p:sp>
+                </mc:Choice>
+                <mc:Fallback xmlns="">
+                  <p:sp>
+                    <p:nvSpPr>
+                      <p:cNvPr id="61" name="TextBox 60">
+                        <a:extLst>
+                          <a:ext uri="{FF2B5EF4-FFF2-40B4-BE49-F238E27FC236}">
+                            <a16:creationId xmlns:a16="http://schemas.microsoft.com/office/drawing/2014/main" id="{7A4BE410-F16C-42B7-A0AD-16ED92E98E4A}"/>
+                          </a:ext>
+                        </a:extLst>
+                      </p:cNvPr>
+                      <p:cNvSpPr txBox="1">
+                        <a:spLocks noRot="1" noChangeAspect="1" noMove="1" noResize="1" noEditPoints="1" noAdjustHandles="1" noChangeArrowheads="1" noChangeShapeType="1" noTextEdit="1"/>
+                      </p:cNvSpPr>
+                      <p:nvPr/>
+                    </p:nvSpPr>
+                    <p:spPr>
+                      <a:xfrm>
+                        <a:off x="4951650" y="5541262"/>
+                        <a:ext cx="178643" cy="369332"/>
+                      </a:xfrm>
+                      <a:prstGeom prst="rect">
+                        <a:avLst/>
+                      </a:prstGeom>
+                      <a:blipFill>
+                        <a:blip r:embed="rId10"/>
+                        <a:stretch>
+                          <a:fillRect r="-190000"/>
+                        </a:stretch>
+                      </a:blipFill>
+                    </p:spPr>
+                    <p:txBody>
+                      <a:bodyPr/>
+                      <a:lstStyle/>
+                      <a:p>
+                        <a:r>
+                          <a:rPr lang="en-US">
+                            <a:noFill/>
+                          </a:rPr>
+                          <a:t> </a:t>
+                        </a:r>
+                      </a:p>
+                    </p:txBody>
+                  </p:sp>
+                </mc:Fallback>
+              </mc:AlternateContent>
+              <p:sp>
+                <p:nvSpPr>
+                  <p:cNvPr id="30" name="Arc 29">
+                    <a:extLst>
+                      <a:ext uri="{FF2B5EF4-FFF2-40B4-BE49-F238E27FC236}">
+                        <a16:creationId xmlns:a16="http://schemas.microsoft.com/office/drawing/2014/main" id="{01CC0686-EDA5-0B9D-54CF-ED9B2C6FE12F}"/>
+                      </a:ext>
+                    </a:extLst>
+                  </p:cNvPr>
+                  <p:cNvSpPr/>
+                  <p:nvPr/>
+                </p:nvSpPr>
+                <p:spPr>
+                  <a:xfrm rot="5630690">
+                    <a:off x="3725557" y="4832207"/>
+                    <a:ext cx="914400" cy="914400"/>
+                  </a:xfrm>
+                  <a:prstGeom prst="arc">
+                    <a:avLst>
+                      <a:gd name="adj1" fmla="val 15584901"/>
+                      <a:gd name="adj2" fmla="val 18366232"/>
+                    </a:avLst>
+                  </a:prstGeom>
+                  <a:ln>
+                    <a:solidFill>
+                      <a:schemeClr val="tx1"/>
+                    </a:solidFill>
+                  </a:ln>
+                </p:spPr>
+                <p:style>
+                  <a:lnRef idx="1">
+                    <a:schemeClr val="accent1"/>
+                  </a:lnRef>
+                  <a:fillRef idx="0">
+                    <a:schemeClr val="accent1"/>
+                  </a:fillRef>
+                  <a:effectRef idx="0">
+                    <a:schemeClr val="accent1"/>
+                  </a:effectRef>
+                  <a:fontRef idx="minor">
+                    <a:schemeClr val="tx1"/>
+                  </a:fontRef>
+                </p:style>
+                <p:txBody>
+                  <a:bodyPr rtlCol="0" anchor="ctr"/>
+                  <a:lstStyle/>
+                  <a:p>
+                    <a:pPr algn="ctr"/>
+                    <a:endParaRPr lang="en-US"/>
+                  </a:p>
+                </p:txBody>
+              </p:sp>
+              <p:cxnSp>
+                <p:nvCxnSpPr>
+                  <p:cNvPr id="31" name="Straight Arrow Connector 30">
+                    <a:extLst>
+                      <a:ext uri="{FF2B5EF4-FFF2-40B4-BE49-F238E27FC236}">
+                        <a16:creationId xmlns:a16="http://schemas.microsoft.com/office/drawing/2014/main" id="{70C3A838-1CCE-006B-EF04-409CE793B9B9}"/>
+                      </a:ext>
+                    </a:extLst>
+                  </p:cNvPr>
+                  <p:cNvCxnSpPr>
+                    <a:cxnSpLocks/>
+                    <a:stCxn id="29" idx="1"/>
+                  </p:cNvCxnSpPr>
+                  <p:nvPr/>
+                </p:nvCxnSpPr>
+                <p:spPr>
+                  <a:xfrm flipH="1" flipV="1">
+                    <a:off x="4713034" y="5412972"/>
+                    <a:ext cx="238616" cy="312956"/>
+                  </a:xfrm>
+                  <a:prstGeom prst="straightConnector1">
+                    <a:avLst/>
+                  </a:prstGeom>
+                  <a:ln>
+                    <a:tailEnd type="triangle"/>
+                  </a:ln>
+                </p:spPr>
+                <p:style>
+                  <a:lnRef idx="1">
+                    <a:schemeClr val="accent1"/>
+                  </a:lnRef>
+                  <a:fillRef idx="0">
+                    <a:schemeClr val="accent1"/>
+                  </a:fillRef>
+                  <a:effectRef idx="0">
+                    <a:schemeClr val="accent1"/>
+                  </a:effectRef>
+                  <a:fontRef idx="minor">
+                    <a:schemeClr val="tx1"/>
+                  </a:fontRef>
+                </p:style>
+              </p:cxnSp>
+              <mc:AlternateContent xmlns:mc="http://schemas.openxmlformats.org/markup-compatibility/2006" xmlns:a14="http://schemas.microsoft.com/office/drawing/2010/main">
+                <mc:Choice Requires="a14">
+                  <p:sp>
+                    <p:nvSpPr>
+                      <p:cNvPr id="32" name="TextBox 31">
+                        <a:extLst>
+                          <a:ext uri="{FF2B5EF4-FFF2-40B4-BE49-F238E27FC236}">
+                            <a16:creationId xmlns:a16="http://schemas.microsoft.com/office/drawing/2014/main" id="{4E51FE92-E892-5E87-D2A6-A8FBC933066C}"/>
+                          </a:ext>
+                        </a:extLst>
+                      </p:cNvPr>
+                      <p:cNvSpPr txBox="1"/>
+                      <p:nvPr/>
+                    </p:nvSpPr>
+                    <p:spPr>
+                      <a:xfrm>
+                        <a:off x="7112501" y="3142558"/>
+                        <a:ext cx="433498" cy="369332"/>
+                      </a:xfrm>
+                      <a:prstGeom prst="rect">
+                        <a:avLst/>
+                      </a:prstGeom>
+                      <a:noFill/>
+                    </p:spPr>
+                    <p:txBody>
+                      <a:bodyPr wrap="square" rtlCol="0">
+                        <a:spAutoFit/>
+                      </a:bodyPr>
+                      <a:lstStyle/>
+                      <a:p>
+                        <a:pPr/>
+                        <a14:m>
+                          <m:oMathPara xmlns:m="http://schemas.openxmlformats.org/officeDocument/2006/math">
+                            <m:oMathParaPr>
+                              <m:jc m:val="centerGroup"/>
+                            </m:oMathParaPr>
+                            <m:oMath xmlns:m="http://schemas.openxmlformats.org/officeDocument/2006/math">
+                              <m:r>
+                                <a:rPr lang="en-US" b="0" i="1" smtClean="0">
+                                  <a:latin typeface="Cambria Math" panose="02040503050406030204" pitchFamily="18" charset="0"/>
+                                </a:rPr>
+                                <m:t>𝜙</m:t>
+                              </m:r>
+                            </m:oMath>
+                          </m:oMathPara>
+                        </a14:m>
+                        <a:endParaRPr lang="en-US" dirty="0"/>
+                      </a:p>
+                    </p:txBody>
+                  </p:sp>
+                </mc:Choice>
+                <mc:Fallback xmlns="">
+                  <p:sp>
+                    <p:nvSpPr>
+                      <p:cNvPr id="66" name="TextBox 65">
+                        <a:extLst>
+                          <a:ext uri="{FF2B5EF4-FFF2-40B4-BE49-F238E27FC236}">
+                            <a16:creationId xmlns:a16="http://schemas.microsoft.com/office/drawing/2014/main" id="{DF16CAD1-3788-46E1-884B-5B5D80F7C21B}"/>
+                          </a:ext>
+                        </a:extLst>
+                      </p:cNvPr>
+                      <p:cNvSpPr txBox="1">
+                        <a:spLocks noRot="1" noChangeAspect="1" noMove="1" noResize="1" noEditPoints="1" noAdjustHandles="1" noChangeArrowheads="1" noChangeShapeType="1" noTextEdit="1"/>
+                      </p:cNvSpPr>
+                      <p:nvPr/>
+                    </p:nvSpPr>
+                    <p:spPr>
+                      <a:xfrm>
+                        <a:off x="7112501" y="3142558"/>
+                        <a:ext cx="433498" cy="369332"/>
+                      </a:xfrm>
+                      <a:prstGeom prst="rect">
+                        <a:avLst/>
+                      </a:prstGeom>
+                      <a:blipFill>
+                        <a:blip r:embed="rId11"/>
+                        <a:stretch>
+                          <a:fillRect b="-13333"/>
+                        </a:stretch>
+                      </a:blipFill>
+                    </p:spPr>
+                    <p:txBody>
+                      <a:bodyPr/>
+                      <a:lstStyle/>
+                      <a:p>
+                        <a:r>
+                          <a:rPr lang="en-US">
+                            <a:noFill/>
+                          </a:rPr>
+                          <a:t> </a:t>
+                        </a:r>
+                      </a:p>
+                    </p:txBody>
+                  </p:sp>
+                </mc:Fallback>
+              </mc:AlternateContent>
+              <p:sp>
+                <p:nvSpPr>
+                  <p:cNvPr id="33" name="Arc 32">
+                    <a:extLst>
+                      <a:ext uri="{FF2B5EF4-FFF2-40B4-BE49-F238E27FC236}">
+                        <a16:creationId xmlns:a16="http://schemas.microsoft.com/office/drawing/2014/main" id="{5764F9CA-35B7-D58B-A68A-C6BDC7C64840}"/>
+                      </a:ext>
+                    </a:extLst>
+                  </p:cNvPr>
+                  <p:cNvSpPr/>
+                  <p:nvPr/>
+                </p:nvSpPr>
+                <p:spPr>
+                  <a:xfrm rot="11299855">
+                    <a:off x="7196139" y="2731074"/>
+                    <a:ext cx="457200" cy="457200"/>
+                  </a:xfrm>
+                  <a:prstGeom prst="arc">
+                    <a:avLst>
+                      <a:gd name="adj1" fmla="val 14506315"/>
+                      <a:gd name="adj2" fmla="val 20415195"/>
+                    </a:avLst>
+                  </a:prstGeom>
+                  <a:ln w="19050">
+                    <a:solidFill>
+                      <a:schemeClr val="tx1"/>
+                    </a:solidFill>
+                  </a:ln>
+                </p:spPr>
+                <p:style>
+                  <a:lnRef idx="1">
+                    <a:schemeClr val="accent1"/>
+                  </a:lnRef>
+                  <a:fillRef idx="0">
+                    <a:schemeClr val="accent1"/>
+                  </a:fillRef>
+                  <a:effectRef idx="0">
+                    <a:schemeClr val="accent1"/>
+                  </a:effectRef>
+                  <a:fontRef idx="minor">
+                    <a:schemeClr val="tx1"/>
+                  </a:fontRef>
+                </p:style>
+                <p:txBody>
+                  <a:bodyPr rtlCol="0" anchor="ctr"/>
+                  <a:lstStyle/>
+                  <a:p>
+                    <a:pPr algn="ctr"/>
+                    <a:endParaRPr lang="en-US"/>
+                  </a:p>
+                </p:txBody>
+              </p:sp>
+              <mc:AlternateContent xmlns:mc="http://schemas.openxmlformats.org/markup-compatibility/2006">
+                <mc:Choice xmlns:a14="http://schemas.microsoft.com/office/drawing/2010/main" Requires="a14">
+                  <p:sp>
+                    <p:nvSpPr>
+                      <p:cNvPr id="34" name="TextBox 33">
+                        <a:extLst>
+                          <a:ext uri="{FF2B5EF4-FFF2-40B4-BE49-F238E27FC236}">
+                            <a16:creationId xmlns:a16="http://schemas.microsoft.com/office/drawing/2014/main" id="{7CCD138A-5027-8CA4-E92B-7722F8809596}"/>
+                          </a:ext>
+                        </a:extLst>
+                      </p:cNvPr>
+                      <p:cNvSpPr txBox="1"/>
+                      <p:nvPr/>
+                    </p:nvSpPr>
+                    <p:spPr>
+                      <a:xfrm>
+                        <a:off x="6189251" y="4630465"/>
+                        <a:ext cx="637000" cy="369332"/>
+                      </a:xfrm>
+                      <a:prstGeom prst="rect">
+                        <a:avLst/>
+                      </a:prstGeom>
+                      <a:noFill/>
+                    </p:spPr>
+                    <p:txBody>
+                      <a:bodyPr wrap="square" rtlCol="0">
+                        <a:spAutoFit/>
+                      </a:bodyPr>
+                      <a:lstStyle/>
+                      <a:p>
+                        <a:pPr/>
+                        <a14:m>
+                          <m:oMathPara xmlns:m="http://schemas.openxmlformats.org/officeDocument/2006/math">
+                            <m:oMathParaPr>
+                              <m:jc m:val="centerGroup"/>
+                            </m:oMathParaPr>
+                            <m:oMath xmlns:m="http://schemas.openxmlformats.org/officeDocument/2006/math">
+                              <m:r>
+                                <a:rPr lang="en-US" b="0" i="1" smtClean="0">
+                                  <a:latin typeface="Cambria Math" panose="02040503050406030204" pitchFamily="18" charset="0"/>
+                                </a:rPr>
+                                <m:t>𝜃</m:t>
+                              </m:r>
+                            </m:oMath>
+                          </m:oMathPara>
+                        </a14:m>
+                        <a:endParaRPr lang="en-US" dirty="0"/>
+                      </a:p>
+                    </p:txBody>
+                  </p:sp>
+                </mc:Choice>
+                <mc:Fallback>
+                  <p:sp>
+                    <p:nvSpPr>
+                      <p:cNvPr id="34" name="TextBox 33">
+                        <a:extLst>
+                          <a:ext uri="{FF2B5EF4-FFF2-40B4-BE49-F238E27FC236}">
+                            <a16:creationId xmlns:a16="http://schemas.microsoft.com/office/drawing/2014/main" id="{7CCD138A-5027-8CA4-E92B-7722F8809596}"/>
+                          </a:ext>
+                        </a:extLst>
+                      </p:cNvPr>
+                      <p:cNvSpPr txBox="1">
+                        <a:spLocks noRot="1" noChangeAspect="1" noMove="1" noResize="1" noEditPoints="1" noAdjustHandles="1" noChangeArrowheads="1" noChangeShapeType="1" noTextEdit="1"/>
+                      </p:cNvSpPr>
+                      <p:nvPr/>
+                    </p:nvSpPr>
+                    <p:spPr>
+                      <a:xfrm>
+                        <a:off x="6189251" y="4630465"/>
+                        <a:ext cx="637000" cy="369332"/>
+                      </a:xfrm>
+                      <a:prstGeom prst="rect">
+                        <a:avLst/>
+                      </a:prstGeom>
+                      <a:blipFill>
+                        <a:blip r:embed="rId12"/>
+                        <a:stretch>
+                          <a:fillRect/>
+                        </a:stretch>
+                      </a:blipFill>
+                    </p:spPr>
+                    <p:txBody>
+                      <a:bodyPr/>
+                      <a:lstStyle/>
+                      <a:p>
+                        <a:r>
+                          <a:rPr lang="en-US">
+                            <a:noFill/>
+                          </a:rPr>
+                          <a:t> </a:t>
+                        </a:r>
+                      </a:p>
+                    </p:txBody>
+                  </p:sp>
+                </mc:Fallback>
+              </mc:AlternateContent>
+              <p:sp>
+                <p:nvSpPr>
+                  <p:cNvPr id="35" name="Arc 34">
+                    <a:extLst>
+                      <a:ext uri="{FF2B5EF4-FFF2-40B4-BE49-F238E27FC236}">
+                        <a16:creationId xmlns:a16="http://schemas.microsoft.com/office/drawing/2014/main" id="{4A03A99E-8FCC-2422-57E5-CF2D47E442B6}"/>
+                      </a:ext>
+                    </a:extLst>
+                  </p:cNvPr>
+                  <p:cNvSpPr/>
+                  <p:nvPr/>
+                </p:nvSpPr>
+                <p:spPr>
+                  <a:xfrm rot="4861225">
+                    <a:off x="5680851" y="4364381"/>
+                    <a:ext cx="457200" cy="457200"/>
+                  </a:xfrm>
+                  <a:prstGeom prst="arc">
+                    <a:avLst>
+                      <a:gd name="adj1" fmla="val 17474688"/>
+                      <a:gd name="adj2" fmla="val 20415195"/>
+                    </a:avLst>
+                  </a:prstGeom>
+                  <a:ln w="19050">
+                    <a:solidFill>
+                      <a:schemeClr val="tx1"/>
+                    </a:solidFill>
+                  </a:ln>
+                </p:spPr>
+                <p:style>
+                  <a:lnRef idx="1">
+                    <a:schemeClr val="accent1"/>
+                  </a:lnRef>
+                  <a:fillRef idx="0">
+                    <a:schemeClr val="accent1"/>
+                  </a:fillRef>
+                  <a:effectRef idx="0">
+                    <a:schemeClr val="accent1"/>
+                  </a:effectRef>
+                  <a:fontRef idx="minor">
+                    <a:schemeClr val="tx1"/>
+                  </a:fontRef>
+                </p:style>
+                <p:txBody>
+                  <a:bodyPr rtlCol="0" anchor="ctr"/>
+                  <a:lstStyle/>
+                  <a:p>
+                    <a:pPr algn="ctr"/>
+                    <a:endParaRPr lang="en-US"/>
+                  </a:p>
+                </p:txBody>
+              </p:sp>
+              <p:sp>
+                <p:nvSpPr>
+                  <p:cNvPr id="36" name="Arc 35">
+                    <a:extLst>
+                      <a:ext uri="{FF2B5EF4-FFF2-40B4-BE49-F238E27FC236}">
+                        <a16:creationId xmlns:a16="http://schemas.microsoft.com/office/drawing/2014/main" id="{C2BE233D-FAA0-582D-C5A6-96E64363F021}"/>
+                      </a:ext>
+                    </a:extLst>
+                  </p:cNvPr>
+                  <p:cNvSpPr/>
+                  <p:nvPr/>
+                </p:nvSpPr>
+                <p:spPr>
+                  <a:xfrm rot="21302669">
+                    <a:off x="4252569" y="4615172"/>
+                    <a:ext cx="457200" cy="457200"/>
+                  </a:xfrm>
+                  <a:prstGeom prst="arc">
+                    <a:avLst>
+                      <a:gd name="adj1" fmla="val 18053513"/>
+                      <a:gd name="adj2" fmla="val 270937"/>
+                    </a:avLst>
+                  </a:prstGeom>
+                  <a:ln w="19050">
+                    <a:solidFill>
+                      <a:schemeClr val="tx1"/>
+                    </a:solidFill>
+                  </a:ln>
+                </p:spPr>
+                <p:style>
+                  <a:lnRef idx="1">
+                    <a:schemeClr val="accent1"/>
+                  </a:lnRef>
+                  <a:fillRef idx="0">
+                    <a:schemeClr val="accent1"/>
+                  </a:fillRef>
+                  <a:effectRef idx="0">
+                    <a:schemeClr val="accent1"/>
+                  </a:effectRef>
+                  <a:fontRef idx="minor">
+                    <a:schemeClr val="tx1"/>
+                  </a:fontRef>
+                </p:style>
+                <p:txBody>
+                  <a:bodyPr rtlCol="0" anchor="ctr"/>
+                  <a:lstStyle/>
+                  <a:p>
+                    <a:pPr algn="ctr"/>
+                    <a:endParaRPr lang="en-US"/>
+                  </a:p>
+                </p:txBody>
+              </p:sp>
+              <p:sp>
+                <p:nvSpPr>
+                  <p:cNvPr id="37" name="Arc 36">
+                    <a:extLst>
+                      <a:ext uri="{FF2B5EF4-FFF2-40B4-BE49-F238E27FC236}">
+                        <a16:creationId xmlns:a16="http://schemas.microsoft.com/office/drawing/2014/main" id="{152F644E-46F5-37C4-5C09-DF88EADF1DBC}"/>
+                      </a:ext>
+                    </a:extLst>
+                  </p:cNvPr>
+                  <p:cNvSpPr/>
+                  <p:nvPr/>
+                </p:nvSpPr>
+                <p:spPr>
+                  <a:xfrm rot="3541768">
+                    <a:off x="5126752" y="4027041"/>
+                    <a:ext cx="457200" cy="457200"/>
+                  </a:xfrm>
+                  <a:prstGeom prst="arc">
+                    <a:avLst>
+                      <a:gd name="adj1" fmla="val 14506315"/>
+                      <a:gd name="adj2" fmla="val 20415195"/>
+                    </a:avLst>
+                  </a:prstGeom>
+                  <a:ln w="19050">
+                    <a:solidFill>
+                      <a:schemeClr val="tx1"/>
+                    </a:solidFill>
+                  </a:ln>
+                </p:spPr>
+                <p:style>
+                  <a:lnRef idx="1">
+                    <a:schemeClr val="accent1"/>
+                  </a:lnRef>
+                  <a:fillRef idx="0">
+                    <a:schemeClr val="accent1"/>
+                  </a:fillRef>
+                  <a:effectRef idx="0">
+                    <a:schemeClr val="accent1"/>
+                  </a:effectRef>
+                  <a:fontRef idx="minor">
+                    <a:schemeClr val="tx1"/>
+                  </a:fontRef>
+                </p:style>
+                <p:txBody>
+                  <a:bodyPr rtlCol="0" anchor="ctr"/>
+                  <a:lstStyle/>
+                  <a:p>
+                    <a:pPr algn="ctr"/>
+                    <a:endParaRPr lang="en-US"/>
+                  </a:p>
+                </p:txBody>
+              </p:sp>
+            </p:grpSp>
+            <mc:AlternateContent xmlns:mc="http://schemas.openxmlformats.org/markup-compatibility/2006" xmlns:a14="http://schemas.microsoft.com/office/drawing/2010/main">
+              <mc:Choice Requires="a14">
+                <p:sp>
+                  <p:nvSpPr>
+                    <p:cNvPr id="10" name="TextBox 9">
+                      <a:extLst>
+                        <a:ext uri="{FF2B5EF4-FFF2-40B4-BE49-F238E27FC236}">
+                          <a16:creationId xmlns:a16="http://schemas.microsoft.com/office/drawing/2014/main" id="{5392423A-DFB8-B459-521C-78FC5B7354EC}"/>
+                        </a:ext>
+                      </a:extLst>
+                    </p:cNvPr>
+                    <p:cNvSpPr txBox="1"/>
+                    <p:nvPr/>
+                  </p:nvSpPr>
+                  <p:spPr>
+                    <a:xfrm>
+                      <a:off x="2778997" y="4748205"/>
+                      <a:ext cx="466602" cy="369332"/>
+                    </a:xfrm>
+                    <a:prstGeom prst="rect">
+                      <a:avLst/>
+                    </a:prstGeom>
+                    <a:noFill/>
+                  </p:spPr>
+                  <p:txBody>
+                    <a:bodyPr wrap="none" rtlCol="0">
+                      <a:spAutoFit/>
+                    </a:bodyPr>
+                    <a:lstStyle/>
+                    <a:p>
+                      <a:pPr/>
+                      <a14:m>
+                        <m:oMathPara xmlns:m="http://schemas.openxmlformats.org/officeDocument/2006/math">
+                          <m:oMathParaPr>
+                            <m:jc m:val="centerGroup"/>
+                          </m:oMathParaPr>
+                          <m:oMath xmlns:m="http://schemas.openxmlformats.org/officeDocument/2006/math">
+                            <m:sSub>
+                              <m:sSubPr>
+                                <m:ctrlPr>
+                                  <a:rPr lang="en-US" b="0" i="1" smtClean="0">
+                                    <a:latin typeface="Cambria Math" panose="02040503050406030204" pitchFamily="18" charset="0"/>
+                                  </a:rPr>
+                                </m:ctrlPr>
+                              </m:sSubPr>
+                              <m:e>
+                                <m:r>
+                                  <a:rPr lang="en-US" b="0" i="1" smtClean="0">
+                                    <a:latin typeface="Cambria Math" panose="02040503050406030204" pitchFamily="18" charset="0"/>
+                                  </a:rPr>
+                                  <m:t>𝜃</m:t>
+                                </m:r>
+                              </m:e>
+                              <m:sub>
+                                <m:r>
+                                  <a:rPr lang="en-US" b="0" i="1" smtClean="0">
+                                    <a:latin typeface="Cambria Math" panose="02040503050406030204" pitchFamily="18" charset="0"/>
+                                  </a:rPr>
+                                  <m:t>3</m:t>
+                                </m:r>
+                              </m:sub>
+                            </m:sSub>
+                          </m:oMath>
+                        </m:oMathPara>
+                      </a14:m>
+                      <a:endParaRPr lang="en-US" dirty="0"/>
+                    </a:p>
+                  </p:txBody>
+                </p:sp>
+              </mc:Choice>
+              <mc:Fallback xmlns="">
+                <p:sp>
+                  <p:nvSpPr>
+                    <p:cNvPr id="73" name="TextBox 72">
+                      <a:extLst>
+                        <a:ext uri="{FF2B5EF4-FFF2-40B4-BE49-F238E27FC236}">
+                          <a16:creationId xmlns:a16="http://schemas.microsoft.com/office/drawing/2014/main" id="{2B811F39-E81D-48FD-8075-D4D4B3533102}"/>
+                        </a:ext>
+                      </a:extLst>
+                    </p:cNvPr>
+                    <p:cNvSpPr txBox="1">
+                      <a:spLocks noRot="1" noChangeAspect="1" noMove="1" noResize="1" noEditPoints="1" noAdjustHandles="1" noChangeArrowheads="1" noChangeShapeType="1" noTextEdit="1"/>
+                    </p:cNvSpPr>
+                    <p:nvPr/>
+                  </p:nvSpPr>
+                  <p:spPr>
+                    <a:xfrm>
+                      <a:off x="2778997" y="4748205"/>
+                      <a:ext cx="466602" cy="369332"/>
+                    </a:xfrm>
+                    <a:prstGeom prst="rect">
+                      <a:avLst/>
+                    </a:prstGeom>
+                    <a:blipFill>
+                      <a:blip r:embed="rId13"/>
+                      <a:stretch>
+                        <a:fillRect/>
+                      </a:stretch>
+                    </a:blipFill>
+                  </p:spPr>
+                  <p:txBody>
+                    <a:bodyPr/>
+                    <a:lstStyle/>
+                    <a:p>
+                      <a:r>
+                        <a:rPr lang="en-US">
+                          <a:noFill/>
+                        </a:rPr>
+                        <a:t> </a:t>
+                      </a:r>
+                    </a:p>
+                  </p:txBody>
+                </p:sp>
+              </mc:Fallback>
+            </mc:AlternateContent>
+            <mc:AlternateContent xmlns:mc="http://schemas.openxmlformats.org/markup-compatibility/2006" xmlns:a14="http://schemas.microsoft.com/office/drawing/2010/main">
+              <mc:Choice Requires="a14">
+                <p:sp>
+                  <p:nvSpPr>
+                    <p:cNvPr id="11" name="TextBox 10">
+                      <a:extLst>
+                        <a:ext uri="{FF2B5EF4-FFF2-40B4-BE49-F238E27FC236}">
+                          <a16:creationId xmlns:a16="http://schemas.microsoft.com/office/drawing/2014/main" id="{CB6630DD-0C96-A762-ECB1-A49016FA706D}"/>
+                        </a:ext>
+                      </a:extLst>
+                    </p:cNvPr>
+                    <p:cNvSpPr txBox="1"/>
+                    <p:nvPr/>
+                  </p:nvSpPr>
+                  <p:spPr>
+                    <a:xfrm>
+                      <a:off x="3658708" y="4207689"/>
+                      <a:ext cx="466603" cy="369332"/>
+                    </a:xfrm>
+                    <a:prstGeom prst="rect">
+                      <a:avLst/>
+                    </a:prstGeom>
+                    <a:noFill/>
+                  </p:spPr>
+                  <p:txBody>
+                    <a:bodyPr wrap="none" rtlCol="0">
+                      <a:spAutoFit/>
+                    </a:bodyPr>
+                    <a:lstStyle/>
+                    <a:p>
+                      <a:pPr/>
+                      <a14:m>
+                        <m:oMathPara xmlns:m="http://schemas.openxmlformats.org/officeDocument/2006/math">
+                          <m:oMathParaPr>
+                            <m:jc m:val="centerGroup"/>
+                          </m:oMathParaPr>
+                          <m:oMath xmlns:m="http://schemas.openxmlformats.org/officeDocument/2006/math">
+                            <m:sSub>
+                              <m:sSubPr>
+                                <m:ctrlPr>
+                                  <a:rPr lang="en-US" b="0" i="1" smtClean="0">
+                                    <a:latin typeface="Cambria Math" panose="02040503050406030204" pitchFamily="18" charset="0"/>
+                                  </a:rPr>
+                                </m:ctrlPr>
+                              </m:sSubPr>
+                              <m:e>
+                                <m:r>
+                                  <a:rPr lang="en-US" b="0" i="1" smtClean="0">
+                                    <a:latin typeface="Cambria Math" panose="02040503050406030204" pitchFamily="18" charset="0"/>
+                                  </a:rPr>
+                                  <m:t>𝜃</m:t>
+                                </m:r>
+                              </m:e>
+                              <m:sub>
+                                <m:r>
+                                  <a:rPr lang="en-US" b="0" i="1" smtClean="0">
+                                    <a:latin typeface="Cambria Math" panose="02040503050406030204" pitchFamily="18" charset="0"/>
+                                  </a:rPr>
+                                  <m:t>2</m:t>
+                                </m:r>
+                              </m:sub>
+                            </m:sSub>
+                          </m:oMath>
+                        </m:oMathPara>
+                      </a14:m>
+                      <a:endParaRPr lang="en-US" dirty="0"/>
+                    </a:p>
+                  </p:txBody>
+                </p:sp>
+              </mc:Choice>
+              <mc:Fallback xmlns="">
+                <p:sp>
+                  <p:nvSpPr>
+                    <p:cNvPr id="82" name="TextBox 81">
+                      <a:extLst>
+                        <a:ext uri="{FF2B5EF4-FFF2-40B4-BE49-F238E27FC236}">
+                          <a16:creationId xmlns:a16="http://schemas.microsoft.com/office/drawing/2014/main" id="{560DA672-A233-4C81-B207-D91EA6F0BF76}"/>
+                        </a:ext>
+                      </a:extLst>
+                    </p:cNvPr>
+                    <p:cNvSpPr txBox="1">
+                      <a:spLocks noRot="1" noChangeAspect="1" noMove="1" noResize="1" noEditPoints="1" noAdjustHandles="1" noChangeArrowheads="1" noChangeShapeType="1" noTextEdit="1"/>
+                    </p:cNvSpPr>
+                    <p:nvPr/>
+                  </p:nvSpPr>
+                  <p:spPr>
+                    <a:xfrm>
+                      <a:off x="3658708" y="4207689"/>
+                      <a:ext cx="466603" cy="369332"/>
+                    </a:xfrm>
+                    <a:prstGeom prst="rect">
+                      <a:avLst/>
+                    </a:prstGeom>
+                    <a:blipFill>
+                      <a:blip r:embed="rId14"/>
+                      <a:stretch>
+                        <a:fillRect/>
+                      </a:stretch>
+                    </a:blipFill>
+                  </p:spPr>
+                  <p:txBody>
+                    <a:bodyPr/>
+                    <a:lstStyle/>
+                    <a:p>
+                      <a:r>
+                        <a:rPr lang="en-US">
+                          <a:noFill/>
+                        </a:rPr>
+                        <a:t> </a:t>
+                      </a:r>
+                    </a:p>
+                  </p:txBody>
+                </p:sp>
+              </mc:Fallback>
+            </mc:AlternateContent>
+          </p:grpSp>
+          <p:sp>
+            <p:nvSpPr>
+              <p:cNvPr id="8" name="TextBox 7">
+                <a:extLst>
+                  <a:ext uri="{FF2B5EF4-FFF2-40B4-BE49-F238E27FC236}">
+                    <a16:creationId xmlns:a16="http://schemas.microsoft.com/office/drawing/2014/main" id="{CCF92299-84D9-D112-E80E-E5B638574998}"/>
+                  </a:ext>
+                </a:extLst>
+              </p:cNvPr>
+              <p:cNvSpPr txBox="1"/>
+              <p:nvPr/>
+            </p:nvSpPr>
+            <p:spPr>
+              <a:xfrm>
+                <a:off x="5687264" y="4105678"/>
+                <a:ext cx="279579" cy="369332"/>
+              </a:xfrm>
+              <a:prstGeom prst="rect">
+                <a:avLst/>
+              </a:prstGeom>
+              <a:noFill/>
+            </p:spPr>
+            <p:txBody>
+              <a:bodyPr wrap="square" rtlCol="0">
+                <a:spAutoFit/>
+              </a:bodyPr>
+              <a:lstStyle/>
+              <a:p>
+                <a:r>
+                  <a:rPr lang="en-US" dirty="0"/>
+                  <a:t>s</a:t>
+                </a:r>
+              </a:p>
+            </p:txBody>
+          </p:sp>
+        </p:grpSp>
+        <mc:AlternateContent xmlns:mc="http://schemas.openxmlformats.org/markup-compatibility/2006">
+          <mc:Choice xmlns:a14="http://schemas.microsoft.com/office/drawing/2010/main" Requires="a14">
+            <p:sp>
+              <p:nvSpPr>
+                <p:cNvPr id="5" name="TextBox 4">
+                  <a:extLst>
+                    <a:ext uri="{FF2B5EF4-FFF2-40B4-BE49-F238E27FC236}">
+                      <a16:creationId xmlns:a16="http://schemas.microsoft.com/office/drawing/2014/main" id="{0AA84B57-425F-79A4-1942-240D23229DAC}"/>
+                    </a:ext>
+                  </a:extLst>
+                </p:cNvPr>
+                <p:cNvSpPr txBox="1"/>
+                <p:nvPr/>
+              </p:nvSpPr>
+              <p:spPr>
+                <a:xfrm>
+                  <a:off x="1735842" y="4916591"/>
+                  <a:ext cx="279579" cy="369332"/>
+                </a:xfrm>
+                <a:prstGeom prst="rect">
+                  <a:avLst/>
+                </a:prstGeom>
+                <a:noFill/>
+              </p:spPr>
+              <p:txBody>
+                <a:bodyPr wrap="square" rtlCol="0">
+                  <a:spAutoFit/>
+                </a:bodyPr>
+                <a:lstStyle/>
+                <a:p>
+                  <a:pPr/>
+                  <a14:m>
+                    <m:oMathPara xmlns:m="http://schemas.openxmlformats.org/officeDocument/2006/math">
+                      <m:oMathParaPr>
+                        <m:jc m:val="centerGroup"/>
+                      </m:oMathParaPr>
+                      <m:oMath xmlns:m="http://schemas.openxmlformats.org/officeDocument/2006/math">
+                        <m:r>
+                          <a:rPr lang="en-US" b="0" i="1" smtClean="0">
+                            <a:latin typeface="Cambria Math" panose="02040503050406030204" pitchFamily="18" charset="0"/>
+                          </a:rPr>
+                          <m:t>𝑝</m:t>
+                        </m:r>
+                      </m:oMath>
+                    </m:oMathPara>
+                  </a14:m>
+                  <a:endParaRPr lang="en-US" dirty="0"/>
+                </a:p>
+              </p:txBody>
+            </p:sp>
+          </mc:Choice>
+          <mc:Fallback>
+            <p:sp>
+              <p:nvSpPr>
+                <p:cNvPr id="5" name="TextBox 4">
+                  <a:extLst>
+                    <a:ext uri="{FF2B5EF4-FFF2-40B4-BE49-F238E27FC236}">
+                      <a16:creationId xmlns:a16="http://schemas.microsoft.com/office/drawing/2014/main" id="{0AA84B57-425F-79A4-1942-240D23229DAC}"/>
+                    </a:ext>
+                  </a:extLst>
+                </p:cNvPr>
+                <p:cNvSpPr txBox="1">
+                  <a:spLocks noRot="1" noChangeAspect="1" noMove="1" noResize="1" noEditPoints="1" noAdjustHandles="1" noChangeArrowheads="1" noChangeShapeType="1" noTextEdit="1"/>
+                </p:cNvSpPr>
+                <p:nvPr/>
+              </p:nvSpPr>
+              <p:spPr>
+                <a:xfrm>
+                  <a:off x="1735842" y="4916591"/>
+                  <a:ext cx="279579" cy="369332"/>
+                </a:xfrm>
+                <a:prstGeom prst="rect">
+                  <a:avLst/>
+                </a:prstGeom>
+                <a:blipFill>
+                  <a:blip r:embed="rId15"/>
+                  <a:stretch>
+                    <a:fillRect r="-8696" b="-6667"/>
+                  </a:stretch>
+                </a:blipFill>
+              </p:spPr>
+              <p:txBody>
+                <a:bodyPr/>
+                <a:lstStyle/>
+                <a:p>
+                  <a:r>
+                    <a:rPr lang="en-US">
+                      <a:noFill/>
+                    </a:rPr>
+                    <a:t> </a:t>
+                  </a:r>
+                </a:p>
+              </p:txBody>
+            </p:sp>
+          </mc:Fallback>
+        </mc:AlternateContent>
+        <mc:AlternateContent xmlns:mc="http://schemas.openxmlformats.org/markup-compatibility/2006">
+          <mc:Choice xmlns:a14="http://schemas.microsoft.com/office/drawing/2010/main" Requires="a14">
+            <p:sp>
+              <p:nvSpPr>
+                <p:cNvPr id="6" name="TextBox 5">
+                  <a:extLst>
+                    <a:ext uri="{FF2B5EF4-FFF2-40B4-BE49-F238E27FC236}">
+                      <a16:creationId xmlns:a16="http://schemas.microsoft.com/office/drawing/2014/main" id="{509C5D07-604B-17A9-8FD6-E3DAF1141AF9}"/>
+                    </a:ext>
+                  </a:extLst>
+                </p:cNvPr>
+                <p:cNvSpPr txBox="1"/>
+                <p:nvPr/>
+              </p:nvSpPr>
+              <p:spPr>
+                <a:xfrm>
+                  <a:off x="5216436" y="2509163"/>
+                  <a:ext cx="279579" cy="369332"/>
+                </a:xfrm>
+                <a:prstGeom prst="rect">
+                  <a:avLst/>
+                </a:prstGeom>
+                <a:noFill/>
+              </p:spPr>
+              <p:txBody>
+                <a:bodyPr wrap="square" rtlCol="0">
+                  <a:spAutoFit/>
+                </a:bodyPr>
+                <a:lstStyle/>
+                <a:p>
+                  <a:pPr/>
+                  <a14:m>
+                    <m:oMathPara xmlns:m="http://schemas.openxmlformats.org/officeDocument/2006/math">
+                      <m:oMathParaPr>
+                        <m:jc m:val="centerGroup"/>
+                      </m:oMathParaPr>
+                      <m:oMath xmlns:m="http://schemas.openxmlformats.org/officeDocument/2006/math">
+                        <m:r>
+                          <a:rPr lang="en-US" b="0" i="1" smtClean="0">
+                            <a:latin typeface="Cambria Math" panose="02040503050406030204" pitchFamily="18" charset="0"/>
+                          </a:rPr>
+                          <m:t>𝑜</m:t>
+                        </m:r>
+                      </m:oMath>
+                    </m:oMathPara>
+                  </a14:m>
+                  <a:endParaRPr lang="en-US" dirty="0"/>
+                </a:p>
+              </p:txBody>
+            </p:sp>
+          </mc:Choice>
+          <mc:Fallback>
+            <p:sp>
+              <p:nvSpPr>
+                <p:cNvPr id="6" name="TextBox 5">
+                  <a:extLst>
+                    <a:ext uri="{FF2B5EF4-FFF2-40B4-BE49-F238E27FC236}">
+                      <a16:creationId xmlns:a16="http://schemas.microsoft.com/office/drawing/2014/main" id="{509C5D07-604B-17A9-8FD6-E3DAF1141AF9}"/>
+                    </a:ext>
+                  </a:extLst>
+                </p:cNvPr>
+                <p:cNvSpPr txBox="1">
+                  <a:spLocks noRot="1" noChangeAspect="1" noMove="1" noResize="1" noEditPoints="1" noAdjustHandles="1" noChangeArrowheads="1" noChangeShapeType="1" noTextEdit="1"/>
+                </p:cNvSpPr>
+                <p:nvPr/>
+              </p:nvSpPr>
+              <p:spPr>
+                <a:xfrm>
+                  <a:off x="5216436" y="2509163"/>
+                  <a:ext cx="279579" cy="369332"/>
+                </a:xfrm>
+                <a:prstGeom prst="rect">
+                  <a:avLst/>
+                </a:prstGeom>
+                <a:blipFill>
+                  <a:blip r:embed="rId16"/>
+                  <a:stretch>
+                    <a:fillRect/>
+                  </a:stretch>
+                </a:blipFill>
+              </p:spPr>
+              <p:txBody>
+                <a:bodyPr/>
+                <a:lstStyle/>
+                <a:p>
+                  <a:r>
+                    <a:rPr lang="en-US">
+                      <a:noFill/>
+                    </a:rPr>
+                    <a:t> </a:t>
+                  </a:r>
+                </a:p>
+              </p:txBody>
+            </p:sp>
+          </mc:Fallback>
+        </mc:AlternateContent>
+      </p:grpSp>
+      <p:sp>
+        <p:nvSpPr>
+          <p:cNvPr id="51" name="Oval 50">
+            <a:extLst>
+              <a:ext uri="{FF2B5EF4-FFF2-40B4-BE49-F238E27FC236}">
+                <a16:creationId xmlns:a16="http://schemas.microsoft.com/office/drawing/2014/main" id="{62E4AD5C-4999-6657-02A2-F64D1FC731C2}"/>
+              </a:ext>
+            </a:extLst>
+          </p:cNvPr>
+          <p:cNvSpPr/>
+          <p:nvPr/>
+        </p:nvSpPr>
+        <p:spPr>
+          <a:xfrm>
+            <a:off x="8005514" y="4158053"/>
+            <a:ext cx="236239" cy="236239"/>
+          </a:xfrm>
+          <a:prstGeom prst="ellipse">
+            <a:avLst/>
+          </a:prstGeom>
+          <a:solidFill>
+            <a:schemeClr val="tx1"/>
+          </a:solidFill>
+          <a:ln>
+            <a:noFill/>
+          </a:ln>
+        </p:spPr>
+        <p:style>
+          <a:lnRef idx="2">
+            <a:schemeClr val="accent1">
+              <a:shade val="15000"/>
+            </a:schemeClr>
+          </a:lnRef>
+          <a:fillRef idx="1">
+            <a:schemeClr val="accent1"/>
+          </a:fillRef>
+          <a:effectRef idx="0">
+            <a:schemeClr val="accent1"/>
+          </a:effectRef>
+          <a:fontRef idx="minor">
+            <a:schemeClr val="lt1"/>
+          </a:fontRef>
+        </p:style>
+        <p:txBody>
+          <a:bodyPr rtlCol="0" anchor="ctr"/>
+          <a:lstStyle/>
+          <a:p>
+            <a:pPr algn="ctr"/>
+            <a:endParaRPr lang="en-US"/>
+          </a:p>
+        </p:txBody>
+      </p:sp>
+    </p:spTree>
+    <p:extLst>
+      <p:ext uri="{BB962C8B-B14F-4D97-AF65-F5344CB8AC3E}">
+        <p14:creationId xmlns:p14="http://schemas.microsoft.com/office/powerpoint/2010/main" val="1837311438"/>
+      </p:ext>
+    </p:extLst>
+  </p:cSld>
+  <p:clrMapOvr>
+    <a:masterClrMapping/>
+  </p:clrMapOvr>
+</p:sld>
+</file>
+
 <file path=ppt/slides/slide2.xml><?xml version="1.0" encoding="utf-8"?>
 <p:sld xmlns:a="http://schemas.openxmlformats.org/drawingml/2006/main" xmlns:r="http://schemas.openxmlformats.org/officeDocument/2006/relationships" xmlns:p="http://schemas.openxmlformats.org/presentationml/2006/main">
   <p:cSld>
@@ -3669,50 +6708,12 @@
           <a:chExt cx="0" cy="0"/>
         </a:xfrm>
       </p:grpSpPr>
-      <p:cxnSp>
-        <p:nvCxnSpPr>
-          <p:cNvPr id="77" name="Straight Connector 76">
+      <p:grpSp>
+        <p:nvGrpSpPr>
+          <p:cNvPr id="5" name="Group 4">
             <a:extLst>
               <a:ext uri="{FF2B5EF4-FFF2-40B4-BE49-F238E27FC236}">
-                <a16:creationId xmlns:a16="http://schemas.microsoft.com/office/drawing/2014/main" id="{2C6BEEB5-644E-4797-8A60-26992328E8F5}"/>
-              </a:ext>
-            </a:extLst>
-          </p:cNvPr>
-          <p:cNvCxnSpPr>
-            <a:cxnSpLocks/>
-          </p:cNvCxnSpPr>
-          <p:nvPr/>
-        </p:nvCxnSpPr>
-        <p:spPr>
-          <a:xfrm flipH="1" flipV="1">
-            <a:off x="2962263" y="4006961"/>
-            <a:ext cx="1496982" cy="1297916"/>
-          </a:xfrm>
-          <a:prstGeom prst="line">
-            <a:avLst/>
-          </a:prstGeom>
-        </p:spPr>
-        <p:style>
-          <a:lnRef idx="1">
-            <a:schemeClr val="accent1"/>
-          </a:lnRef>
-          <a:fillRef idx="0">
-            <a:schemeClr val="accent1"/>
-          </a:fillRef>
-          <a:effectRef idx="0">
-            <a:schemeClr val="accent1"/>
-          </a:effectRef>
-          <a:fontRef idx="minor">
-            <a:schemeClr val="tx1"/>
-          </a:fontRef>
-        </p:style>
-      </p:cxnSp>
-      <p:grpSp>
-        <p:nvGrpSpPr>
-          <p:cNvPr id="93" name="Group 92">
-            <a:extLst>
-              <a:ext uri="{FF2B5EF4-FFF2-40B4-BE49-F238E27FC236}">
-                <a16:creationId xmlns:a16="http://schemas.microsoft.com/office/drawing/2014/main" id="{1122618B-B5C0-47D4-B18E-E217136598C5}"/>
+                <a16:creationId xmlns:a16="http://schemas.microsoft.com/office/drawing/2014/main" id="{B5F3E75A-0A3C-F51D-45F4-CCD56EB94F3C}"/>
               </a:ext>
             </a:extLst>
           </p:cNvPr>
@@ -3721,18 +6722,56 @@
         </p:nvGrpSpPr>
         <p:grpSpPr>
           <a:xfrm>
-            <a:off x="-186612" y="412140"/>
+            <a:off x="495466" y="583867"/>
             <a:ext cx="7961546" cy="5567188"/>
-            <a:chOff x="-186612" y="412140"/>
+            <a:chOff x="-180809" y="399270"/>
             <a:chExt cx="7961546" cy="5567188"/>
           </a:xfrm>
         </p:grpSpPr>
+        <p:cxnSp>
+          <p:nvCxnSpPr>
+            <p:cNvPr id="77" name="Straight Connector 76">
+              <a:extLst>
+                <a:ext uri="{FF2B5EF4-FFF2-40B4-BE49-F238E27FC236}">
+                  <a16:creationId xmlns:a16="http://schemas.microsoft.com/office/drawing/2014/main" id="{2C6BEEB5-644E-4797-8A60-26992328E8F5}"/>
+                </a:ext>
+              </a:extLst>
+            </p:cNvPr>
+            <p:cNvCxnSpPr>
+              <a:cxnSpLocks/>
+            </p:cNvCxnSpPr>
+            <p:nvPr/>
+          </p:nvCxnSpPr>
+          <p:spPr>
+            <a:xfrm flipH="1" flipV="1">
+              <a:off x="2962263" y="4006961"/>
+              <a:ext cx="1496982" cy="1297916"/>
+            </a:xfrm>
+            <a:prstGeom prst="line">
+              <a:avLst/>
+            </a:prstGeom>
+          </p:spPr>
+          <p:style>
+            <a:lnRef idx="1">
+              <a:schemeClr val="accent1"/>
+            </a:lnRef>
+            <a:fillRef idx="0">
+              <a:schemeClr val="accent1"/>
+            </a:fillRef>
+            <a:effectRef idx="0">
+              <a:schemeClr val="accent1"/>
+            </a:effectRef>
+            <a:fontRef idx="minor">
+              <a:schemeClr val="tx1"/>
+            </a:fontRef>
+          </p:style>
+        </p:cxnSp>
         <p:grpSp>
           <p:nvGrpSpPr>
-            <p:cNvPr id="74" name="Group 73">
+            <p:cNvPr id="93" name="Group 92">
               <a:extLst>
                 <a:ext uri="{FF2B5EF4-FFF2-40B4-BE49-F238E27FC236}">
-                  <a16:creationId xmlns:a16="http://schemas.microsoft.com/office/drawing/2014/main" id="{C28A69B5-825F-415A-8940-904CF30A0116}"/>
+                  <a16:creationId xmlns:a16="http://schemas.microsoft.com/office/drawing/2014/main" id="{1122618B-B5C0-47D4-B18E-E217136598C5}"/>
                 </a:ext>
               </a:extLst>
             </p:cNvPr>
@@ -3741,18 +6780,18 @@
           </p:nvGrpSpPr>
           <p:grpSpPr>
             <a:xfrm>
-              <a:off x="-186612" y="412140"/>
+              <a:off x="-180809" y="399270"/>
               <a:ext cx="7961546" cy="5567188"/>
-              <a:chOff x="0" y="645406"/>
+              <a:chOff x="-186612" y="412140"/>
               <a:chExt cx="7961546" cy="5567188"/>
             </a:xfrm>
           </p:grpSpPr>
           <p:grpSp>
             <p:nvGrpSpPr>
-              <p:cNvPr id="68" name="Group 67">
+              <p:cNvPr id="74" name="Group 73">
                 <a:extLst>
                   <a:ext uri="{FF2B5EF4-FFF2-40B4-BE49-F238E27FC236}">
-                    <a16:creationId xmlns:a16="http://schemas.microsoft.com/office/drawing/2014/main" id="{1080CE24-60C0-41F4-915F-A9B10737D95C}"/>
+                    <a16:creationId xmlns:a16="http://schemas.microsoft.com/office/drawing/2014/main" id="{C28A69B5-825F-415A-8940-904CF30A0116}"/>
                   </a:ext>
                 </a:extLst>
               </p:cNvPr>
@@ -3761,18 +6800,18 @@
             </p:nvGrpSpPr>
             <p:grpSpPr>
               <a:xfrm>
-                <a:off x="0" y="645406"/>
+                <a:off x="-186612" y="412140"/>
                 <a:ext cx="7961546" cy="5567188"/>
-                <a:chOff x="1872631" y="343406"/>
+                <a:chOff x="0" y="645406"/>
                 <a:chExt cx="7961546" cy="5567188"/>
               </a:xfrm>
             </p:grpSpPr>
             <p:grpSp>
               <p:nvGrpSpPr>
-                <p:cNvPr id="28" name="Group 27">
+                <p:cNvPr id="68" name="Group 67">
                   <a:extLst>
                     <a:ext uri="{FF2B5EF4-FFF2-40B4-BE49-F238E27FC236}">
-                      <a16:creationId xmlns:a16="http://schemas.microsoft.com/office/drawing/2014/main" id="{29B40A6B-215A-40C6-BF9D-CD4CF89DAAC3}"/>
+                      <a16:creationId xmlns:a16="http://schemas.microsoft.com/office/drawing/2014/main" id="{1080CE24-60C0-41F4-915F-A9B10737D95C}"/>
                     </a:ext>
                   </a:extLst>
                 </p:cNvPr>
@@ -3781,18 +6820,18 @@
               </p:nvGrpSpPr>
               <p:grpSpPr>
                 <a:xfrm>
-                  <a:off x="1872631" y="343406"/>
-                  <a:ext cx="7961546" cy="5052347"/>
-                  <a:chOff x="3276691" y="2116077"/>
-                  <a:chExt cx="4165631" cy="2633206"/>
+                  <a:off x="0" y="645406"/>
+                  <a:ext cx="7961546" cy="5567188"/>
+                  <a:chOff x="1872631" y="343406"/>
+                  <a:chExt cx="7961546" cy="5567188"/>
                 </a:xfrm>
               </p:grpSpPr>
               <p:grpSp>
                 <p:nvGrpSpPr>
-                  <p:cNvPr id="25" name="Group 24">
+                  <p:cNvPr id="28" name="Group 27">
                     <a:extLst>
                       <a:ext uri="{FF2B5EF4-FFF2-40B4-BE49-F238E27FC236}">
-                        <a16:creationId xmlns:a16="http://schemas.microsoft.com/office/drawing/2014/main" id="{683ED1BD-3960-4C46-B789-0B2E304E8403}"/>
+                        <a16:creationId xmlns:a16="http://schemas.microsoft.com/office/drawing/2014/main" id="{29B40A6B-215A-40C6-BF9D-CD4CF89DAAC3}"/>
                       </a:ext>
                     </a:extLst>
                   </p:cNvPr>
@@ -3801,18 +6840,18 @@
                 </p:nvGrpSpPr>
                 <p:grpSpPr>
                   <a:xfrm>
-                    <a:off x="3276691" y="2116077"/>
-                    <a:ext cx="4165631" cy="2633206"/>
-                    <a:chOff x="2744846" y="977742"/>
+                    <a:off x="1872631" y="343406"/>
+                    <a:ext cx="7961546" cy="5052347"/>
+                    <a:chOff x="3276691" y="2116077"/>
                     <a:chExt cx="4165631" cy="2633206"/>
                   </a:xfrm>
                 </p:grpSpPr>
                 <p:grpSp>
                   <p:nvGrpSpPr>
-                    <p:cNvPr id="6" name="Group 5">
+                    <p:cNvPr id="25" name="Group 24">
                       <a:extLst>
                         <a:ext uri="{FF2B5EF4-FFF2-40B4-BE49-F238E27FC236}">
-                          <a16:creationId xmlns:a16="http://schemas.microsoft.com/office/drawing/2014/main" id="{544D0E56-A787-46AD-925B-CB10ABE1D237}"/>
+                          <a16:creationId xmlns:a16="http://schemas.microsoft.com/office/drawing/2014/main" id="{683ED1BD-3960-4C46-B789-0B2E304E8403}"/>
                         </a:ext>
                       </a:extLst>
                     </p:cNvPr>
@@ -3821,36 +6860,190 @@
                   </p:nvGrpSpPr>
                   <p:grpSpPr>
                     <a:xfrm>
-                      <a:off x="3585298" y="2299353"/>
-                      <a:ext cx="723219" cy="1311595"/>
-                      <a:chOff x="3051110" y="1705940"/>
-                      <a:chExt cx="1254996" cy="1643751"/>
+                      <a:off x="3276691" y="2116077"/>
+                      <a:ext cx="4165631" cy="2633206"/>
+                      <a:chOff x="2744846" y="977742"/>
+                      <a:chExt cx="4165631" cy="2633206"/>
                     </a:xfrm>
                   </p:grpSpPr>
-                  <p:cxnSp>
-                    <p:nvCxnSpPr>
-                      <p:cNvPr id="3" name="Straight Connector 2">
+                  <p:grpSp>
+                    <p:nvGrpSpPr>
+                      <p:cNvPr id="6" name="Group 5">
                         <a:extLst>
                           <a:ext uri="{FF2B5EF4-FFF2-40B4-BE49-F238E27FC236}">
-                            <a16:creationId xmlns:a16="http://schemas.microsoft.com/office/drawing/2014/main" id="{7F294EF9-ED65-4741-A1E2-6388D26786E8}"/>
+                            <a16:creationId xmlns:a16="http://schemas.microsoft.com/office/drawing/2014/main" id="{544D0E56-A787-46AD-925B-CB10ABE1D237}"/>
                           </a:ext>
                         </a:extLst>
                       </p:cNvPr>
-                      <p:cNvCxnSpPr/>
+                      <p:cNvGrpSpPr/>
+                      <p:nvPr/>
+                    </p:nvGrpSpPr>
+                    <p:grpSpPr>
+                      <a:xfrm>
+                        <a:off x="3585298" y="2299353"/>
+                        <a:ext cx="723219" cy="1311595"/>
+                        <a:chOff x="3051110" y="1705940"/>
+                        <a:chExt cx="1254996" cy="1643751"/>
+                      </a:xfrm>
+                    </p:grpSpPr>
+                    <p:cxnSp>
+                      <p:nvCxnSpPr>
+                        <p:cNvPr id="3" name="Straight Connector 2">
+                          <a:extLst>
+                            <a:ext uri="{FF2B5EF4-FFF2-40B4-BE49-F238E27FC236}">
+                              <a16:creationId xmlns:a16="http://schemas.microsoft.com/office/drawing/2014/main" id="{7F294EF9-ED65-4741-A1E2-6388D26786E8}"/>
+                            </a:ext>
+                          </a:extLst>
+                        </p:cNvPr>
+                        <p:cNvCxnSpPr/>
+                        <p:nvPr/>
+                      </p:nvCxnSpPr>
+                      <p:spPr>
+                        <a:xfrm>
+                          <a:off x="3051110" y="1705940"/>
+                          <a:ext cx="1007706" cy="317240"/>
+                        </a:xfrm>
+                        <a:prstGeom prst="line">
+                          <a:avLst/>
+                        </a:prstGeom>
+                        <a:ln w="38100">
+                          <a:solidFill>
+                            <a:schemeClr val="tx1"/>
+                          </a:solidFill>
+                        </a:ln>
+                      </p:spPr>
+                      <p:style>
+                        <a:lnRef idx="1">
+                          <a:schemeClr val="accent1"/>
+                        </a:lnRef>
+                        <a:fillRef idx="0">
+                          <a:schemeClr val="accent1"/>
+                        </a:fillRef>
+                        <a:effectRef idx="0">
+                          <a:schemeClr val="accent1"/>
+                        </a:effectRef>
+                        <a:fontRef idx="minor">
+                          <a:schemeClr val="tx1"/>
+                        </a:fontRef>
+                      </p:style>
+                    </p:cxnSp>
+                    <p:cxnSp>
+                      <p:nvCxnSpPr>
+                        <p:cNvPr id="4" name="Straight Connector 3">
+                          <a:extLst>
+                            <a:ext uri="{FF2B5EF4-FFF2-40B4-BE49-F238E27FC236}">
+                              <a16:creationId xmlns:a16="http://schemas.microsoft.com/office/drawing/2014/main" id="{6F31B68C-0E0B-43DD-AB80-142DC739913A}"/>
+                            </a:ext>
+                          </a:extLst>
+                        </p:cNvPr>
+                        <p:cNvCxnSpPr>
+                          <a:cxnSpLocks/>
+                        </p:cNvCxnSpPr>
+                        <p:nvPr/>
+                      </p:nvCxnSpPr>
+                      <p:spPr>
+                        <a:xfrm>
+                          <a:off x="3125755" y="2799184"/>
+                          <a:ext cx="858416" cy="550507"/>
+                        </a:xfrm>
+                        <a:prstGeom prst="line">
+                          <a:avLst/>
+                        </a:prstGeom>
+                        <a:ln w="38100">
+                          <a:solidFill>
+                            <a:schemeClr val="tx1"/>
+                          </a:solidFill>
+                        </a:ln>
+                      </p:spPr>
+                      <p:style>
+                        <a:lnRef idx="1">
+                          <a:schemeClr val="accent1"/>
+                        </a:lnRef>
+                        <a:fillRef idx="0">
+                          <a:schemeClr val="accent1"/>
+                        </a:fillRef>
+                        <a:effectRef idx="0">
+                          <a:schemeClr val="accent1"/>
+                        </a:effectRef>
+                        <a:fontRef idx="minor">
+                          <a:schemeClr val="tx1"/>
+                        </a:fontRef>
+                      </p:style>
+                    </p:cxnSp>
+                    <p:cxnSp>
+                      <p:nvCxnSpPr>
+                        <p:cNvPr id="7" name="Straight Connector 6">
+                          <a:extLst>
+                            <a:ext uri="{FF2B5EF4-FFF2-40B4-BE49-F238E27FC236}">
+                              <a16:creationId xmlns:a16="http://schemas.microsoft.com/office/drawing/2014/main" id="{45874C1C-3EEA-4AB3-97BC-82B823BC0D3D}"/>
+                            </a:ext>
+                          </a:extLst>
+                        </p:cNvPr>
+                        <p:cNvCxnSpPr>
+                          <a:cxnSpLocks/>
+                        </p:cNvCxnSpPr>
+                        <p:nvPr/>
+                      </p:nvCxnSpPr>
+                      <p:spPr>
+                        <a:xfrm>
+                          <a:off x="3051110" y="2915816"/>
+                          <a:ext cx="1254996" cy="402101"/>
+                        </a:xfrm>
+                        <a:prstGeom prst="line">
+                          <a:avLst/>
+                        </a:prstGeom>
+                        <a:ln>
+                          <a:solidFill>
+                            <a:schemeClr val="tx1"/>
+                          </a:solidFill>
+                          <a:prstDash val="dash"/>
+                        </a:ln>
+                      </p:spPr>
+                      <p:style>
+                        <a:lnRef idx="1">
+                          <a:schemeClr val="accent1"/>
+                        </a:lnRef>
+                        <a:fillRef idx="0">
+                          <a:schemeClr val="accent1"/>
+                        </a:fillRef>
+                        <a:effectRef idx="0">
+                          <a:schemeClr val="accent1"/>
+                        </a:effectRef>
+                        <a:fontRef idx="minor">
+                          <a:schemeClr val="tx1"/>
+                        </a:fontRef>
+                      </p:style>
+                    </p:cxnSp>
+                  </p:grpSp>
+                  <p:cxnSp>
+                    <p:nvCxnSpPr>
+                      <p:cNvPr id="9" name="Straight Arrow Connector 8">
+                        <a:extLst>
+                          <a:ext uri="{FF2B5EF4-FFF2-40B4-BE49-F238E27FC236}">
+                            <a16:creationId xmlns:a16="http://schemas.microsoft.com/office/drawing/2014/main" id="{A17956A1-F32D-4DFB-9AF6-8FCD961059A5}"/>
+                          </a:ext>
+                        </a:extLst>
+                      </p:cNvPr>
+                      <p:cNvCxnSpPr>
+                        <a:cxnSpLocks/>
+                      </p:cNvCxnSpPr>
                       <p:nvPr/>
                     </p:nvCxnSpPr>
                     <p:spPr>
-                      <a:xfrm>
-                        <a:off x="3051110" y="1705940"/>
-                        <a:ext cx="1007706" cy="317240"/>
+                      <a:xfrm flipV="1">
+                        <a:off x="2744846" y="2436617"/>
+                        <a:ext cx="1183346" cy="924933"/>
                       </a:xfrm>
-                      <a:prstGeom prst="line">
+                      <a:prstGeom prst="straightConnector1">
                         <a:avLst/>
                       </a:prstGeom>
-                      <a:ln w="38100">
+                      <a:ln w="28575">
                         <a:solidFill>
-                          <a:schemeClr val="tx1"/>
+                          <a:schemeClr val="accent2">
+                            <a:lumMod val="50000"/>
+                          </a:schemeClr>
                         </a:solidFill>
+                        <a:tailEnd type="triangle"/>
                       </a:ln>
                     </p:spPr>
                     <p:style>
@@ -3870,10 +7063,10 @@
                   </p:cxnSp>
                   <p:cxnSp>
                     <p:nvCxnSpPr>
-                      <p:cNvPr id="4" name="Straight Connector 3">
+                      <p:cNvPr id="11" name="Straight Arrow Connector 10">
                         <a:extLst>
                           <a:ext uri="{FF2B5EF4-FFF2-40B4-BE49-F238E27FC236}">
-                            <a16:creationId xmlns:a16="http://schemas.microsoft.com/office/drawing/2014/main" id="{6F31B68C-0E0B-43DD-AB80-142DC739913A}"/>
+                            <a16:creationId xmlns:a16="http://schemas.microsoft.com/office/drawing/2014/main" id="{FB371700-802E-4ABF-8B24-D3CF4806231C}"/>
                           </a:ext>
                         </a:extLst>
                       </p:cNvPr>
@@ -3884,16 +7077,19 @@
                     </p:nvCxnSpPr>
                     <p:spPr>
                       <a:xfrm>
-                        <a:off x="3125755" y="2799184"/>
-                        <a:ext cx="858416" cy="550507"/>
+                        <a:off x="3907668" y="2430799"/>
+                        <a:ext cx="0" cy="1000042"/>
                       </a:xfrm>
-                      <a:prstGeom prst="line">
+                      <a:prstGeom prst="straightConnector1">
                         <a:avLst/>
                       </a:prstGeom>
-                      <a:ln w="38100">
+                      <a:ln w="28575">
                         <a:solidFill>
-                          <a:schemeClr val="tx1"/>
+                          <a:schemeClr val="accent2">
+                            <a:lumMod val="50000"/>
+                          </a:schemeClr>
                         </a:solidFill>
+                        <a:tailEnd type="triangle"/>
                       </a:ln>
                     </p:spPr>
                     <p:style>
@@ -3913,10 +7109,10 @@
                   </p:cxnSp>
                   <p:cxnSp>
                     <p:nvCxnSpPr>
-                      <p:cNvPr id="7" name="Straight Connector 6">
+                      <p:cNvPr id="16" name="Straight Arrow Connector 15">
                         <a:extLst>
                           <a:ext uri="{FF2B5EF4-FFF2-40B4-BE49-F238E27FC236}">
-                            <a16:creationId xmlns:a16="http://schemas.microsoft.com/office/drawing/2014/main" id="{45874C1C-3EEA-4AB3-97BC-82B823BC0D3D}"/>
+                            <a16:creationId xmlns:a16="http://schemas.microsoft.com/office/drawing/2014/main" id="{E1576B37-6C88-4894-AA94-EDBCCFC31776}"/>
                           </a:ext>
                         </a:extLst>
                       </p:cNvPr>
@@ -3926,18 +7122,20 @@
                       <p:nvPr/>
                     </p:nvCxnSpPr>
                     <p:spPr>
-                      <a:xfrm>
-                        <a:off x="3051110" y="2915816"/>
-                        <a:ext cx="1254996" cy="402101"/>
+                      <a:xfrm flipV="1">
+                        <a:off x="3909815" y="2987319"/>
+                        <a:ext cx="1951581" cy="413912"/>
                       </a:xfrm>
-                      <a:prstGeom prst="line">
+                      <a:prstGeom prst="straightConnector1">
                         <a:avLst/>
                       </a:prstGeom>
-                      <a:ln>
+                      <a:ln w="28575">
                         <a:solidFill>
-                          <a:schemeClr val="tx1"/>
+                          <a:schemeClr val="accent2">
+                            <a:lumMod val="50000"/>
+                          </a:schemeClr>
                         </a:solidFill>
-                        <a:prstDash val="dash"/>
+                        <a:tailEnd type="triangle"/>
                       </a:ln>
                     </p:spPr>
                     <p:style>
@@ -3955,13 +7153,142 @@
                       </a:fontRef>
                     </p:style>
                   </p:cxnSp>
+                  <p:grpSp>
+                    <p:nvGrpSpPr>
+                      <p:cNvPr id="20" name="Group 19">
+                        <a:extLst>
+                          <a:ext uri="{FF2B5EF4-FFF2-40B4-BE49-F238E27FC236}">
+                            <a16:creationId xmlns:a16="http://schemas.microsoft.com/office/drawing/2014/main" id="{1BA1A1BB-1BA5-4474-89C0-1E603D592525}"/>
+                          </a:ext>
+                        </a:extLst>
+                      </p:cNvPr>
+                      <p:cNvGrpSpPr/>
+                      <p:nvPr/>
+                    </p:nvGrpSpPr>
+                    <p:grpSpPr>
+                      <a:xfrm>
+                        <a:off x="4370336" y="977742"/>
+                        <a:ext cx="2540141" cy="2540141"/>
+                        <a:chOff x="5068525" y="232158"/>
+                        <a:chExt cx="2540141" cy="2540141"/>
+                      </a:xfrm>
+                    </p:grpSpPr>
+                    <p:sp>
+                      <p:nvSpPr>
+                        <p:cNvPr id="18" name="Oval 17">
+                          <a:extLst>
+                            <a:ext uri="{FF2B5EF4-FFF2-40B4-BE49-F238E27FC236}">
+                              <a16:creationId xmlns:a16="http://schemas.microsoft.com/office/drawing/2014/main" id="{87CD22AB-530B-4DD5-827B-B5ED0C47607E}"/>
+                            </a:ext>
+                          </a:extLst>
+                        </p:cNvPr>
+                        <p:cNvSpPr/>
+                        <p:nvPr/>
+                      </p:nvSpPr>
+                      <p:spPr>
+                        <a:xfrm>
+                          <a:off x="5068525" y="232158"/>
+                          <a:ext cx="2540141" cy="2540141"/>
+                        </a:xfrm>
+                        <a:prstGeom prst="ellipse">
+                          <a:avLst/>
+                        </a:prstGeom>
+                        <a:noFill/>
+                        <a:ln w="38100">
+                          <a:solidFill>
+                            <a:schemeClr val="bg1">
+                              <a:lumMod val="65000"/>
+                            </a:schemeClr>
+                          </a:solidFill>
+                        </a:ln>
+                      </p:spPr>
+                      <p:style>
+                        <a:lnRef idx="2">
+                          <a:schemeClr val="accent1">
+                            <a:shade val="50000"/>
+                          </a:schemeClr>
+                        </a:lnRef>
+                        <a:fillRef idx="1">
+                          <a:schemeClr val="accent1"/>
+                        </a:fillRef>
+                        <a:effectRef idx="0">
+                          <a:schemeClr val="accent1"/>
+                        </a:effectRef>
+                        <a:fontRef idx="minor">
+                          <a:schemeClr val="lt1"/>
+                        </a:fontRef>
+                      </p:style>
+                      <p:txBody>
+                        <a:bodyPr rtlCol="0" anchor="ctr"/>
+                        <a:lstStyle/>
+                        <a:p>
+                          <a:pPr algn="ctr"/>
+                          <a:endParaRPr lang="en-US"/>
+                        </a:p>
+                      </p:txBody>
+                    </p:sp>
+                    <p:sp>
+                      <p:nvSpPr>
+                        <p:cNvPr id="19" name="Oval 18">
+                          <a:extLst>
+                            <a:ext uri="{FF2B5EF4-FFF2-40B4-BE49-F238E27FC236}">
+                              <a16:creationId xmlns:a16="http://schemas.microsoft.com/office/drawing/2014/main" id="{24E8FF67-C159-4E93-89B0-2584D4B34E54}"/>
+                            </a:ext>
+                          </a:extLst>
+                        </p:cNvPr>
+                        <p:cNvSpPr/>
+                        <p:nvPr/>
+                      </p:nvSpPr>
+                      <p:spPr>
+                        <a:xfrm>
+                          <a:off x="5834742" y="998376"/>
+                          <a:ext cx="1007706" cy="1007706"/>
+                        </a:xfrm>
+                        <a:prstGeom prst="ellipse">
+                          <a:avLst/>
+                        </a:prstGeom>
+                        <a:noFill/>
+                        <a:ln w="38100">
+                          <a:solidFill>
+                            <a:schemeClr val="bg1">
+                              <a:lumMod val="65000"/>
+                            </a:schemeClr>
+                          </a:solidFill>
+                        </a:ln>
+                      </p:spPr>
+                      <p:style>
+                        <a:lnRef idx="2">
+                          <a:schemeClr val="accent1">
+                            <a:shade val="50000"/>
+                          </a:schemeClr>
+                        </a:lnRef>
+                        <a:fillRef idx="1">
+                          <a:schemeClr val="accent1"/>
+                        </a:fillRef>
+                        <a:effectRef idx="0">
+                          <a:schemeClr val="accent1"/>
+                        </a:effectRef>
+                        <a:fontRef idx="minor">
+                          <a:schemeClr val="lt1"/>
+                        </a:fontRef>
+                      </p:style>
+                      <p:txBody>
+                        <a:bodyPr rtlCol="0" anchor="ctr"/>
+                        <a:lstStyle/>
+                        <a:p>
+                          <a:pPr algn="ctr"/>
+                          <a:endParaRPr lang="en-US"/>
+                        </a:p>
+                      </p:txBody>
+                    </p:sp>
+                  </p:grpSp>
                 </p:grpSp>
                 <p:cxnSp>
                   <p:nvCxnSpPr>
-                    <p:cNvPr id="9" name="Straight Arrow Connector 8">
+                    <p:cNvPr id="26" name="Straight Connector 25">
                       <a:extLst>
                         <a:ext uri="{FF2B5EF4-FFF2-40B4-BE49-F238E27FC236}">
-                          <a16:creationId xmlns:a16="http://schemas.microsoft.com/office/drawing/2014/main" id="{A17956A1-F32D-4DFB-9AF6-8FCD961059A5}"/>
+                          <a16:creationId xmlns:a16="http://schemas.microsoft.com/office/drawing/2014/main" id="{DEE6D552-C892-4CC9-8BB6-83CC051AFA03}"/>
                         </a:ext>
                       </a:extLst>
                     </p:cNvPr>
@@ -3971,20 +7298,17 @@
                     <p:nvPr/>
                   </p:nvCxnSpPr>
                   <p:spPr>
-                    <a:xfrm flipV="1">
-                      <a:off x="2744846" y="2436617"/>
-                      <a:ext cx="1183346" cy="924933"/>
+                    <a:xfrm>
+                      <a:off x="5186184" y="4204695"/>
+                      <a:ext cx="238518" cy="213129"/>
                     </a:xfrm>
-                    <a:prstGeom prst="straightConnector1">
+                    <a:prstGeom prst="line">
                       <a:avLst/>
                     </a:prstGeom>
-                    <a:ln w="28575">
+                    <a:ln w="38100">
                       <a:solidFill>
-                        <a:schemeClr val="accent2">
-                          <a:lumMod val="50000"/>
-                        </a:schemeClr>
+                        <a:schemeClr val="tx1"/>
                       </a:solidFill>
-                      <a:tailEnd type="triangle"/>
                     </a:ln>
                   </p:spPr>
                   <p:style>
@@ -4002,234 +7326,55 @@
                     </a:fontRef>
                   </p:style>
                 </p:cxnSp>
-                <p:cxnSp>
-                  <p:nvCxnSpPr>
-                    <p:cNvPr id="11" name="Straight Arrow Connector 10">
-                      <a:extLst>
-                        <a:ext uri="{FF2B5EF4-FFF2-40B4-BE49-F238E27FC236}">
-                          <a16:creationId xmlns:a16="http://schemas.microsoft.com/office/drawing/2014/main" id="{FB371700-802E-4ABF-8B24-D3CF4806231C}"/>
-                        </a:ext>
-                      </a:extLst>
-                    </p:cNvPr>
-                    <p:cNvCxnSpPr>
-                      <a:cxnSpLocks/>
-                    </p:cNvCxnSpPr>
-                    <p:nvPr/>
-                  </p:nvCxnSpPr>
-                  <p:spPr>
-                    <a:xfrm>
-                      <a:off x="3907668" y="2430799"/>
-                      <a:ext cx="0" cy="1000042"/>
-                    </a:xfrm>
-                    <a:prstGeom prst="straightConnector1">
-                      <a:avLst/>
-                    </a:prstGeom>
-                    <a:ln w="28575">
-                      <a:solidFill>
-                        <a:schemeClr val="accent2">
-                          <a:lumMod val="50000"/>
-                        </a:schemeClr>
-                      </a:solidFill>
-                      <a:tailEnd type="triangle"/>
-                    </a:ln>
-                  </p:spPr>
-                  <p:style>
-                    <a:lnRef idx="1">
-                      <a:schemeClr val="accent1"/>
-                    </a:lnRef>
-                    <a:fillRef idx="0">
-                      <a:schemeClr val="accent1"/>
-                    </a:fillRef>
-                    <a:effectRef idx="0">
-                      <a:schemeClr val="accent1"/>
-                    </a:effectRef>
-                    <a:fontRef idx="minor">
-                      <a:schemeClr val="tx1"/>
-                    </a:fontRef>
-                  </p:style>
-                </p:cxnSp>
-                <p:cxnSp>
-                  <p:nvCxnSpPr>
-                    <p:cNvPr id="16" name="Straight Arrow Connector 15">
-                      <a:extLst>
-                        <a:ext uri="{FF2B5EF4-FFF2-40B4-BE49-F238E27FC236}">
-                          <a16:creationId xmlns:a16="http://schemas.microsoft.com/office/drawing/2014/main" id="{E1576B37-6C88-4894-AA94-EDBCCFC31776}"/>
-                        </a:ext>
-                      </a:extLst>
-                    </p:cNvPr>
-                    <p:cNvCxnSpPr>
-                      <a:cxnSpLocks/>
-                    </p:cNvCxnSpPr>
-                    <p:nvPr/>
-                  </p:nvCxnSpPr>
-                  <p:spPr>
-                    <a:xfrm flipV="1">
-                      <a:off x="3909815" y="2987319"/>
-                      <a:ext cx="1951581" cy="413912"/>
-                    </a:xfrm>
-                    <a:prstGeom prst="straightConnector1">
-                      <a:avLst/>
-                    </a:prstGeom>
-                    <a:ln w="28575">
-                      <a:solidFill>
-                        <a:schemeClr val="accent2">
-                          <a:lumMod val="50000"/>
-                        </a:schemeClr>
-                      </a:solidFill>
-                      <a:tailEnd type="triangle"/>
-                    </a:ln>
-                  </p:spPr>
-                  <p:style>
-                    <a:lnRef idx="1">
-                      <a:schemeClr val="accent1"/>
-                    </a:lnRef>
-                    <a:fillRef idx="0">
-                      <a:schemeClr val="accent1"/>
-                    </a:fillRef>
-                    <a:effectRef idx="0">
-                      <a:schemeClr val="accent1"/>
-                    </a:effectRef>
-                    <a:fontRef idx="minor">
-                      <a:schemeClr val="tx1"/>
-                    </a:fontRef>
-                  </p:style>
-                </p:cxnSp>
-                <p:grpSp>
-                  <p:nvGrpSpPr>
-                    <p:cNvPr id="20" name="Group 19">
-                      <a:extLst>
-                        <a:ext uri="{FF2B5EF4-FFF2-40B4-BE49-F238E27FC236}">
-                          <a16:creationId xmlns:a16="http://schemas.microsoft.com/office/drawing/2014/main" id="{1BA1A1BB-1BA5-4474-89C0-1E603D592525}"/>
-                        </a:ext>
-                      </a:extLst>
-                    </p:cNvPr>
-                    <p:cNvGrpSpPr/>
-                    <p:nvPr/>
-                  </p:nvGrpSpPr>
-                  <p:grpSpPr>
-                    <a:xfrm>
-                      <a:off x="4370336" y="977742"/>
-                      <a:ext cx="2540141" cy="2540141"/>
-                      <a:chOff x="5068525" y="232158"/>
-                      <a:chExt cx="2540141" cy="2540141"/>
-                    </a:xfrm>
-                  </p:grpSpPr>
-                  <p:sp>
-                    <p:nvSpPr>
-                      <p:cNvPr id="18" name="Oval 17">
-                        <a:extLst>
-                          <a:ext uri="{FF2B5EF4-FFF2-40B4-BE49-F238E27FC236}">
-                            <a16:creationId xmlns:a16="http://schemas.microsoft.com/office/drawing/2014/main" id="{87CD22AB-530B-4DD5-827B-B5ED0C47607E}"/>
-                          </a:ext>
-                        </a:extLst>
-                      </p:cNvPr>
-                      <p:cNvSpPr/>
-                      <p:nvPr/>
-                    </p:nvSpPr>
-                    <p:spPr>
-                      <a:xfrm>
-                        <a:off x="5068525" y="232158"/>
-                        <a:ext cx="2540141" cy="2540141"/>
-                      </a:xfrm>
-                      <a:prstGeom prst="ellipse">
-                        <a:avLst/>
-                      </a:prstGeom>
-                      <a:noFill/>
-                      <a:ln w="38100">
-                        <a:solidFill>
-                          <a:schemeClr val="bg1">
-                            <a:lumMod val="65000"/>
-                          </a:schemeClr>
-                        </a:solidFill>
-                      </a:ln>
-                    </p:spPr>
-                    <p:style>
-                      <a:lnRef idx="2">
-                        <a:schemeClr val="accent1">
-                          <a:shade val="50000"/>
-                        </a:schemeClr>
-                      </a:lnRef>
-                      <a:fillRef idx="1">
-                        <a:schemeClr val="accent1"/>
-                      </a:fillRef>
-                      <a:effectRef idx="0">
-                        <a:schemeClr val="accent1"/>
-                      </a:effectRef>
-                      <a:fontRef idx="minor">
-                        <a:schemeClr val="lt1"/>
-                      </a:fontRef>
-                    </p:style>
-                    <p:txBody>
-                      <a:bodyPr rtlCol="0" anchor="ctr"/>
-                      <a:lstStyle/>
-                      <a:p>
-                        <a:pPr algn="ctr"/>
-                        <a:endParaRPr lang="en-US"/>
-                      </a:p>
-                    </p:txBody>
-                  </p:sp>
-                  <p:sp>
-                    <p:nvSpPr>
-                      <p:cNvPr id="19" name="Oval 18">
-                        <a:extLst>
-                          <a:ext uri="{FF2B5EF4-FFF2-40B4-BE49-F238E27FC236}">
-                            <a16:creationId xmlns:a16="http://schemas.microsoft.com/office/drawing/2014/main" id="{24E8FF67-C159-4E93-89B0-2584D4B34E54}"/>
-                          </a:ext>
-                        </a:extLst>
-                      </p:cNvPr>
-                      <p:cNvSpPr/>
-                      <p:nvPr/>
-                    </p:nvSpPr>
-                    <p:spPr>
-                      <a:xfrm>
-                        <a:off x="5834742" y="998376"/>
-                        <a:ext cx="1007706" cy="1007706"/>
-                      </a:xfrm>
-                      <a:prstGeom prst="ellipse">
-                        <a:avLst/>
-                      </a:prstGeom>
-                      <a:noFill/>
-                      <a:ln w="38100">
-                        <a:solidFill>
-                          <a:schemeClr val="bg1">
-                            <a:lumMod val="65000"/>
-                          </a:schemeClr>
-                        </a:solidFill>
-                      </a:ln>
-                    </p:spPr>
-                    <p:style>
-                      <a:lnRef idx="2">
-                        <a:schemeClr val="accent1">
-                          <a:shade val="50000"/>
-                        </a:schemeClr>
-                      </a:lnRef>
-                      <a:fillRef idx="1">
-                        <a:schemeClr val="accent1"/>
-                      </a:fillRef>
-                      <a:effectRef idx="0">
-                        <a:schemeClr val="accent1"/>
-                      </a:effectRef>
-                      <a:fontRef idx="minor">
-                        <a:schemeClr val="lt1"/>
-                      </a:fontRef>
-                    </p:style>
-                    <p:txBody>
-                      <a:bodyPr rtlCol="0" anchor="ctr"/>
-                      <a:lstStyle/>
-                      <a:p>
-                        <a:pPr algn="ctr"/>
-                        <a:endParaRPr lang="en-US"/>
-                      </a:p>
-                    </p:txBody>
-                  </p:sp>
-                </p:grpSp>
               </p:grpSp>
               <p:cxnSp>
                 <p:nvCxnSpPr>
-                  <p:cNvPr id="26" name="Straight Connector 25">
+                  <p:cNvPr id="30" name="Straight Arrow Connector 29">
                     <a:extLst>
                       <a:ext uri="{FF2B5EF4-FFF2-40B4-BE49-F238E27FC236}">
-                        <a16:creationId xmlns:a16="http://schemas.microsoft.com/office/drawing/2014/main" id="{DEE6D552-C892-4CC9-8BB6-83CC051AFA03}"/>
+                        <a16:creationId xmlns:a16="http://schemas.microsoft.com/office/drawing/2014/main" id="{986C600B-0673-4AAB-B300-7BD258D37548}"/>
+                      </a:ext>
+                    </a:extLst>
+                  </p:cNvPr>
+                  <p:cNvCxnSpPr/>
+                  <p:nvPr/>
+                </p:nvCxnSpPr>
+                <p:spPr>
+                  <a:xfrm flipH="1">
+                    <a:off x="5748565" y="2771721"/>
+                    <a:ext cx="1657296" cy="1766397"/>
+                  </a:xfrm>
+                  <a:prstGeom prst="straightConnector1">
+                    <a:avLst/>
+                  </a:prstGeom>
+                  <a:ln>
+                    <a:solidFill>
+                      <a:schemeClr val="tx1"/>
+                    </a:solidFill>
+                    <a:tailEnd type="triangle"/>
+                  </a:ln>
+                </p:spPr>
+                <p:style>
+                  <a:lnRef idx="1">
+                    <a:schemeClr val="accent1"/>
+                  </a:lnRef>
+                  <a:fillRef idx="0">
+                    <a:schemeClr val="accent1"/>
+                  </a:fillRef>
+                  <a:effectRef idx="0">
+                    <a:schemeClr val="accent1"/>
+                  </a:effectRef>
+                  <a:fontRef idx="minor">
+                    <a:schemeClr val="tx1"/>
+                  </a:fontRef>
+                </p:style>
+              </p:cxnSp>
+              <p:cxnSp>
+                <p:nvCxnSpPr>
+                  <p:cNvPr id="32" name="Straight Arrow Connector 31">
+                    <a:extLst>
+                      <a:ext uri="{FF2B5EF4-FFF2-40B4-BE49-F238E27FC236}">
+                        <a16:creationId xmlns:a16="http://schemas.microsoft.com/office/drawing/2014/main" id="{93B238E4-3F78-4A0B-80B3-7DE94D8A8DD8}"/>
                       </a:ext>
                     </a:extLst>
                   </p:cNvPr>
@@ -4240,13 +7385,58 @@
                 </p:nvCxnSpPr>
                 <p:spPr>
                   <a:xfrm>
-                    <a:off x="5186184" y="4204695"/>
-                    <a:ext cx="238518" cy="213129"/>
+                    <a:off x="7405861" y="2771721"/>
+                    <a:ext cx="385510" cy="1433600"/>
                   </a:xfrm>
-                  <a:prstGeom prst="line">
+                  <a:prstGeom prst="straightConnector1">
                     <a:avLst/>
                   </a:prstGeom>
-                  <a:ln w="38100">
+                  <a:ln>
+                    <a:solidFill>
+                      <a:schemeClr val="tx1"/>
+                    </a:solidFill>
+                    <a:tailEnd type="triangle"/>
+                  </a:ln>
+                </p:spPr>
+                <p:style>
+                  <a:lnRef idx="1">
+                    <a:schemeClr val="accent1"/>
+                  </a:lnRef>
+                  <a:fillRef idx="0">
+                    <a:schemeClr val="accent1"/>
+                  </a:fillRef>
+                  <a:effectRef idx="0">
+                    <a:schemeClr val="accent1"/>
+                  </a:effectRef>
+                  <a:fontRef idx="minor">
+                    <a:schemeClr val="tx1"/>
+                  </a:fontRef>
+                </p:style>
+              </p:cxnSp>
+              <p:sp>
+                <p:nvSpPr>
+                  <p:cNvPr id="38" name="Arc 37">
+                    <a:extLst>
+                      <a:ext uri="{FF2B5EF4-FFF2-40B4-BE49-F238E27FC236}">
+                        <a16:creationId xmlns:a16="http://schemas.microsoft.com/office/drawing/2014/main" id="{A7C3C31B-0E68-4F63-9B75-440B49760AAE}"/>
+                      </a:ext>
+                    </a:extLst>
+                  </p:cNvPr>
+                  <p:cNvSpPr/>
+                  <p:nvPr/>
+                </p:nvSpPr>
+                <p:spPr>
+                  <a:xfrm rot="13535089">
+                    <a:off x="3700571" y="4561451"/>
+                    <a:ext cx="457200" cy="457200"/>
+                  </a:xfrm>
+                  <a:prstGeom prst="arc">
+                    <a:avLst>
+                      <a:gd name="adj1" fmla="val 18053513"/>
+                      <a:gd name="adj2" fmla="val 20415195"/>
+                    </a:avLst>
+                  </a:prstGeom>
+                  <a:ln w="19050">
                     <a:solidFill>
                       <a:schemeClr val="tx1"/>
                     </a:solidFill>
@@ -4266,300 +7456,1762 @@
                     <a:schemeClr val="tx1"/>
                   </a:fontRef>
                 </p:style>
+                <p:txBody>
+                  <a:bodyPr rtlCol="0" anchor="ctr"/>
+                  <a:lstStyle/>
+                  <a:p>
+                    <a:pPr algn="ctr"/>
+                    <a:endParaRPr lang="en-US"/>
+                  </a:p>
+                </p:txBody>
+              </p:sp>
+              <p:cxnSp>
+                <p:nvCxnSpPr>
+                  <p:cNvPr id="40" name="Straight Arrow Connector 39">
+                    <a:extLst>
+                      <a:ext uri="{FF2B5EF4-FFF2-40B4-BE49-F238E27FC236}">
+                        <a16:creationId xmlns:a16="http://schemas.microsoft.com/office/drawing/2014/main" id="{B93509A7-BAF1-4F65-8DC7-6238908D3822}"/>
+                      </a:ext>
+                    </a:extLst>
+                  </p:cNvPr>
+                  <p:cNvCxnSpPr/>
+                  <p:nvPr/>
+                </p:nvCxnSpPr>
+                <p:spPr>
+                  <a:xfrm flipH="1">
+                    <a:off x="4033886" y="2771721"/>
+                    <a:ext cx="3371975" cy="2221647"/>
+                  </a:xfrm>
+                  <a:prstGeom prst="straightConnector1">
+                    <a:avLst/>
+                  </a:prstGeom>
+                  <a:ln>
+                    <a:solidFill>
+                      <a:schemeClr val="tx1"/>
+                    </a:solidFill>
+                    <a:tailEnd type="triangle"/>
+                  </a:ln>
+                </p:spPr>
+                <p:style>
+                  <a:lnRef idx="1">
+                    <a:schemeClr val="accent1"/>
+                  </a:lnRef>
+                  <a:fillRef idx="0">
+                    <a:schemeClr val="accent1"/>
+                  </a:fillRef>
+                  <a:effectRef idx="0">
+                    <a:schemeClr val="accent1"/>
+                  </a:effectRef>
+                  <a:fontRef idx="minor">
+                    <a:schemeClr val="tx1"/>
+                  </a:fontRef>
+                </p:style>
               </p:cxnSp>
+              <p:sp>
+                <p:nvSpPr>
+                  <p:cNvPr id="41" name="Arc 40">
+                    <a:extLst>
+                      <a:ext uri="{FF2B5EF4-FFF2-40B4-BE49-F238E27FC236}">
+                        <a16:creationId xmlns:a16="http://schemas.microsoft.com/office/drawing/2014/main" id="{E9313AAD-6297-470D-BE8E-E03C68BC323A}"/>
+                      </a:ext>
+                    </a:extLst>
+                  </p:cNvPr>
+                  <p:cNvSpPr/>
+                  <p:nvPr/>
+                </p:nvSpPr>
+                <p:spPr>
+                  <a:xfrm rot="11299855">
+                    <a:off x="6922295" y="2823696"/>
+                    <a:ext cx="457200" cy="457200"/>
+                  </a:xfrm>
+                  <a:prstGeom prst="arc">
+                    <a:avLst>
+                      <a:gd name="adj1" fmla="val 18053513"/>
+                      <a:gd name="adj2" fmla="val 20485441"/>
+                    </a:avLst>
+                  </a:prstGeom>
+                  <a:ln w="19050">
+                    <a:solidFill>
+                      <a:schemeClr val="tx1"/>
+                    </a:solidFill>
+                  </a:ln>
+                </p:spPr>
+                <p:style>
+                  <a:lnRef idx="1">
+                    <a:schemeClr val="accent1"/>
+                  </a:lnRef>
+                  <a:fillRef idx="0">
+                    <a:schemeClr val="accent1"/>
+                  </a:fillRef>
+                  <a:effectRef idx="0">
+                    <a:schemeClr val="accent1"/>
+                  </a:effectRef>
+                  <a:fontRef idx="minor">
+                    <a:schemeClr val="tx1"/>
+                  </a:fontRef>
+                </p:style>
+                <p:txBody>
+                  <a:bodyPr rtlCol="0" anchor="ctr"/>
+                  <a:lstStyle/>
+                  <a:p>
+                    <a:pPr algn="ctr"/>
+                    <a:endParaRPr lang="en-US"/>
+                  </a:p>
+                </p:txBody>
+              </p:sp>
+              <p:sp>
+                <p:nvSpPr>
+                  <p:cNvPr id="42" name="Arc 41">
+                    <a:extLst>
+                      <a:ext uri="{FF2B5EF4-FFF2-40B4-BE49-F238E27FC236}">
+                        <a16:creationId xmlns:a16="http://schemas.microsoft.com/office/drawing/2014/main" id="{A43BF963-A3B3-479E-96DA-5B93CCD5FE56}"/>
+                      </a:ext>
+                    </a:extLst>
+                  </p:cNvPr>
+                  <p:cNvSpPr/>
+                  <p:nvPr/>
+                </p:nvSpPr>
+                <p:spPr>
+                  <a:xfrm rot="12907480">
+                    <a:off x="3959516" y="2938359"/>
+                    <a:ext cx="457200" cy="457200"/>
+                  </a:xfrm>
+                  <a:prstGeom prst="arc">
+                    <a:avLst>
+                      <a:gd name="adj1" fmla="val 18053513"/>
+                      <a:gd name="adj2" fmla="val 20415195"/>
+                    </a:avLst>
+                  </a:prstGeom>
+                  <a:ln w="19050">
+                    <a:solidFill>
+                      <a:schemeClr val="tx1"/>
+                    </a:solidFill>
+                  </a:ln>
+                </p:spPr>
+                <p:style>
+                  <a:lnRef idx="1">
+                    <a:schemeClr val="accent1"/>
+                  </a:lnRef>
+                  <a:fillRef idx="0">
+                    <a:schemeClr val="accent1"/>
+                  </a:fillRef>
+                  <a:effectRef idx="0">
+                    <a:schemeClr val="accent1"/>
+                  </a:effectRef>
+                  <a:fontRef idx="minor">
+                    <a:schemeClr val="tx1"/>
+                  </a:fontRef>
+                </p:style>
+                <p:txBody>
+                  <a:bodyPr rtlCol="0" anchor="ctr"/>
+                  <a:lstStyle/>
+                  <a:p>
+                    <a:pPr algn="ctr"/>
+                    <a:endParaRPr lang="en-US"/>
+                  </a:p>
+                </p:txBody>
+              </p:sp>
+              <mc:AlternateContent xmlns:mc="http://schemas.openxmlformats.org/markup-compatibility/2006" xmlns:a14="http://schemas.microsoft.com/office/drawing/2010/main">
+                <mc:Choice Requires="a14">
+                  <p:sp>
+                    <p:nvSpPr>
+                      <p:cNvPr id="47" name="TextBox 46">
+                        <a:extLst>
+                          <a:ext uri="{FF2B5EF4-FFF2-40B4-BE49-F238E27FC236}">
+                            <a16:creationId xmlns:a16="http://schemas.microsoft.com/office/drawing/2014/main" id="{9B0862FD-957D-42E5-8E1D-4DEE40CE9EC8}"/>
+                          </a:ext>
+                        </a:extLst>
+                      </p:cNvPr>
+                      <p:cNvSpPr txBox="1"/>
+                      <p:nvPr/>
+                    </p:nvSpPr>
+                    <p:spPr>
+                      <a:xfrm>
+                        <a:off x="4715405" y="3882544"/>
+                        <a:ext cx="546111" cy="369332"/>
+                      </a:xfrm>
+                      <a:prstGeom prst="rect">
+                        <a:avLst/>
+                      </a:prstGeom>
+                      <a:noFill/>
+                    </p:spPr>
+                    <p:txBody>
+                      <a:bodyPr wrap="none" rtlCol="0">
+                        <a:spAutoFit/>
+                      </a:bodyPr>
+                      <a:lstStyle/>
+                      <a:p>
+                        <a:pPr/>
+                        <a14:m>
+                          <m:oMathPara xmlns:m="http://schemas.openxmlformats.org/officeDocument/2006/math">
+                            <m:oMathParaPr>
+                              <m:jc m:val="centerGroup"/>
+                            </m:oMathParaPr>
+                            <m:oMath xmlns:m="http://schemas.openxmlformats.org/officeDocument/2006/math">
+                              <m:sSub>
+                                <m:sSubPr>
+                                  <m:ctrlPr>
+                                    <a:rPr lang="en-US" b="0" i="1" smtClean="0">
+                                      <a:latin typeface="Cambria Math" panose="02040503050406030204" pitchFamily="18" charset="0"/>
+                                    </a:rPr>
+                                  </m:ctrlPr>
+                                </m:sSubPr>
+                                <m:e>
+                                  <m:r>
+                                    <a:rPr lang="en-US" b="0" i="1" smtClean="0">
+                                      <a:latin typeface="Cambria Math" panose="02040503050406030204" pitchFamily="18" charset="0"/>
+                                    </a:rPr>
+                                    <m:t>𝑅</m:t>
+                                  </m:r>
+                                </m:e>
+                                <m:sub>
+                                  <m:r>
+                                    <m:rPr>
+                                      <m:sty m:val="p"/>
+                                    </m:rPr>
+                                    <a:rPr lang="en-US" altLang="zh-CN" i="1">
+                                      <a:latin typeface="Cambria Math" panose="02040503050406030204" pitchFamily="18" charset="0"/>
+                                    </a:rPr>
+                                    <m:t>m</m:t>
+                                  </m:r>
+                                </m:sub>
+                              </m:sSub>
+                            </m:oMath>
+                          </m:oMathPara>
+                        </a14:m>
+                        <a:endParaRPr lang="en-US" dirty="0"/>
+                      </a:p>
+                    </p:txBody>
+                  </p:sp>
+                </mc:Choice>
+                <mc:Fallback xmlns="">
+                  <p:sp>
+                    <p:nvSpPr>
+                      <p:cNvPr id="47" name="TextBox 46">
+                        <a:extLst>
+                          <a:ext uri="{FF2B5EF4-FFF2-40B4-BE49-F238E27FC236}">
+                            <a16:creationId xmlns:a16="http://schemas.microsoft.com/office/drawing/2014/main" id="{9B0862FD-957D-42E5-8E1D-4DEE40CE9EC8}"/>
+                          </a:ext>
+                        </a:extLst>
+                      </p:cNvPr>
+                      <p:cNvSpPr txBox="1">
+                        <a:spLocks noRot="1" noChangeAspect="1" noMove="1" noResize="1" noEditPoints="1" noAdjustHandles="1" noChangeArrowheads="1" noChangeShapeType="1" noTextEdit="1"/>
+                      </p:cNvSpPr>
+                      <p:nvPr/>
+                    </p:nvSpPr>
+                    <p:spPr>
+                      <a:xfrm>
+                        <a:off x="4715405" y="3882544"/>
+                        <a:ext cx="546111" cy="369332"/>
+                      </a:xfrm>
+                      <a:prstGeom prst="rect">
+                        <a:avLst/>
+                      </a:prstGeom>
+                      <a:blipFill>
+                        <a:blip r:embed="rId2"/>
+                        <a:stretch>
+                          <a:fillRect/>
+                        </a:stretch>
+                      </a:blipFill>
+                    </p:spPr>
+                    <p:txBody>
+                      <a:bodyPr/>
+                      <a:lstStyle/>
+                      <a:p>
+                        <a:r>
+                          <a:rPr lang="en-US">
+                            <a:noFill/>
+                          </a:rPr>
+                          <a:t> </a:t>
+                        </a:r>
+                      </a:p>
+                    </p:txBody>
+                  </p:sp>
+                </mc:Fallback>
+              </mc:AlternateContent>
+              <mc:AlternateContent xmlns:mc="http://schemas.openxmlformats.org/markup-compatibility/2006" xmlns:a14="http://schemas.microsoft.com/office/drawing/2010/main">
+                <mc:Choice Requires="a14">
+                  <p:sp>
+                    <p:nvSpPr>
+                      <p:cNvPr id="48" name="TextBox 47">
+                        <a:extLst>
+                          <a:ext uri="{FF2B5EF4-FFF2-40B4-BE49-F238E27FC236}">
+                            <a16:creationId xmlns:a16="http://schemas.microsoft.com/office/drawing/2014/main" id="{F5BDF149-9864-4F65-8C61-A5EAB44281E1}"/>
+                          </a:ext>
+                        </a:extLst>
+                      </p:cNvPr>
+                      <p:cNvSpPr txBox="1"/>
+                      <p:nvPr/>
+                    </p:nvSpPr>
+                    <p:spPr>
+                      <a:xfrm>
+                        <a:off x="7545236" y="3251048"/>
+                        <a:ext cx="391774" cy="369332"/>
+                      </a:xfrm>
+                      <a:prstGeom prst="rect">
+                        <a:avLst/>
+                      </a:prstGeom>
+                      <a:noFill/>
+                    </p:spPr>
+                    <p:txBody>
+                      <a:bodyPr wrap="none" rtlCol="0">
+                        <a:spAutoFit/>
+                      </a:bodyPr>
+                      <a:lstStyle/>
+                      <a:p>
+                        <a:pPr/>
+                        <a14:m>
+                          <m:oMathPara xmlns:m="http://schemas.openxmlformats.org/officeDocument/2006/math">
+                            <m:oMathParaPr>
+                              <m:jc m:val="centerGroup"/>
+                            </m:oMathParaPr>
+                            <m:oMath xmlns:m="http://schemas.openxmlformats.org/officeDocument/2006/math">
+                              <m:r>
+                                <a:rPr lang="en-US" b="0" i="1" smtClean="0">
+                                  <a:latin typeface="Cambria Math" panose="02040503050406030204" pitchFamily="18" charset="0"/>
+                                </a:rPr>
+                                <m:t>𝑅</m:t>
+                              </m:r>
+                            </m:oMath>
+                          </m:oMathPara>
+                        </a14:m>
+                        <a:endParaRPr lang="en-US" dirty="0"/>
+                      </a:p>
+                    </p:txBody>
+                  </p:sp>
+                </mc:Choice>
+                <mc:Fallback xmlns="">
+                  <p:sp>
+                    <p:nvSpPr>
+                      <p:cNvPr id="48" name="TextBox 47">
+                        <a:extLst>
+                          <a:ext uri="{FF2B5EF4-FFF2-40B4-BE49-F238E27FC236}">
+                            <a16:creationId xmlns:a16="http://schemas.microsoft.com/office/drawing/2014/main" id="{F5BDF149-9864-4F65-8C61-A5EAB44281E1}"/>
+                          </a:ext>
+                        </a:extLst>
+                      </p:cNvPr>
+                      <p:cNvSpPr txBox="1">
+                        <a:spLocks noRot="1" noChangeAspect="1" noMove="1" noResize="1" noEditPoints="1" noAdjustHandles="1" noChangeArrowheads="1" noChangeShapeType="1" noTextEdit="1"/>
+                      </p:cNvSpPr>
+                      <p:nvPr/>
+                    </p:nvSpPr>
+                    <p:spPr>
+                      <a:xfrm>
+                        <a:off x="7545236" y="3251048"/>
+                        <a:ext cx="391774" cy="369332"/>
+                      </a:xfrm>
+                      <a:prstGeom prst="rect">
+                        <a:avLst/>
+                      </a:prstGeom>
+                      <a:blipFill>
+                        <a:blip r:embed="rId3"/>
+                        <a:stretch>
+                          <a:fillRect/>
+                        </a:stretch>
+                      </a:blipFill>
+                    </p:spPr>
+                    <p:txBody>
+                      <a:bodyPr/>
+                      <a:lstStyle/>
+                      <a:p>
+                        <a:r>
+                          <a:rPr lang="en-US">
+                            <a:noFill/>
+                          </a:rPr>
+                          <a:t> </a:t>
+                        </a:r>
+                      </a:p>
+                    </p:txBody>
+                  </p:sp>
+                </mc:Fallback>
+              </mc:AlternateContent>
+              <mc:AlternateContent xmlns:mc="http://schemas.openxmlformats.org/markup-compatibility/2006" xmlns:a14="http://schemas.microsoft.com/office/drawing/2010/main">
+                <mc:Choice Requires="a14">
+                  <p:sp>
+                    <p:nvSpPr>
+                      <p:cNvPr id="49" name="TextBox 48">
+                        <a:extLst>
+                          <a:ext uri="{FF2B5EF4-FFF2-40B4-BE49-F238E27FC236}">
+                            <a16:creationId xmlns:a16="http://schemas.microsoft.com/office/drawing/2014/main" id="{13201286-2CA6-4154-A26E-27536473E535}"/>
+                          </a:ext>
+                        </a:extLst>
+                      </p:cNvPr>
+                      <p:cNvSpPr txBox="1"/>
+                      <p:nvPr/>
+                    </p:nvSpPr>
+                    <p:spPr>
+                      <a:xfrm>
+                        <a:off x="6209098" y="3266200"/>
+                        <a:ext cx="709126" cy="369332"/>
+                      </a:xfrm>
+                      <a:prstGeom prst="rect">
+                        <a:avLst/>
+                      </a:prstGeom>
+                      <a:noFill/>
+                    </p:spPr>
+                    <p:txBody>
+                      <a:bodyPr wrap="square" rtlCol="0">
+                        <a:spAutoFit/>
+                      </a:bodyPr>
+                      <a:lstStyle/>
+                      <a:p>
+                        <a:pPr/>
+                        <a14:m>
+                          <m:oMathPara xmlns:m="http://schemas.openxmlformats.org/officeDocument/2006/math">
+                            <m:oMathParaPr>
+                              <m:jc m:val="centerGroup"/>
+                            </m:oMathParaPr>
+                            <m:oMath xmlns:m="http://schemas.openxmlformats.org/officeDocument/2006/math">
+                              <m:sSub>
+                                <m:sSubPr>
+                                  <m:ctrlPr>
+                                    <a:rPr lang="en-US" b="0" i="1" smtClean="0">
+                                      <a:latin typeface="Cambria Math" panose="02040503050406030204" pitchFamily="18" charset="0"/>
+                                    </a:rPr>
+                                  </m:ctrlPr>
+                                </m:sSubPr>
+                                <m:e>
+                                  <m:r>
+                                    <a:rPr lang="en-US" b="0" i="1" smtClean="0">
+                                      <a:latin typeface="Cambria Math" panose="02040503050406030204" pitchFamily="18" charset="0"/>
+                                    </a:rPr>
+                                    <m:t>𝜙</m:t>
+                                  </m:r>
+                                </m:e>
+                                <m:sub>
+                                  <m:r>
+                                    <a:rPr lang="en-US" b="0" i="1" smtClean="0">
+                                      <a:latin typeface="Cambria Math" panose="02040503050406030204" pitchFamily="18" charset="0"/>
+                                    </a:rPr>
+                                    <m:t>1</m:t>
+                                  </m:r>
+                                </m:sub>
+                              </m:sSub>
+                            </m:oMath>
+                          </m:oMathPara>
+                        </a14:m>
+                        <a:endParaRPr lang="en-US" dirty="0"/>
+                      </a:p>
+                    </p:txBody>
+                  </p:sp>
+                </mc:Choice>
+                <mc:Fallback xmlns="">
+                  <p:sp>
+                    <p:nvSpPr>
+                      <p:cNvPr id="49" name="TextBox 48">
+                        <a:extLst>
+                          <a:ext uri="{FF2B5EF4-FFF2-40B4-BE49-F238E27FC236}">
+                            <a16:creationId xmlns:a16="http://schemas.microsoft.com/office/drawing/2014/main" id="{13201286-2CA6-4154-A26E-27536473E535}"/>
+                          </a:ext>
+                        </a:extLst>
+                      </p:cNvPr>
+                      <p:cNvSpPr txBox="1">
+                        <a:spLocks noRot="1" noChangeAspect="1" noMove="1" noResize="1" noEditPoints="1" noAdjustHandles="1" noChangeArrowheads="1" noChangeShapeType="1" noTextEdit="1"/>
+                      </p:cNvSpPr>
+                      <p:nvPr/>
+                    </p:nvSpPr>
+                    <p:spPr>
+                      <a:xfrm>
+                        <a:off x="6209098" y="3266200"/>
+                        <a:ext cx="709126" cy="369332"/>
+                      </a:xfrm>
+                      <a:prstGeom prst="rect">
+                        <a:avLst/>
+                      </a:prstGeom>
+                      <a:blipFill>
+                        <a:blip r:embed="rId4"/>
+                        <a:stretch>
+                          <a:fillRect b="-11475"/>
+                        </a:stretch>
+                      </a:blipFill>
+                    </p:spPr>
+                    <p:txBody>
+                      <a:bodyPr/>
+                      <a:lstStyle/>
+                      <a:p>
+                        <a:r>
+                          <a:rPr lang="en-US">
+                            <a:noFill/>
+                          </a:rPr>
+                          <a:t> </a:t>
+                        </a:r>
+                      </a:p>
+                    </p:txBody>
+                  </p:sp>
+                </mc:Fallback>
+              </mc:AlternateContent>
+              <p:cxnSp>
+                <p:nvCxnSpPr>
+                  <p:cNvPr id="51" name="Straight Connector 50">
+                    <a:extLst>
+                      <a:ext uri="{FF2B5EF4-FFF2-40B4-BE49-F238E27FC236}">
+                        <a16:creationId xmlns:a16="http://schemas.microsoft.com/office/drawing/2014/main" id="{EE930B1E-9C4B-4F87-89B6-31D4B270D7E2}"/>
+                      </a:ext>
+                    </a:extLst>
+                  </p:cNvPr>
+                  <p:cNvCxnSpPr/>
+                  <p:nvPr/>
+                </p:nvCxnSpPr>
+                <p:spPr>
+                  <a:xfrm>
+                    <a:off x="4033886" y="4993368"/>
+                    <a:ext cx="681519" cy="763620"/>
+                  </a:xfrm>
+                  <a:prstGeom prst="line">
+                    <a:avLst/>
+                  </a:prstGeom>
+                  <a:ln>
+                    <a:solidFill>
+                      <a:schemeClr val="tx1">
+                        <a:lumMod val="50000"/>
+                        <a:lumOff val="50000"/>
+                      </a:schemeClr>
+                    </a:solidFill>
+                  </a:ln>
+                </p:spPr>
+                <p:style>
+                  <a:lnRef idx="1">
+                    <a:schemeClr val="accent1"/>
+                  </a:lnRef>
+                  <a:fillRef idx="0">
+                    <a:schemeClr val="accent1"/>
+                  </a:fillRef>
+                  <a:effectRef idx="0">
+                    <a:schemeClr val="accent1"/>
+                  </a:effectRef>
+                  <a:fontRef idx="minor">
+                    <a:schemeClr val="tx1"/>
+                  </a:fontRef>
+                </p:style>
+              </p:cxnSp>
+              <mc:AlternateContent xmlns:mc="http://schemas.openxmlformats.org/markup-compatibility/2006" xmlns:a14="http://schemas.microsoft.com/office/drawing/2010/main">
+                <mc:Choice Requires="a14">
+                  <p:sp>
+                    <p:nvSpPr>
+                      <p:cNvPr id="52" name="TextBox 51">
+                        <a:extLst>
+                          <a:ext uri="{FF2B5EF4-FFF2-40B4-BE49-F238E27FC236}">
+                            <a16:creationId xmlns:a16="http://schemas.microsoft.com/office/drawing/2014/main" id="{B846C461-A48F-490F-825E-061C06EE6DB1}"/>
+                          </a:ext>
+                        </a:extLst>
+                      </p:cNvPr>
+                      <p:cNvSpPr txBox="1"/>
+                      <p:nvPr/>
+                    </p:nvSpPr>
+                    <p:spPr>
+                      <a:xfrm>
+                        <a:off x="3306767" y="3033615"/>
+                        <a:ext cx="637000" cy="369332"/>
+                      </a:xfrm>
+                      <a:prstGeom prst="rect">
+                        <a:avLst/>
+                      </a:prstGeom>
+                      <a:noFill/>
+                    </p:spPr>
+                    <p:txBody>
+                      <a:bodyPr wrap="square" rtlCol="0">
+                        <a:spAutoFit/>
+                      </a:bodyPr>
+                      <a:lstStyle/>
+                      <a:p>
+                        <a:pPr/>
+                        <a14:m>
+                          <m:oMathPara xmlns:m="http://schemas.openxmlformats.org/officeDocument/2006/math">
+                            <m:oMathParaPr>
+                              <m:jc m:val="centerGroup"/>
+                            </m:oMathParaPr>
+                            <m:oMath xmlns:m="http://schemas.openxmlformats.org/officeDocument/2006/math">
+                              <m:sSub>
+                                <m:sSubPr>
+                                  <m:ctrlPr>
+                                    <a:rPr lang="en-US" b="0" i="1" smtClean="0">
+                                      <a:latin typeface="Cambria Math" panose="02040503050406030204" pitchFamily="18" charset="0"/>
+                                    </a:rPr>
+                                  </m:ctrlPr>
+                                </m:sSubPr>
+                                <m:e>
+                                  <m:r>
+                                    <a:rPr lang="en-US" b="0" i="1" smtClean="0">
+                                      <a:latin typeface="Cambria Math" panose="02040503050406030204" pitchFamily="18" charset="0"/>
+                                    </a:rPr>
+                                    <m:t>𝜃</m:t>
+                                  </m:r>
+                                </m:e>
+                                <m:sub>
+                                  <m:r>
+                                    <a:rPr lang="en-US" b="0" i="1" smtClean="0">
+                                      <a:latin typeface="Cambria Math" panose="02040503050406030204" pitchFamily="18" charset="0"/>
+                                    </a:rPr>
+                                    <m:t>𝑖𝑛</m:t>
+                                  </m:r>
+                                </m:sub>
+                              </m:sSub>
+                            </m:oMath>
+                          </m:oMathPara>
+                        </a14:m>
+                        <a:endParaRPr lang="en-US" dirty="0"/>
+                      </a:p>
+                    </p:txBody>
+                  </p:sp>
+                </mc:Choice>
+                <mc:Fallback xmlns="">
+                  <p:sp>
+                    <p:nvSpPr>
+                      <p:cNvPr id="52" name="TextBox 51">
+                        <a:extLst>
+                          <a:ext uri="{FF2B5EF4-FFF2-40B4-BE49-F238E27FC236}">
+                            <a16:creationId xmlns:a16="http://schemas.microsoft.com/office/drawing/2014/main" id="{B846C461-A48F-490F-825E-061C06EE6DB1}"/>
+                          </a:ext>
+                        </a:extLst>
+                      </p:cNvPr>
+                      <p:cNvSpPr txBox="1">
+                        <a:spLocks noRot="1" noChangeAspect="1" noMove="1" noResize="1" noEditPoints="1" noAdjustHandles="1" noChangeArrowheads="1" noChangeShapeType="1" noTextEdit="1"/>
+                      </p:cNvSpPr>
+                      <p:nvPr/>
+                    </p:nvSpPr>
+                    <p:spPr>
+                      <a:xfrm>
+                        <a:off x="3306767" y="3033615"/>
+                        <a:ext cx="637000" cy="369332"/>
+                      </a:xfrm>
+                      <a:prstGeom prst="rect">
+                        <a:avLst/>
+                      </a:prstGeom>
+                      <a:blipFill>
+                        <a:blip r:embed="rId5"/>
+                        <a:stretch>
+                          <a:fillRect/>
+                        </a:stretch>
+                      </a:blipFill>
+                    </p:spPr>
+                    <p:txBody>
+                      <a:bodyPr/>
+                      <a:lstStyle/>
+                      <a:p>
+                        <a:r>
+                          <a:rPr lang="en-US">
+                            <a:noFill/>
+                          </a:rPr>
+                          <a:t> </a:t>
+                        </a:r>
+                      </a:p>
+                    </p:txBody>
+                  </p:sp>
+                </mc:Fallback>
+              </mc:AlternateContent>
+              <mc:AlternateContent xmlns:mc="http://schemas.openxmlformats.org/markup-compatibility/2006" xmlns:a14="http://schemas.microsoft.com/office/drawing/2010/main">
+                <mc:Choice Requires="a14">
+                  <p:sp>
+                    <p:nvSpPr>
+                      <p:cNvPr id="53" name="TextBox 52">
+                        <a:extLst>
+                          <a:ext uri="{FF2B5EF4-FFF2-40B4-BE49-F238E27FC236}">
+                            <a16:creationId xmlns:a16="http://schemas.microsoft.com/office/drawing/2014/main" id="{4A2DA21E-7E2B-41DC-96BD-8AE182E5172C}"/>
+                          </a:ext>
+                        </a:extLst>
+                      </p:cNvPr>
+                      <p:cNvSpPr txBox="1"/>
+                      <p:nvPr/>
+                    </p:nvSpPr>
+                    <p:spPr>
+                      <a:xfrm>
+                        <a:off x="3006373" y="4720798"/>
+                        <a:ext cx="637000" cy="369332"/>
+                      </a:xfrm>
+                      <a:prstGeom prst="rect">
+                        <a:avLst/>
+                      </a:prstGeom>
+                      <a:noFill/>
+                    </p:spPr>
+                    <p:txBody>
+                      <a:bodyPr wrap="square" rtlCol="0">
+                        <a:spAutoFit/>
+                      </a:bodyPr>
+                      <a:lstStyle/>
+                      <a:p>
+                        <a:pPr/>
+                        <a14:m>
+                          <m:oMathPara xmlns:m="http://schemas.openxmlformats.org/officeDocument/2006/math">
+                            <m:oMathParaPr>
+                              <m:jc m:val="centerGroup"/>
+                            </m:oMathParaPr>
+                            <m:oMath xmlns:m="http://schemas.openxmlformats.org/officeDocument/2006/math">
+                              <m:sSub>
+                                <m:sSubPr>
+                                  <m:ctrlPr>
+                                    <a:rPr lang="en-US" b="0" i="1" smtClean="0">
+                                      <a:latin typeface="Cambria Math" panose="02040503050406030204" pitchFamily="18" charset="0"/>
+                                    </a:rPr>
+                                  </m:ctrlPr>
+                                </m:sSubPr>
+                                <m:e>
+                                  <m:r>
+                                    <a:rPr lang="en-US" b="0" i="1" smtClean="0">
+                                      <a:latin typeface="Cambria Math" panose="02040503050406030204" pitchFamily="18" charset="0"/>
+                                    </a:rPr>
+                                    <m:t>𝜃</m:t>
+                                  </m:r>
+                                </m:e>
+                                <m:sub>
+                                  <m:r>
+                                    <a:rPr lang="en-US" b="0" i="1" smtClean="0">
+                                      <a:latin typeface="Cambria Math" panose="02040503050406030204" pitchFamily="18" charset="0"/>
+                                    </a:rPr>
+                                    <m:t>𝑀</m:t>
+                                  </m:r>
+                                  <m:r>
+                                    <a:rPr lang="en-US" b="0" i="1" smtClean="0">
+                                      <a:latin typeface="Cambria Math" panose="02040503050406030204" pitchFamily="18" charset="0"/>
+                                    </a:rPr>
+                                    <m:t>2</m:t>
+                                  </m:r>
+                                </m:sub>
+                              </m:sSub>
+                            </m:oMath>
+                          </m:oMathPara>
+                        </a14:m>
+                        <a:endParaRPr lang="en-US" dirty="0"/>
+                      </a:p>
+                    </p:txBody>
+                  </p:sp>
+                </mc:Choice>
+                <mc:Fallback xmlns="">
+                  <p:sp>
+                    <p:nvSpPr>
+                      <p:cNvPr id="53" name="TextBox 52">
+                        <a:extLst>
+                          <a:ext uri="{FF2B5EF4-FFF2-40B4-BE49-F238E27FC236}">
+                            <a16:creationId xmlns:a16="http://schemas.microsoft.com/office/drawing/2014/main" id="{4A2DA21E-7E2B-41DC-96BD-8AE182E5172C}"/>
+                          </a:ext>
+                        </a:extLst>
+                      </p:cNvPr>
+                      <p:cNvSpPr txBox="1">
+                        <a:spLocks noRot="1" noChangeAspect="1" noMove="1" noResize="1" noEditPoints="1" noAdjustHandles="1" noChangeArrowheads="1" noChangeShapeType="1" noTextEdit="1"/>
+                      </p:cNvSpPr>
+                      <p:nvPr/>
+                    </p:nvSpPr>
+                    <p:spPr>
+                      <a:xfrm>
+                        <a:off x="3006373" y="4720798"/>
+                        <a:ext cx="637000" cy="369332"/>
+                      </a:xfrm>
+                      <a:prstGeom prst="rect">
+                        <a:avLst/>
+                      </a:prstGeom>
+                      <a:blipFill>
+                        <a:blip r:embed="rId6"/>
+                        <a:stretch>
+                          <a:fillRect/>
+                        </a:stretch>
+                      </a:blipFill>
+                    </p:spPr>
+                    <p:txBody>
+                      <a:bodyPr/>
+                      <a:lstStyle/>
+                      <a:p>
+                        <a:r>
+                          <a:rPr lang="en-US">
+                            <a:noFill/>
+                          </a:rPr>
+                          <a:t> </a:t>
+                        </a:r>
+                      </a:p>
+                    </p:txBody>
+                  </p:sp>
+                </mc:Fallback>
+              </mc:AlternateContent>
+              <p:cxnSp>
+                <p:nvCxnSpPr>
+                  <p:cNvPr id="55" name="Straight Arrow Connector 54">
+                    <a:extLst>
+                      <a:ext uri="{FF2B5EF4-FFF2-40B4-BE49-F238E27FC236}">
+                        <a16:creationId xmlns:a16="http://schemas.microsoft.com/office/drawing/2014/main" id="{FD377320-2676-418B-B892-BB64BFB327F7}"/>
+                      </a:ext>
+                    </a:extLst>
+                  </p:cNvPr>
+                  <p:cNvCxnSpPr>
+                    <a:cxnSpLocks/>
+                  </p:cNvCxnSpPr>
+                  <p:nvPr/>
+                </p:nvCxnSpPr>
+                <p:spPr>
+                  <a:xfrm flipV="1">
+                    <a:off x="3418395" y="4731195"/>
+                    <a:ext cx="226279" cy="107635"/>
+                  </a:xfrm>
+                  <a:prstGeom prst="straightConnector1">
+                    <a:avLst/>
+                  </a:prstGeom>
+                  <a:ln>
+                    <a:tailEnd type="triangle"/>
+                  </a:ln>
+                </p:spPr>
+                <p:style>
+                  <a:lnRef idx="1">
+                    <a:schemeClr val="accent1"/>
+                  </a:lnRef>
+                  <a:fillRef idx="0">
+                    <a:schemeClr val="accent1"/>
+                  </a:fillRef>
+                  <a:effectRef idx="0">
+                    <a:schemeClr val="accent1"/>
+                  </a:effectRef>
+                  <a:fontRef idx="minor">
+                    <a:schemeClr val="tx1"/>
+                  </a:fontRef>
+                </p:style>
+              </p:cxnSp>
+              <mc:AlternateContent xmlns:mc="http://schemas.openxmlformats.org/markup-compatibility/2006" xmlns:a14="http://schemas.microsoft.com/office/drawing/2010/main">
+                <mc:Choice Requires="a14">
+                  <p:sp>
+                    <p:nvSpPr>
+                      <p:cNvPr id="58" name="TextBox 57">
+                        <a:extLst>
+                          <a:ext uri="{FF2B5EF4-FFF2-40B4-BE49-F238E27FC236}">
+                            <a16:creationId xmlns:a16="http://schemas.microsoft.com/office/drawing/2014/main" id="{AA267F40-700B-4A25-92D6-5D0F7191C466}"/>
+                          </a:ext>
+                        </a:extLst>
+                      </p:cNvPr>
+                      <p:cNvSpPr txBox="1"/>
+                      <p:nvPr/>
+                    </p:nvSpPr>
+                    <p:spPr>
+                      <a:xfrm>
+                        <a:off x="3797444" y="2707592"/>
+                        <a:ext cx="637000" cy="369332"/>
+                      </a:xfrm>
+                      <a:prstGeom prst="rect">
+                        <a:avLst/>
+                      </a:prstGeom>
+                      <a:noFill/>
+                    </p:spPr>
+                    <p:txBody>
+                      <a:bodyPr wrap="square" rtlCol="0">
+                        <a:spAutoFit/>
+                      </a:bodyPr>
+                      <a:lstStyle/>
+                      <a:p>
+                        <a:pPr/>
+                        <a14:m>
+                          <m:oMathPara xmlns:m="http://schemas.openxmlformats.org/officeDocument/2006/math">
+                            <m:oMathParaPr>
+                              <m:jc m:val="centerGroup"/>
+                            </m:oMathParaPr>
+                            <m:oMath xmlns:m="http://schemas.openxmlformats.org/officeDocument/2006/math">
+                              <m:r>
+                                <a:rPr lang="en-US" b="0" i="1" smtClean="0">
+                                  <a:solidFill>
+                                    <a:schemeClr val="accent1"/>
+                                  </a:solidFill>
+                                  <a:latin typeface="Cambria Math" panose="02040503050406030204" pitchFamily="18" charset="0"/>
+                                </a:rPr>
+                                <m:t>𝑀</m:t>
+                              </m:r>
+                              <m:r>
+                                <a:rPr lang="en-US" b="0" i="1" smtClean="0">
+                                  <a:solidFill>
+                                    <a:schemeClr val="accent1"/>
+                                  </a:solidFill>
+                                  <a:latin typeface="Cambria Math" panose="02040503050406030204" pitchFamily="18" charset="0"/>
+                                </a:rPr>
+                                <m:t>1</m:t>
+                              </m:r>
+                            </m:oMath>
+                          </m:oMathPara>
+                        </a14:m>
+                        <a:endParaRPr lang="en-US" dirty="0">
+                          <a:solidFill>
+                            <a:schemeClr val="accent1"/>
+                          </a:solidFill>
+                        </a:endParaRPr>
+                      </a:p>
+                    </p:txBody>
+                  </p:sp>
+                </mc:Choice>
+                <mc:Fallback xmlns="">
+                  <p:sp>
+                    <p:nvSpPr>
+                      <p:cNvPr id="58" name="TextBox 57">
+                        <a:extLst>
+                          <a:ext uri="{FF2B5EF4-FFF2-40B4-BE49-F238E27FC236}">
+                            <a16:creationId xmlns:a16="http://schemas.microsoft.com/office/drawing/2014/main" id="{AA267F40-700B-4A25-92D6-5D0F7191C466}"/>
+                          </a:ext>
+                        </a:extLst>
+                      </p:cNvPr>
+                      <p:cNvSpPr txBox="1">
+                        <a:spLocks noRot="1" noChangeAspect="1" noMove="1" noResize="1" noEditPoints="1" noAdjustHandles="1" noChangeArrowheads="1" noChangeShapeType="1" noTextEdit="1"/>
+                      </p:cNvSpPr>
+                      <p:nvPr/>
+                    </p:nvSpPr>
+                    <p:spPr>
+                      <a:xfrm>
+                        <a:off x="3797444" y="2707592"/>
+                        <a:ext cx="637000" cy="369332"/>
+                      </a:xfrm>
+                      <a:prstGeom prst="rect">
+                        <a:avLst/>
+                      </a:prstGeom>
+                      <a:blipFill>
+                        <a:blip r:embed="rId7"/>
+                        <a:stretch>
+                          <a:fillRect/>
+                        </a:stretch>
+                      </a:blipFill>
+                    </p:spPr>
+                    <p:txBody>
+                      <a:bodyPr/>
+                      <a:lstStyle/>
+                      <a:p>
+                        <a:r>
+                          <a:rPr lang="en-US">
+                            <a:noFill/>
+                          </a:rPr>
+                          <a:t> </a:t>
+                        </a:r>
+                      </a:p>
+                    </p:txBody>
+                  </p:sp>
+                </mc:Fallback>
+              </mc:AlternateContent>
+              <mc:AlternateContent xmlns:mc="http://schemas.openxmlformats.org/markup-compatibility/2006" xmlns:a14="http://schemas.microsoft.com/office/drawing/2010/main">
+                <mc:Choice Requires="a14">
+                  <p:sp>
+                    <p:nvSpPr>
+                      <p:cNvPr id="59" name="TextBox 58">
+                        <a:extLst>
+                          <a:ext uri="{FF2B5EF4-FFF2-40B4-BE49-F238E27FC236}">
+                            <a16:creationId xmlns:a16="http://schemas.microsoft.com/office/drawing/2014/main" id="{5020F38C-27EC-4C4C-BAEB-BCE23E0A9446}"/>
+                          </a:ext>
+                        </a:extLst>
+                      </p:cNvPr>
+                      <p:cNvSpPr txBox="1"/>
+                      <p:nvPr/>
+                    </p:nvSpPr>
+                    <p:spPr>
+                      <a:xfrm>
+                        <a:off x="3059123" y="4283461"/>
+                        <a:ext cx="637000" cy="369332"/>
+                      </a:xfrm>
+                      <a:prstGeom prst="rect">
+                        <a:avLst/>
+                      </a:prstGeom>
+                      <a:noFill/>
+                    </p:spPr>
+                    <p:txBody>
+                      <a:bodyPr wrap="square" rtlCol="0">
+                        <a:spAutoFit/>
+                      </a:bodyPr>
+                      <a:lstStyle/>
+                      <a:p>
+                        <a:pPr/>
+                        <a14:m>
+                          <m:oMathPara xmlns:m="http://schemas.openxmlformats.org/officeDocument/2006/math">
+                            <m:oMathParaPr>
+                              <m:jc m:val="centerGroup"/>
+                            </m:oMathParaPr>
+                            <m:oMath xmlns:m="http://schemas.openxmlformats.org/officeDocument/2006/math">
+                              <m:r>
+                                <a:rPr lang="en-US" b="0" i="1" smtClean="0">
+                                  <a:solidFill>
+                                    <a:schemeClr val="accent1"/>
+                                  </a:solidFill>
+                                  <a:latin typeface="Cambria Math" panose="02040503050406030204" pitchFamily="18" charset="0"/>
+                                </a:rPr>
+                                <m:t>𝑀</m:t>
+                              </m:r>
+                              <m:r>
+                                <a:rPr lang="en-US" b="0" i="1" smtClean="0">
+                                  <a:solidFill>
+                                    <a:schemeClr val="accent1"/>
+                                  </a:solidFill>
+                                  <a:latin typeface="Cambria Math" panose="02040503050406030204" pitchFamily="18" charset="0"/>
+                                </a:rPr>
+                                <m:t>2</m:t>
+                              </m:r>
+                            </m:oMath>
+                          </m:oMathPara>
+                        </a14:m>
+                        <a:endParaRPr lang="en-US" dirty="0">
+                          <a:solidFill>
+                            <a:schemeClr val="accent1"/>
+                          </a:solidFill>
+                        </a:endParaRPr>
+                      </a:p>
+                    </p:txBody>
+                  </p:sp>
+                </mc:Choice>
+                <mc:Fallback xmlns="">
+                  <p:sp>
+                    <p:nvSpPr>
+                      <p:cNvPr id="59" name="TextBox 58">
+                        <a:extLst>
+                          <a:ext uri="{FF2B5EF4-FFF2-40B4-BE49-F238E27FC236}">
+                            <a16:creationId xmlns:a16="http://schemas.microsoft.com/office/drawing/2014/main" id="{5020F38C-27EC-4C4C-BAEB-BCE23E0A9446}"/>
+                          </a:ext>
+                        </a:extLst>
+                      </p:cNvPr>
+                      <p:cNvSpPr txBox="1">
+                        <a:spLocks noRot="1" noChangeAspect="1" noMove="1" noResize="1" noEditPoints="1" noAdjustHandles="1" noChangeArrowheads="1" noChangeShapeType="1" noTextEdit="1"/>
+                      </p:cNvSpPr>
+                      <p:nvPr/>
+                    </p:nvSpPr>
+                    <p:spPr>
+                      <a:xfrm>
+                        <a:off x="3059123" y="4283461"/>
+                        <a:ext cx="637000" cy="369332"/>
+                      </a:xfrm>
+                      <a:prstGeom prst="rect">
+                        <a:avLst/>
+                      </a:prstGeom>
+                      <a:blipFill>
+                        <a:blip r:embed="rId8"/>
+                        <a:stretch>
+                          <a:fillRect/>
+                        </a:stretch>
+                      </a:blipFill>
+                    </p:spPr>
+                    <p:txBody>
+                      <a:bodyPr/>
+                      <a:lstStyle/>
+                      <a:p>
+                        <a:r>
+                          <a:rPr lang="en-US">
+                            <a:noFill/>
+                          </a:rPr>
+                          <a:t> </a:t>
+                        </a:r>
+                      </a:p>
+                    </p:txBody>
+                  </p:sp>
+                </mc:Fallback>
+              </mc:AlternateContent>
+              <mc:AlternateContent xmlns:mc="http://schemas.openxmlformats.org/markup-compatibility/2006" xmlns:a14="http://schemas.microsoft.com/office/drawing/2010/main">
+                <mc:Choice Requires="a14">
+                  <p:sp>
+                    <p:nvSpPr>
+                      <p:cNvPr id="60" name="TextBox 59">
+                        <a:extLst>
+                          <a:ext uri="{FF2B5EF4-FFF2-40B4-BE49-F238E27FC236}">
+                            <a16:creationId xmlns:a16="http://schemas.microsoft.com/office/drawing/2014/main" id="{821A5169-C842-47F2-83EC-21A49E593B2A}"/>
+                          </a:ext>
+                        </a:extLst>
+                      </p:cNvPr>
+                      <p:cNvSpPr txBox="1"/>
+                      <p:nvPr/>
+                    </p:nvSpPr>
+                    <p:spPr>
+                      <a:xfrm>
+                        <a:off x="5504323" y="4774023"/>
+                        <a:ext cx="637000" cy="369332"/>
+                      </a:xfrm>
+                      <a:prstGeom prst="rect">
+                        <a:avLst/>
+                      </a:prstGeom>
+                      <a:noFill/>
+                    </p:spPr>
+                    <p:txBody>
+                      <a:bodyPr wrap="square" rtlCol="0">
+                        <a:spAutoFit/>
+                      </a:bodyPr>
+                      <a:lstStyle/>
+                      <a:p>
+                        <a:pPr/>
+                        <a14:m>
+                          <m:oMathPara xmlns:m="http://schemas.openxmlformats.org/officeDocument/2006/math">
+                            <m:oMathParaPr>
+                              <m:jc m:val="centerGroup"/>
+                            </m:oMathParaPr>
+                            <m:oMath xmlns:m="http://schemas.openxmlformats.org/officeDocument/2006/math">
+                              <m:r>
+                                <a:rPr lang="en-US" b="0" i="1" smtClean="0">
+                                  <a:solidFill>
+                                    <a:schemeClr val="accent1"/>
+                                  </a:solidFill>
+                                  <a:latin typeface="Cambria Math" panose="02040503050406030204" pitchFamily="18" charset="0"/>
+                                </a:rPr>
+                                <m:t>𝑊</m:t>
+                              </m:r>
+                            </m:oMath>
+                          </m:oMathPara>
+                        </a14:m>
+                        <a:endParaRPr lang="en-US" dirty="0">
+                          <a:solidFill>
+                            <a:schemeClr val="accent1"/>
+                          </a:solidFill>
+                        </a:endParaRPr>
+                      </a:p>
+                    </p:txBody>
+                  </p:sp>
+                </mc:Choice>
+                <mc:Fallback xmlns="">
+                  <p:sp>
+                    <p:nvSpPr>
+                      <p:cNvPr id="60" name="TextBox 59">
+                        <a:extLst>
+                          <a:ext uri="{FF2B5EF4-FFF2-40B4-BE49-F238E27FC236}">
+                            <a16:creationId xmlns:a16="http://schemas.microsoft.com/office/drawing/2014/main" id="{821A5169-C842-47F2-83EC-21A49E593B2A}"/>
+                          </a:ext>
+                        </a:extLst>
+                      </p:cNvPr>
+                      <p:cNvSpPr txBox="1">
+                        <a:spLocks noRot="1" noChangeAspect="1" noMove="1" noResize="1" noEditPoints="1" noAdjustHandles="1" noChangeArrowheads="1" noChangeShapeType="1" noTextEdit="1"/>
+                      </p:cNvSpPr>
+                      <p:nvPr/>
+                    </p:nvSpPr>
+                    <p:spPr>
+                      <a:xfrm>
+                        <a:off x="5504323" y="4774023"/>
+                        <a:ext cx="637000" cy="369332"/>
+                      </a:xfrm>
+                      <a:prstGeom prst="rect">
+                        <a:avLst/>
+                      </a:prstGeom>
+                      <a:blipFill>
+                        <a:blip r:embed="rId9"/>
+                        <a:stretch>
+                          <a:fillRect/>
+                        </a:stretch>
+                      </a:blipFill>
+                    </p:spPr>
+                    <p:txBody>
+                      <a:bodyPr/>
+                      <a:lstStyle/>
+                      <a:p>
+                        <a:r>
+                          <a:rPr lang="en-US">
+                            <a:noFill/>
+                          </a:rPr>
+                          <a:t> </a:t>
+                        </a:r>
+                      </a:p>
+                    </p:txBody>
+                  </p:sp>
+                </mc:Fallback>
+              </mc:AlternateContent>
+              <mc:AlternateContent xmlns:mc="http://schemas.openxmlformats.org/markup-compatibility/2006" xmlns:a14="http://schemas.microsoft.com/office/drawing/2010/main">
+                <mc:Choice Requires="a14">
+                  <p:sp>
+                    <p:nvSpPr>
+                      <p:cNvPr id="61" name="TextBox 60">
+                        <a:extLst>
+                          <a:ext uri="{FF2B5EF4-FFF2-40B4-BE49-F238E27FC236}">
+                            <a16:creationId xmlns:a16="http://schemas.microsoft.com/office/drawing/2014/main" id="{7A4BE410-F16C-42B7-A0AD-16ED92E98E4A}"/>
+                          </a:ext>
+                        </a:extLst>
+                      </p:cNvPr>
+                      <p:cNvSpPr txBox="1"/>
+                      <p:nvPr/>
+                    </p:nvSpPr>
+                    <p:spPr>
+                      <a:xfrm>
+                        <a:off x="4951650" y="5541262"/>
+                        <a:ext cx="178643" cy="369332"/>
+                      </a:xfrm>
+                      <a:prstGeom prst="rect">
+                        <a:avLst/>
+                      </a:prstGeom>
+                      <a:noFill/>
+                    </p:spPr>
+                    <p:txBody>
+                      <a:bodyPr wrap="square" rtlCol="0">
+                        <a:spAutoFit/>
+                      </a:bodyPr>
+                      <a:lstStyle/>
+                      <a:p>
+                        <a:pPr/>
+                        <a14:m>
+                          <m:oMathPara xmlns:m="http://schemas.openxmlformats.org/officeDocument/2006/math">
+                            <m:oMathParaPr>
+                              <m:jc m:val="centerGroup"/>
+                            </m:oMathParaPr>
+                            <m:oMath xmlns:m="http://schemas.openxmlformats.org/officeDocument/2006/math">
+                              <m:sSub>
+                                <m:sSubPr>
+                                  <m:ctrlPr>
+                                    <a:rPr lang="en-US" b="0" i="1" smtClean="0">
+                                      <a:latin typeface="Cambria Math" panose="02040503050406030204" pitchFamily="18" charset="0"/>
+                                    </a:rPr>
+                                  </m:ctrlPr>
+                                </m:sSubPr>
+                                <m:e>
+                                  <m:r>
+                                    <a:rPr lang="en-US" b="0" i="1" smtClean="0">
+                                      <a:latin typeface="Cambria Math" panose="02040503050406030204" pitchFamily="18" charset="0"/>
+                                    </a:rPr>
+                                    <m:t>𝜃</m:t>
+                                  </m:r>
+                                </m:e>
+                                <m:sub>
+                                  <m:r>
+                                    <a:rPr lang="en-US" b="0" i="1" smtClean="0">
+                                      <a:latin typeface="Cambria Math" panose="02040503050406030204" pitchFamily="18" charset="0"/>
+                                    </a:rPr>
+                                    <m:t>1</m:t>
+                                  </m:r>
+                                  <m:r>
+                                    <a:rPr lang="en-US" b="0" i="1" smtClean="0">
+                                      <a:latin typeface="Cambria Math" panose="02040503050406030204" pitchFamily="18" charset="0"/>
+                                    </a:rPr>
+                                    <m:t>𝑊</m:t>
+                                  </m:r>
+                                </m:sub>
+                              </m:sSub>
+                            </m:oMath>
+                          </m:oMathPara>
+                        </a14:m>
+                        <a:endParaRPr lang="en-US" dirty="0"/>
+                      </a:p>
+                    </p:txBody>
+                  </p:sp>
+                </mc:Choice>
+                <mc:Fallback xmlns="">
+                  <p:sp>
+                    <p:nvSpPr>
+                      <p:cNvPr id="61" name="TextBox 60">
+                        <a:extLst>
+                          <a:ext uri="{FF2B5EF4-FFF2-40B4-BE49-F238E27FC236}">
+                            <a16:creationId xmlns:a16="http://schemas.microsoft.com/office/drawing/2014/main" id="{7A4BE410-F16C-42B7-A0AD-16ED92E98E4A}"/>
+                          </a:ext>
+                        </a:extLst>
+                      </p:cNvPr>
+                      <p:cNvSpPr txBox="1">
+                        <a:spLocks noRot="1" noChangeAspect="1" noMove="1" noResize="1" noEditPoints="1" noAdjustHandles="1" noChangeArrowheads="1" noChangeShapeType="1" noTextEdit="1"/>
+                      </p:cNvSpPr>
+                      <p:nvPr/>
+                    </p:nvSpPr>
+                    <p:spPr>
+                      <a:xfrm>
+                        <a:off x="4951650" y="5541262"/>
+                        <a:ext cx="178643" cy="369332"/>
+                      </a:xfrm>
+                      <a:prstGeom prst="rect">
+                        <a:avLst/>
+                      </a:prstGeom>
+                      <a:blipFill>
+                        <a:blip r:embed="rId10"/>
+                        <a:stretch>
+                          <a:fillRect r="-190000"/>
+                        </a:stretch>
+                      </a:blipFill>
+                    </p:spPr>
+                    <p:txBody>
+                      <a:bodyPr/>
+                      <a:lstStyle/>
+                      <a:p>
+                        <a:r>
+                          <a:rPr lang="en-US">
+                            <a:noFill/>
+                          </a:rPr>
+                          <a:t> </a:t>
+                        </a:r>
+                      </a:p>
+                    </p:txBody>
+                  </p:sp>
+                </mc:Fallback>
+              </mc:AlternateContent>
+              <p:sp>
+                <p:nvSpPr>
+                  <p:cNvPr id="62" name="Arc 61">
+                    <a:extLst>
+                      <a:ext uri="{FF2B5EF4-FFF2-40B4-BE49-F238E27FC236}">
+                        <a16:creationId xmlns:a16="http://schemas.microsoft.com/office/drawing/2014/main" id="{A2C758D4-95CC-436B-8207-839AB072253F}"/>
+                      </a:ext>
+                    </a:extLst>
+                  </p:cNvPr>
+                  <p:cNvSpPr/>
+                  <p:nvPr/>
+                </p:nvSpPr>
+                <p:spPr>
+                  <a:xfrm rot="5630690">
+                    <a:off x="3725557" y="4832207"/>
+                    <a:ext cx="914400" cy="914400"/>
+                  </a:xfrm>
+                  <a:prstGeom prst="arc">
+                    <a:avLst>
+                      <a:gd name="adj1" fmla="val 15584901"/>
+                      <a:gd name="adj2" fmla="val 18366232"/>
+                    </a:avLst>
+                  </a:prstGeom>
+                  <a:ln>
+                    <a:solidFill>
+                      <a:schemeClr val="tx1"/>
+                    </a:solidFill>
+                  </a:ln>
+                </p:spPr>
+                <p:style>
+                  <a:lnRef idx="1">
+                    <a:schemeClr val="accent1"/>
+                  </a:lnRef>
+                  <a:fillRef idx="0">
+                    <a:schemeClr val="accent1"/>
+                  </a:fillRef>
+                  <a:effectRef idx="0">
+                    <a:schemeClr val="accent1"/>
+                  </a:effectRef>
+                  <a:fontRef idx="minor">
+                    <a:schemeClr val="tx1"/>
+                  </a:fontRef>
+                </p:style>
+                <p:txBody>
+                  <a:bodyPr rtlCol="0" anchor="ctr"/>
+                  <a:lstStyle/>
+                  <a:p>
+                    <a:pPr algn="ctr"/>
+                    <a:endParaRPr lang="en-US"/>
+                  </a:p>
+                </p:txBody>
+              </p:sp>
+              <p:cxnSp>
+                <p:nvCxnSpPr>
+                  <p:cNvPr id="64" name="Straight Arrow Connector 63">
+                    <a:extLst>
+                      <a:ext uri="{FF2B5EF4-FFF2-40B4-BE49-F238E27FC236}">
+                        <a16:creationId xmlns:a16="http://schemas.microsoft.com/office/drawing/2014/main" id="{A445BAEE-F5B6-4150-9028-F9F3ADAEB3EB}"/>
+                      </a:ext>
+                    </a:extLst>
+                  </p:cNvPr>
+                  <p:cNvCxnSpPr>
+                    <a:cxnSpLocks/>
+                    <a:stCxn id="61" idx="1"/>
+                  </p:cNvCxnSpPr>
+                  <p:nvPr/>
+                </p:nvCxnSpPr>
+                <p:spPr>
+                  <a:xfrm flipH="1" flipV="1">
+                    <a:off x="4713034" y="5412972"/>
+                    <a:ext cx="238616" cy="312956"/>
+                  </a:xfrm>
+                  <a:prstGeom prst="straightConnector1">
+                    <a:avLst/>
+                  </a:prstGeom>
+                  <a:ln>
+                    <a:tailEnd type="triangle"/>
+                  </a:ln>
+                </p:spPr>
+                <p:style>
+                  <a:lnRef idx="1">
+                    <a:schemeClr val="accent1"/>
+                  </a:lnRef>
+                  <a:fillRef idx="0">
+                    <a:schemeClr val="accent1"/>
+                  </a:fillRef>
+                  <a:effectRef idx="0">
+                    <a:schemeClr val="accent1"/>
+                  </a:effectRef>
+                  <a:fontRef idx="minor">
+                    <a:schemeClr val="tx1"/>
+                  </a:fontRef>
+                </p:style>
+              </p:cxnSp>
+              <mc:AlternateContent xmlns:mc="http://schemas.openxmlformats.org/markup-compatibility/2006" xmlns:a14="http://schemas.microsoft.com/office/drawing/2010/main">
+                <mc:Choice Requires="a14">
+                  <p:sp>
+                    <p:nvSpPr>
+                      <p:cNvPr id="66" name="TextBox 65">
+                        <a:extLst>
+                          <a:ext uri="{FF2B5EF4-FFF2-40B4-BE49-F238E27FC236}">
+                            <a16:creationId xmlns:a16="http://schemas.microsoft.com/office/drawing/2014/main" id="{DF16CAD1-3788-46E1-884B-5B5D80F7C21B}"/>
+                          </a:ext>
+                        </a:extLst>
+                      </p:cNvPr>
+                      <p:cNvSpPr txBox="1"/>
+                      <p:nvPr/>
+                    </p:nvSpPr>
+                    <p:spPr>
+                      <a:xfrm>
+                        <a:off x="7112501" y="3142558"/>
+                        <a:ext cx="433498" cy="369332"/>
+                      </a:xfrm>
+                      <a:prstGeom prst="rect">
+                        <a:avLst/>
+                      </a:prstGeom>
+                      <a:noFill/>
+                    </p:spPr>
+                    <p:txBody>
+                      <a:bodyPr wrap="square" rtlCol="0">
+                        <a:spAutoFit/>
+                      </a:bodyPr>
+                      <a:lstStyle/>
+                      <a:p>
+                        <a:pPr/>
+                        <a14:m>
+                          <m:oMathPara xmlns:m="http://schemas.openxmlformats.org/officeDocument/2006/math">
+                            <m:oMathParaPr>
+                              <m:jc m:val="centerGroup"/>
+                            </m:oMathParaPr>
+                            <m:oMath xmlns:m="http://schemas.openxmlformats.org/officeDocument/2006/math">
+                              <m:r>
+                                <a:rPr lang="en-US" b="0" i="1" smtClean="0">
+                                  <a:latin typeface="Cambria Math" panose="02040503050406030204" pitchFamily="18" charset="0"/>
+                                </a:rPr>
+                                <m:t>𝜙</m:t>
+                              </m:r>
+                            </m:oMath>
+                          </m:oMathPara>
+                        </a14:m>
+                        <a:endParaRPr lang="en-US" dirty="0"/>
+                      </a:p>
+                    </p:txBody>
+                  </p:sp>
+                </mc:Choice>
+                <mc:Fallback xmlns="">
+                  <p:sp>
+                    <p:nvSpPr>
+                      <p:cNvPr id="66" name="TextBox 65">
+                        <a:extLst>
+                          <a:ext uri="{FF2B5EF4-FFF2-40B4-BE49-F238E27FC236}">
+                            <a16:creationId xmlns:a16="http://schemas.microsoft.com/office/drawing/2014/main" id="{DF16CAD1-3788-46E1-884B-5B5D80F7C21B}"/>
+                          </a:ext>
+                        </a:extLst>
+                      </p:cNvPr>
+                      <p:cNvSpPr txBox="1">
+                        <a:spLocks noRot="1" noChangeAspect="1" noMove="1" noResize="1" noEditPoints="1" noAdjustHandles="1" noChangeArrowheads="1" noChangeShapeType="1" noTextEdit="1"/>
+                      </p:cNvSpPr>
+                      <p:nvPr/>
+                    </p:nvSpPr>
+                    <p:spPr>
+                      <a:xfrm>
+                        <a:off x="7112501" y="3142558"/>
+                        <a:ext cx="433498" cy="369332"/>
+                      </a:xfrm>
+                      <a:prstGeom prst="rect">
+                        <a:avLst/>
+                      </a:prstGeom>
+                      <a:blipFill>
+                        <a:blip r:embed="rId11"/>
+                        <a:stretch>
+                          <a:fillRect b="-13333"/>
+                        </a:stretch>
+                      </a:blipFill>
+                    </p:spPr>
+                    <p:txBody>
+                      <a:bodyPr/>
+                      <a:lstStyle/>
+                      <a:p>
+                        <a:r>
+                          <a:rPr lang="en-US">
+                            <a:noFill/>
+                          </a:rPr>
+                          <a:t> </a:t>
+                        </a:r>
+                      </a:p>
+                    </p:txBody>
+                  </p:sp>
+                </mc:Fallback>
+              </mc:AlternateContent>
+              <p:sp>
+                <p:nvSpPr>
+                  <p:cNvPr id="67" name="Arc 66">
+                    <a:extLst>
+                      <a:ext uri="{FF2B5EF4-FFF2-40B4-BE49-F238E27FC236}">
+                        <a16:creationId xmlns:a16="http://schemas.microsoft.com/office/drawing/2014/main" id="{587A41C4-9314-4536-81A8-D114F98AE1FF}"/>
+                      </a:ext>
+                    </a:extLst>
+                  </p:cNvPr>
+                  <p:cNvSpPr/>
+                  <p:nvPr/>
+                </p:nvSpPr>
+                <p:spPr>
+                  <a:xfrm rot="11299855">
+                    <a:off x="7196139" y="2731074"/>
+                    <a:ext cx="457200" cy="457200"/>
+                  </a:xfrm>
+                  <a:prstGeom prst="arc">
+                    <a:avLst>
+                      <a:gd name="adj1" fmla="val 14506315"/>
+                      <a:gd name="adj2" fmla="val 20415195"/>
+                    </a:avLst>
+                  </a:prstGeom>
+                  <a:ln w="19050">
+                    <a:solidFill>
+                      <a:schemeClr val="tx1"/>
+                    </a:solidFill>
+                  </a:ln>
+                </p:spPr>
+                <p:style>
+                  <a:lnRef idx="1">
+                    <a:schemeClr val="accent1"/>
+                  </a:lnRef>
+                  <a:fillRef idx="0">
+                    <a:schemeClr val="accent1"/>
+                  </a:fillRef>
+                  <a:effectRef idx="0">
+                    <a:schemeClr val="accent1"/>
+                  </a:effectRef>
+                  <a:fontRef idx="minor">
+                    <a:schemeClr val="tx1"/>
+                  </a:fontRef>
+                </p:style>
+                <p:txBody>
+                  <a:bodyPr rtlCol="0" anchor="ctr"/>
+                  <a:lstStyle/>
+                  <a:p>
+                    <a:pPr algn="ctr"/>
+                    <a:endParaRPr lang="en-US"/>
+                  </a:p>
+                </p:txBody>
+              </p:sp>
+              <mc:AlternateContent xmlns:mc="http://schemas.openxmlformats.org/markup-compatibility/2006" xmlns:a14="http://schemas.microsoft.com/office/drawing/2010/main">
+                <mc:Choice Requires="a14">
+                  <p:sp>
+                    <p:nvSpPr>
+                      <p:cNvPr id="69" name="TextBox 68">
+                        <a:extLst>
+                          <a:ext uri="{FF2B5EF4-FFF2-40B4-BE49-F238E27FC236}">
+                            <a16:creationId xmlns:a16="http://schemas.microsoft.com/office/drawing/2014/main" id="{15B5F424-B1D4-431B-80B9-19B54A0400B7}"/>
+                          </a:ext>
+                        </a:extLst>
+                      </p:cNvPr>
+                      <p:cNvSpPr txBox="1"/>
+                      <p:nvPr/>
+                    </p:nvSpPr>
+                    <p:spPr>
+                      <a:xfrm>
+                        <a:off x="5829479" y="4536132"/>
+                        <a:ext cx="637000" cy="369332"/>
+                      </a:xfrm>
+                      <a:prstGeom prst="rect">
+                        <a:avLst/>
+                      </a:prstGeom>
+                      <a:noFill/>
+                    </p:spPr>
+                    <p:txBody>
+                      <a:bodyPr wrap="square" rtlCol="0">
+                        <a:spAutoFit/>
+                      </a:bodyPr>
+                      <a:lstStyle/>
+                      <a:p>
+                        <a:pPr/>
+                        <a14:m>
+                          <m:oMathPara xmlns:m="http://schemas.openxmlformats.org/officeDocument/2006/math">
+                            <m:oMathParaPr>
+                              <m:jc m:val="centerGroup"/>
+                            </m:oMathParaPr>
+                            <m:oMath xmlns:m="http://schemas.openxmlformats.org/officeDocument/2006/math">
+                              <m:r>
+                                <a:rPr lang="en-US" b="0" i="1" smtClean="0">
+                                  <a:latin typeface="Cambria Math" panose="02040503050406030204" pitchFamily="18" charset="0"/>
+                                </a:rPr>
+                                <m:t>𝜃</m:t>
+                              </m:r>
+                            </m:oMath>
+                          </m:oMathPara>
+                        </a14:m>
+                        <a:endParaRPr lang="en-US" dirty="0"/>
+                      </a:p>
+                    </p:txBody>
+                  </p:sp>
+                </mc:Choice>
+                <mc:Fallback xmlns="">
+                  <p:sp>
+                    <p:nvSpPr>
+                      <p:cNvPr id="69" name="TextBox 68">
+                        <a:extLst>
+                          <a:ext uri="{FF2B5EF4-FFF2-40B4-BE49-F238E27FC236}">
+                            <a16:creationId xmlns:a16="http://schemas.microsoft.com/office/drawing/2014/main" id="{15B5F424-B1D4-431B-80B9-19B54A0400B7}"/>
+                          </a:ext>
+                        </a:extLst>
+                      </p:cNvPr>
+                      <p:cNvSpPr txBox="1">
+                        <a:spLocks noRot="1" noChangeAspect="1" noMove="1" noResize="1" noEditPoints="1" noAdjustHandles="1" noChangeArrowheads="1" noChangeShapeType="1" noTextEdit="1"/>
+                      </p:cNvSpPr>
+                      <p:nvPr/>
+                    </p:nvSpPr>
+                    <p:spPr>
+                      <a:xfrm>
+                        <a:off x="5829479" y="4536132"/>
+                        <a:ext cx="637000" cy="369332"/>
+                      </a:xfrm>
+                      <a:prstGeom prst="rect">
+                        <a:avLst/>
+                      </a:prstGeom>
+                      <a:blipFill>
+                        <a:blip r:embed="rId12"/>
+                        <a:stretch>
+                          <a:fillRect/>
+                        </a:stretch>
+                      </a:blipFill>
+                    </p:spPr>
+                    <p:txBody>
+                      <a:bodyPr/>
+                      <a:lstStyle/>
+                      <a:p>
+                        <a:r>
+                          <a:rPr lang="en-US">
+                            <a:noFill/>
+                          </a:rPr>
+                          <a:t> </a:t>
+                        </a:r>
+                      </a:p>
+                    </p:txBody>
+                  </p:sp>
+                </mc:Fallback>
+              </mc:AlternateContent>
+              <p:sp>
+                <p:nvSpPr>
+                  <p:cNvPr id="70" name="Arc 69">
+                    <a:extLst>
+                      <a:ext uri="{FF2B5EF4-FFF2-40B4-BE49-F238E27FC236}">
+                        <a16:creationId xmlns:a16="http://schemas.microsoft.com/office/drawing/2014/main" id="{C14CFA89-9519-4401-BCC3-1810D6D688D6}"/>
+                      </a:ext>
+                    </a:extLst>
+                  </p:cNvPr>
+                  <p:cNvSpPr/>
+                  <p:nvPr/>
+                </p:nvSpPr>
+                <p:spPr>
+                  <a:xfrm rot="4861225">
+                    <a:off x="5566101" y="4299027"/>
+                    <a:ext cx="457200" cy="457200"/>
+                  </a:xfrm>
+                  <a:prstGeom prst="arc">
+                    <a:avLst>
+                      <a:gd name="adj1" fmla="val 17474688"/>
+                      <a:gd name="adj2" fmla="val 20415195"/>
+                    </a:avLst>
+                  </a:prstGeom>
+                  <a:ln w="19050">
+                    <a:solidFill>
+                      <a:schemeClr val="tx1"/>
+                    </a:solidFill>
+                  </a:ln>
+                </p:spPr>
+                <p:style>
+                  <a:lnRef idx="1">
+                    <a:schemeClr val="accent1"/>
+                  </a:lnRef>
+                  <a:fillRef idx="0">
+                    <a:schemeClr val="accent1"/>
+                  </a:fillRef>
+                  <a:effectRef idx="0">
+                    <a:schemeClr val="accent1"/>
+                  </a:effectRef>
+                  <a:fontRef idx="minor">
+                    <a:schemeClr val="tx1"/>
+                  </a:fontRef>
+                </p:style>
+                <p:txBody>
+                  <a:bodyPr rtlCol="0" anchor="ctr"/>
+                  <a:lstStyle/>
+                  <a:p>
+                    <a:pPr algn="ctr"/>
+                    <a:endParaRPr lang="en-US"/>
+                  </a:p>
+                </p:txBody>
+              </p:sp>
+              <p:sp>
+                <p:nvSpPr>
+                  <p:cNvPr id="72" name="Arc 71">
+                    <a:extLst>
+                      <a:ext uri="{FF2B5EF4-FFF2-40B4-BE49-F238E27FC236}">
+                        <a16:creationId xmlns:a16="http://schemas.microsoft.com/office/drawing/2014/main" id="{C9889EFD-B34F-4E5B-8CD7-2143C03C5C2B}"/>
+                      </a:ext>
+                    </a:extLst>
+                  </p:cNvPr>
+                  <p:cNvSpPr/>
+                  <p:nvPr/>
+                </p:nvSpPr>
+                <p:spPr>
+                  <a:xfrm rot="21302669">
+                    <a:off x="4252569" y="4615172"/>
+                    <a:ext cx="457200" cy="457200"/>
+                  </a:xfrm>
+                  <a:prstGeom prst="arc">
+                    <a:avLst>
+                      <a:gd name="adj1" fmla="val 18053513"/>
+                      <a:gd name="adj2" fmla="val 270937"/>
+                    </a:avLst>
+                  </a:prstGeom>
+                  <a:ln w="19050">
+                    <a:solidFill>
+                      <a:schemeClr val="tx1"/>
+                    </a:solidFill>
+                  </a:ln>
+                </p:spPr>
+                <p:style>
+                  <a:lnRef idx="1">
+                    <a:schemeClr val="accent1"/>
+                  </a:lnRef>
+                  <a:fillRef idx="0">
+                    <a:schemeClr val="accent1"/>
+                  </a:fillRef>
+                  <a:effectRef idx="0">
+                    <a:schemeClr val="accent1"/>
+                  </a:effectRef>
+                  <a:fontRef idx="minor">
+                    <a:schemeClr val="tx1"/>
+                  </a:fontRef>
+                </p:style>
+                <p:txBody>
+                  <a:bodyPr rtlCol="0" anchor="ctr"/>
+                  <a:lstStyle/>
+                  <a:p>
+                    <a:pPr algn="ctr"/>
+                    <a:endParaRPr lang="en-US"/>
+                  </a:p>
+                </p:txBody>
+              </p:sp>
+              <p:sp>
+                <p:nvSpPr>
+                  <p:cNvPr id="81" name="Arc 80">
+                    <a:extLst>
+                      <a:ext uri="{FF2B5EF4-FFF2-40B4-BE49-F238E27FC236}">
+                        <a16:creationId xmlns:a16="http://schemas.microsoft.com/office/drawing/2014/main" id="{E131971B-CDF4-4D55-A093-9164F0D8DFEE}"/>
+                      </a:ext>
+                    </a:extLst>
+                  </p:cNvPr>
+                  <p:cNvSpPr/>
+                  <p:nvPr/>
+                </p:nvSpPr>
+                <p:spPr>
+                  <a:xfrm rot="3541768">
+                    <a:off x="5126752" y="4027041"/>
+                    <a:ext cx="457200" cy="457200"/>
+                  </a:xfrm>
+                  <a:prstGeom prst="arc">
+                    <a:avLst>
+                      <a:gd name="adj1" fmla="val 14506315"/>
+                      <a:gd name="adj2" fmla="val 20415195"/>
+                    </a:avLst>
+                  </a:prstGeom>
+                  <a:ln w="19050">
+                    <a:solidFill>
+                      <a:schemeClr val="tx1"/>
+                    </a:solidFill>
+                  </a:ln>
+                </p:spPr>
+                <p:style>
+                  <a:lnRef idx="1">
+                    <a:schemeClr val="accent1"/>
+                  </a:lnRef>
+                  <a:fillRef idx="0">
+                    <a:schemeClr val="accent1"/>
+                  </a:fillRef>
+                  <a:effectRef idx="0">
+                    <a:schemeClr val="accent1"/>
+                  </a:effectRef>
+                  <a:fontRef idx="minor">
+                    <a:schemeClr val="tx1"/>
+                  </a:fontRef>
+                </p:style>
+                <p:txBody>
+                  <a:bodyPr rtlCol="0" anchor="ctr"/>
+                  <a:lstStyle/>
+                  <a:p>
+                    <a:pPr algn="ctr"/>
+                    <a:endParaRPr lang="en-US"/>
+                  </a:p>
+                </p:txBody>
+              </p:sp>
             </p:grpSp>
-            <p:cxnSp>
-              <p:nvCxnSpPr>
-                <p:cNvPr id="30" name="Straight Arrow Connector 29">
-                  <a:extLst>
-                    <a:ext uri="{FF2B5EF4-FFF2-40B4-BE49-F238E27FC236}">
-                      <a16:creationId xmlns:a16="http://schemas.microsoft.com/office/drawing/2014/main" id="{986C600B-0673-4AAB-B300-7BD258D37548}"/>
-                    </a:ext>
-                  </a:extLst>
-                </p:cNvPr>
-                <p:cNvCxnSpPr/>
-                <p:nvPr/>
-              </p:nvCxnSpPr>
-              <p:spPr>
-                <a:xfrm flipH="1">
-                  <a:off x="5748565" y="2771721"/>
-                  <a:ext cx="1657296" cy="1766397"/>
-                </a:xfrm>
-                <a:prstGeom prst="straightConnector1">
-                  <a:avLst/>
-                </a:prstGeom>
-                <a:ln>
-                  <a:solidFill>
-                    <a:schemeClr val="tx1"/>
-                  </a:solidFill>
-                  <a:tailEnd type="triangle"/>
-                </a:ln>
-              </p:spPr>
-              <p:style>
-                <a:lnRef idx="1">
-                  <a:schemeClr val="accent1"/>
-                </a:lnRef>
-                <a:fillRef idx="0">
-                  <a:schemeClr val="accent1"/>
-                </a:fillRef>
-                <a:effectRef idx="0">
-                  <a:schemeClr val="accent1"/>
-                </a:effectRef>
-                <a:fontRef idx="minor">
-                  <a:schemeClr val="tx1"/>
-                </a:fontRef>
-              </p:style>
-            </p:cxnSp>
-            <p:cxnSp>
-              <p:nvCxnSpPr>
-                <p:cNvPr id="32" name="Straight Arrow Connector 31">
-                  <a:extLst>
-                    <a:ext uri="{FF2B5EF4-FFF2-40B4-BE49-F238E27FC236}">
-                      <a16:creationId xmlns:a16="http://schemas.microsoft.com/office/drawing/2014/main" id="{93B238E4-3F78-4A0B-80B3-7DE94D8A8DD8}"/>
-                    </a:ext>
-                  </a:extLst>
-                </p:cNvPr>
-                <p:cNvCxnSpPr>
-                  <a:cxnSpLocks/>
-                </p:cNvCxnSpPr>
-                <p:nvPr/>
-              </p:nvCxnSpPr>
-              <p:spPr>
-                <a:xfrm>
-                  <a:off x="7405861" y="2771721"/>
-                  <a:ext cx="385510" cy="1433600"/>
-                </a:xfrm>
-                <a:prstGeom prst="straightConnector1">
-                  <a:avLst/>
-                </a:prstGeom>
-                <a:ln>
-                  <a:solidFill>
-                    <a:schemeClr val="tx1"/>
-                  </a:solidFill>
-                  <a:tailEnd type="triangle"/>
-                </a:ln>
-              </p:spPr>
-              <p:style>
-                <a:lnRef idx="1">
-                  <a:schemeClr val="accent1"/>
-                </a:lnRef>
-                <a:fillRef idx="0">
-                  <a:schemeClr val="accent1"/>
-                </a:fillRef>
-                <a:effectRef idx="0">
-                  <a:schemeClr val="accent1"/>
-                </a:effectRef>
-                <a:fontRef idx="minor">
-                  <a:schemeClr val="tx1"/>
-                </a:fontRef>
-              </p:style>
-            </p:cxnSp>
-            <p:sp>
-              <p:nvSpPr>
-                <p:cNvPr id="38" name="Arc 37">
-                  <a:extLst>
-                    <a:ext uri="{FF2B5EF4-FFF2-40B4-BE49-F238E27FC236}">
-                      <a16:creationId xmlns:a16="http://schemas.microsoft.com/office/drawing/2014/main" id="{A7C3C31B-0E68-4F63-9B75-440B49760AAE}"/>
-                    </a:ext>
-                  </a:extLst>
-                </p:cNvPr>
-                <p:cNvSpPr/>
-                <p:nvPr/>
-              </p:nvSpPr>
-              <p:spPr>
-                <a:xfrm rot="13535089">
-                  <a:off x="3700571" y="4561451"/>
-                  <a:ext cx="457200" cy="457200"/>
-                </a:xfrm>
-                <a:prstGeom prst="arc">
-                  <a:avLst>
-                    <a:gd name="adj1" fmla="val 18053513"/>
-                    <a:gd name="adj2" fmla="val 20415195"/>
-                  </a:avLst>
-                </a:prstGeom>
-                <a:ln w="19050">
-                  <a:solidFill>
-                    <a:schemeClr val="tx1"/>
-                  </a:solidFill>
-                </a:ln>
-              </p:spPr>
-              <p:style>
-                <a:lnRef idx="1">
-                  <a:schemeClr val="accent1"/>
-                </a:lnRef>
-                <a:fillRef idx="0">
-                  <a:schemeClr val="accent1"/>
-                </a:fillRef>
-                <a:effectRef idx="0">
-                  <a:schemeClr val="accent1"/>
-                </a:effectRef>
-                <a:fontRef idx="minor">
-                  <a:schemeClr val="tx1"/>
-                </a:fontRef>
-              </p:style>
-              <p:txBody>
-                <a:bodyPr rtlCol="0" anchor="ctr"/>
-                <a:lstStyle/>
-                <a:p>
-                  <a:pPr algn="ctr"/>
-                  <a:endParaRPr lang="en-US"/>
-                </a:p>
-              </p:txBody>
-            </p:sp>
-            <p:cxnSp>
-              <p:nvCxnSpPr>
-                <p:cNvPr id="40" name="Straight Arrow Connector 39">
-                  <a:extLst>
-                    <a:ext uri="{FF2B5EF4-FFF2-40B4-BE49-F238E27FC236}">
-                      <a16:creationId xmlns:a16="http://schemas.microsoft.com/office/drawing/2014/main" id="{B93509A7-BAF1-4F65-8DC7-6238908D3822}"/>
-                    </a:ext>
-                  </a:extLst>
-                </p:cNvPr>
-                <p:cNvCxnSpPr/>
-                <p:nvPr/>
-              </p:nvCxnSpPr>
-              <p:spPr>
-                <a:xfrm flipH="1">
-                  <a:off x="4033886" y="2771721"/>
-                  <a:ext cx="3371975" cy="2221647"/>
-                </a:xfrm>
-                <a:prstGeom prst="straightConnector1">
-                  <a:avLst/>
-                </a:prstGeom>
-                <a:ln>
-                  <a:solidFill>
-                    <a:schemeClr val="tx1"/>
-                  </a:solidFill>
-                  <a:tailEnd type="triangle"/>
-                </a:ln>
-              </p:spPr>
-              <p:style>
-                <a:lnRef idx="1">
-                  <a:schemeClr val="accent1"/>
-                </a:lnRef>
-                <a:fillRef idx="0">
-                  <a:schemeClr val="accent1"/>
-                </a:fillRef>
-                <a:effectRef idx="0">
-                  <a:schemeClr val="accent1"/>
-                </a:effectRef>
-                <a:fontRef idx="minor">
-                  <a:schemeClr val="tx1"/>
-                </a:fontRef>
-              </p:style>
-            </p:cxnSp>
-            <p:sp>
-              <p:nvSpPr>
-                <p:cNvPr id="41" name="Arc 40">
-                  <a:extLst>
-                    <a:ext uri="{FF2B5EF4-FFF2-40B4-BE49-F238E27FC236}">
-                      <a16:creationId xmlns:a16="http://schemas.microsoft.com/office/drawing/2014/main" id="{E9313AAD-6297-470D-BE8E-E03C68BC323A}"/>
-                    </a:ext>
-                  </a:extLst>
-                </p:cNvPr>
-                <p:cNvSpPr/>
-                <p:nvPr/>
-              </p:nvSpPr>
-              <p:spPr>
-                <a:xfrm rot="11299855">
-                  <a:off x="6922295" y="2823696"/>
-                  <a:ext cx="457200" cy="457200"/>
-                </a:xfrm>
-                <a:prstGeom prst="arc">
-                  <a:avLst>
-                    <a:gd name="adj1" fmla="val 18053513"/>
-                    <a:gd name="adj2" fmla="val 20485441"/>
-                  </a:avLst>
-                </a:prstGeom>
-                <a:ln w="19050">
-                  <a:solidFill>
-                    <a:schemeClr val="tx1"/>
-                  </a:solidFill>
-                </a:ln>
-              </p:spPr>
-              <p:style>
-                <a:lnRef idx="1">
-                  <a:schemeClr val="accent1"/>
-                </a:lnRef>
-                <a:fillRef idx="0">
-                  <a:schemeClr val="accent1"/>
-                </a:fillRef>
-                <a:effectRef idx="0">
-                  <a:schemeClr val="accent1"/>
-                </a:effectRef>
-                <a:fontRef idx="minor">
-                  <a:schemeClr val="tx1"/>
-                </a:fontRef>
-              </p:style>
-              <p:txBody>
-                <a:bodyPr rtlCol="0" anchor="ctr"/>
-                <a:lstStyle/>
-                <a:p>
-                  <a:pPr algn="ctr"/>
-                  <a:endParaRPr lang="en-US"/>
-                </a:p>
-              </p:txBody>
-            </p:sp>
-            <p:sp>
-              <p:nvSpPr>
-                <p:cNvPr id="42" name="Arc 41">
-                  <a:extLst>
-                    <a:ext uri="{FF2B5EF4-FFF2-40B4-BE49-F238E27FC236}">
-                      <a16:creationId xmlns:a16="http://schemas.microsoft.com/office/drawing/2014/main" id="{A43BF963-A3B3-479E-96DA-5B93CCD5FE56}"/>
-                    </a:ext>
-                  </a:extLst>
-                </p:cNvPr>
-                <p:cNvSpPr/>
-                <p:nvPr/>
-              </p:nvSpPr>
-              <p:spPr>
-                <a:xfrm rot="12907480">
-                  <a:off x="3959516" y="2938359"/>
-                  <a:ext cx="457200" cy="457200"/>
-                </a:xfrm>
-                <a:prstGeom prst="arc">
-                  <a:avLst>
-                    <a:gd name="adj1" fmla="val 18053513"/>
-                    <a:gd name="adj2" fmla="val 20415195"/>
-                  </a:avLst>
-                </a:prstGeom>
-                <a:ln w="19050">
-                  <a:solidFill>
-                    <a:schemeClr val="tx1"/>
-                  </a:solidFill>
-                </a:ln>
-              </p:spPr>
-              <p:style>
-                <a:lnRef idx="1">
-                  <a:schemeClr val="accent1"/>
-                </a:lnRef>
-                <a:fillRef idx="0">
-                  <a:schemeClr val="accent1"/>
-                </a:fillRef>
-                <a:effectRef idx="0">
-                  <a:schemeClr val="accent1"/>
-                </a:effectRef>
-                <a:fontRef idx="minor">
-                  <a:schemeClr val="tx1"/>
-                </a:fontRef>
-              </p:style>
-              <p:txBody>
-                <a:bodyPr rtlCol="0" anchor="ctr"/>
-                <a:lstStyle/>
-                <a:p>
-                  <a:pPr algn="ctr"/>
-                  <a:endParaRPr lang="en-US"/>
-                </a:p>
-              </p:txBody>
-            </p:sp>
             <mc:AlternateContent xmlns:mc="http://schemas.openxmlformats.org/markup-compatibility/2006" xmlns:a14="http://schemas.microsoft.com/office/drawing/2010/main">
               <mc:Choice Requires="a14">
                 <p:sp>
                   <p:nvSpPr>
-                    <p:cNvPr id="47" name="TextBox 46">
+                    <p:cNvPr id="73" name="TextBox 72">
                       <a:extLst>
                         <a:ext uri="{FF2B5EF4-FFF2-40B4-BE49-F238E27FC236}">
-                          <a16:creationId xmlns:a16="http://schemas.microsoft.com/office/drawing/2014/main" id="{9B0862FD-957D-42E5-8E1D-4DEE40CE9EC8}"/>
+                          <a16:creationId xmlns:a16="http://schemas.microsoft.com/office/drawing/2014/main" id="{2B811F39-E81D-48FD-8075-D4D4B3533102}"/>
                         </a:ext>
                       </a:extLst>
                     </p:cNvPr>
@@ -4568,8 +9220,8 @@
                   </p:nvSpPr>
                   <p:spPr>
                     <a:xfrm>
-                      <a:off x="4715405" y="3882544"/>
-                      <a:ext cx="546111" cy="369332"/>
+                      <a:off x="2778997" y="4748205"/>
+                      <a:ext cx="466602" cy="369332"/>
                     </a:xfrm>
                     <a:prstGeom prst="rect">
                       <a:avLst/>
@@ -4602,18 +9254,15 @@
                                   <a:rPr lang="en-US" b="0" i="1" smtClean="0">
                                     <a:latin typeface="Cambria Math" panose="02040503050406030204" pitchFamily="18" charset="0"/>
                                   </a:rPr>
-                                  <m:t>𝑅</m:t>
+                                  <m:t>𝜃</m:t>
                                 </m:r>
                               </m:e>
                               <m:sub>
                                 <m:r>
-                                  <m:rPr>
-                                    <m:sty m:val="p"/>
-                                  </m:rPr>
-                                  <a:rPr lang="en-US" altLang="zh-CN" i="1">
+                                  <a:rPr lang="en-US" b="0" i="1" smtClean="0">
                                     <a:latin typeface="Cambria Math" panose="02040503050406030204" pitchFamily="18" charset="0"/>
                                   </a:rPr>
-                                  <m:t>m</m:t>
+                                  <m:t>3</m:t>
                                 </m:r>
                               </m:sub>
                             </m:sSub>
@@ -4628,10 +9277,10 @@
               <mc:Fallback xmlns="">
                 <p:sp>
                   <p:nvSpPr>
-                    <p:cNvPr id="47" name="TextBox 46">
+                    <p:cNvPr id="73" name="TextBox 72">
                       <a:extLst>
                         <a:ext uri="{FF2B5EF4-FFF2-40B4-BE49-F238E27FC236}">
-                          <a16:creationId xmlns:a16="http://schemas.microsoft.com/office/drawing/2014/main" id="{9B0862FD-957D-42E5-8E1D-4DEE40CE9EC8}"/>
+                          <a16:creationId xmlns:a16="http://schemas.microsoft.com/office/drawing/2014/main" id="{2B811F39-E81D-48FD-8075-D4D4B3533102}"/>
                         </a:ext>
                       </a:extLst>
                     </p:cNvPr>
@@ -4642,14 +9291,14 @@
                   </p:nvSpPr>
                   <p:spPr>
                     <a:xfrm>
-                      <a:off x="4715405" y="3882544"/>
-                      <a:ext cx="546111" cy="369332"/>
+                      <a:off x="2778997" y="4748205"/>
+                      <a:ext cx="466602" cy="369332"/>
                     </a:xfrm>
                     <a:prstGeom prst="rect">
                       <a:avLst/>
                     </a:prstGeom>
                     <a:blipFill>
-                      <a:blip r:embed="rId2"/>
+                      <a:blip r:embed="rId13"/>
                       <a:stretch>
                         <a:fillRect/>
                       </a:stretch>
@@ -4674,10 +9323,10 @@
               <mc:Choice Requires="a14">
                 <p:sp>
                   <p:nvSpPr>
-                    <p:cNvPr id="48" name="TextBox 47">
+                    <p:cNvPr id="82" name="TextBox 81">
                       <a:extLst>
                         <a:ext uri="{FF2B5EF4-FFF2-40B4-BE49-F238E27FC236}">
-                          <a16:creationId xmlns:a16="http://schemas.microsoft.com/office/drawing/2014/main" id="{F5BDF149-9864-4F65-8C61-A5EAB44281E1}"/>
+                          <a16:creationId xmlns:a16="http://schemas.microsoft.com/office/drawing/2014/main" id="{560DA672-A233-4C81-B207-D91EA6F0BF76}"/>
                         </a:ext>
                       </a:extLst>
                     </p:cNvPr>
@@ -4686,8 +9335,8 @@
                   </p:nvSpPr>
                   <p:spPr>
                     <a:xfrm>
-                      <a:off x="7545236" y="3251048"/>
-                      <a:ext cx="391774" cy="369332"/>
+                      <a:off x="3658708" y="4207689"/>
+                      <a:ext cx="466603" cy="369332"/>
                     </a:xfrm>
                     <a:prstGeom prst="rect">
                       <a:avLst/>
@@ -4696,261 +9345,6 @@
                   </p:spPr>
                   <p:txBody>
                     <a:bodyPr wrap="none" rtlCol="0">
-                      <a:spAutoFit/>
-                    </a:bodyPr>
-                    <a:lstStyle/>
-                    <a:p>
-                      <a:pPr/>
-                      <a14:m>
-                        <m:oMathPara xmlns:m="http://schemas.openxmlformats.org/officeDocument/2006/math">
-                          <m:oMathParaPr>
-                            <m:jc m:val="centerGroup"/>
-                          </m:oMathParaPr>
-                          <m:oMath xmlns:m="http://schemas.openxmlformats.org/officeDocument/2006/math">
-                            <m:r>
-                              <a:rPr lang="en-US" b="0" i="1" smtClean="0">
-                                <a:latin typeface="Cambria Math" panose="02040503050406030204" pitchFamily="18" charset="0"/>
-                              </a:rPr>
-                              <m:t>𝑅</m:t>
-                            </m:r>
-                          </m:oMath>
-                        </m:oMathPara>
-                      </a14:m>
-                      <a:endParaRPr lang="en-US" dirty="0"/>
-                    </a:p>
-                  </p:txBody>
-                </p:sp>
-              </mc:Choice>
-              <mc:Fallback xmlns="">
-                <p:sp>
-                  <p:nvSpPr>
-                    <p:cNvPr id="48" name="TextBox 47">
-                      <a:extLst>
-                        <a:ext uri="{FF2B5EF4-FFF2-40B4-BE49-F238E27FC236}">
-                          <a16:creationId xmlns:a16="http://schemas.microsoft.com/office/drawing/2014/main" id="{F5BDF149-9864-4F65-8C61-A5EAB44281E1}"/>
-                        </a:ext>
-                      </a:extLst>
-                    </p:cNvPr>
-                    <p:cNvSpPr txBox="1">
-                      <a:spLocks noRot="1" noChangeAspect="1" noMove="1" noResize="1" noEditPoints="1" noAdjustHandles="1" noChangeArrowheads="1" noChangeShapeType="1" noTextEdit="1"/>
-                    </p:cNvSpPr>
-                    <p:nvPr/>
-                  </p:nvSpPr>
-                  <p:spPr>
-                    <a:xfrm>
-                      <a:off x="7545236" y="3251048"/>
-                      <a:ext cx="391774" cy="369332"/>
-                    </a:xfrm>
-                    <a:prstGeom prst="rect">
-                      <a:avLst/>
-                    </a:prstGeom>
-                    <a:blipFill>
-                      <a:blip r:embed="rId3"/>
-                      <a:stretch>
-                        <a:fillRect/>
-                      </a:stretch>
-                    </a:blipFill>
-                  </p:spPr>
-                  <p:txBody>
-                    <a:bodyPr/>
-                    <a:lstStyle/>
-                    <a:p>
-                      <a:r>
-                        <a:rPr lang="en-US">
-                          <a:noFill/>
-                        </a:rPr>
-                        <a:t> </a:t>
-                      </a:r>
-                    </a:p>
-                  </p:txBody>
-                </p:sp>
-              </mc:Fallback>
-            </mc:AlternateContent>
-            <mc:AlternateContent xmlns:mc="http://schemas.openxmlformats.org/markup-compatibility/2006" xmlns:a14="http://schemas.microsoft.com/office/drawing/2010/main">
-              <mc:Choice Requires="a14">
-                <p:sp>
-                  <p:nvSpPr>
-                    <p:cNvPr id="49" name="TextBox 48">
-                      <a:extLst>
-                        <a:ext uri="{FF2B5EF4-FFF2-40B4-BE49-F238E27FC236}">
-                          <a16:creationId xmlns:a16="http://schemas.microsoft.com/office/drawing/2014/main" id="{13201286-2CA6-4154-A26E-27536473E535}"/>
-                        </a:ext>
-                      </a:extLst>
-                    </p:cNvPr>
-                    <p:cNvSpPr txBox="1"/>
-                    <p:nvPr/>
-                  </p:nvSpPr>
-                  <p:spPr>
-                    <a:xfrm>
-                      <a:off x="6209098" y="3266200"/>
-                      <a:ext cx="709126" cy="369332"/>
-                    </a:xfrm>
-                    <a:prstGeom prst="rect">
-                      <a:avLst/>
-                    </a:prstGeom>
-                    <a:noFill/>
-                  </p:spPr>
-                  <p:txBody>
-                    <a:bodyPr wrap="square" rtlCol="0">
-                      <a:spAutoFit/>
-                    </a:bodyPr>
-                    <a:lstStyle/>
-                    <a:p>
-                      <a:pPr/>
-                      <a14:m>
-                        <m:oMathPara xmlns:m="http://schemas.openxmlformats.org/officeDocument/2006/math">
-                          <m:oMathParaPr>
-                            <m:jc m:val="centerGroup"/>
-                          </m:oMathParaPr>
-                          <m:oMath xmlns:m="http://schemas.openxmlformats.org/officeDocument/2006/math">
-                            <m:sSub>
-                              <m:sSubPr>
-                                <m:ctrlPr>
-                                  <a:rPr lang="en-US" b="0" i="1" smtClean="0">
-                                    <a:latin typeface="Cambria Math" panose="02040503050406030204" pitchFamily="18" charset="0"/>
-                                  </a:rPr>
-                                </m:ctrlPr>
-                              </m:sSubPr>
-                              <m:e>
-                                <m:r>
-                                  <a:rPr lang="en-US" b="0" i="1" smtClean="0">
-                                    <a:latin typeface="Cambria Math" panose="02040503050406030204" pitchFamily="18" charset="0"/>
-                                  </a:rPr>
-                                  <m:t>𝜙</m:t>
-                                </m:r>
-                              </m:e>
-                              <m:sub>
-                                <m:r>
-                                  <a:rPr lang="en-US" b="0" i="1" smtClean="0">
-                                    <a:latin typeface="Cambria Math" panose="02040503050406030204" pitchFamily="18" charset="0"/>
-                                  </a:rPr>
-                                  <m:t>1</m:t>
-                                </m:r>
-                              </m:sub>
-                            </m:sSub>
-                          </m:oMath>
-                        </m:oMathPara>
-                      </a14:m>
-                      <a:endParaRPr lang="en-US" dirty="0"/>
-                    </a:p>
-                  </p:txBody>
-                </p:sp>
-              </mc:Choice>
-              <mc:Fallback xmlns="">
-                <p:sp>
-                  <p:nvSpPr>
-                    <p:cNvPr id="49" name="TextBox 48">
-                      <a:extLst>
-                        <a:ext uri="{FF2B5EF4-FFF2-40B4-BE49-F238E27FC236}">
-                          <a16:creationId xmlns:a16="http://schemas.microsoft.com/office/drawing/2014/main" id="{13201286-2CA6-4154-A26E-27536473E535}"/>
-                        </a:ext>
-                      </a:extLst>
-                    </p:cNvPr>
-                    <p:cNvSpPr txBox="1">
-                      <a:spLocks noRot="1" noChangeAspect="1" noMove="1" noResize="1" noEditPoints="1" noAdjustHandles="1" noChangeArrowheads="1" noChangeShapeType="1" noTextEdit="1"/>
-                    </p:cNvSpPr>
-                    <p:nvPr/>
-                  </p:nvSpPr>
-                  <p:spPr>
-                    <a:xfrm>
-                      <a:off x="6209098" y="3266200"/>
-                      <a:ext cx="709126" cy="369332"/>
-                    </a:xfrm>
-                    <a:prstGeom prst="rect">
-                      <a:avLst/>
-                    </a:prstGeom>
-                    <a:blipFill>
-                      <a:blip r:embed="rId4"/>
-                      <a:stretch>
-                        <a:fillRect b="-11475"/>
-                      </a:stretch>
-                    </a:blipFill>
-                  </p:spPr>
-                  <p:txBody>
-                    <a:bodyPr/>
-                    <a:lstStyle/>
-                    <a:p>
-                      <a:r>
-                        <a:rPr lang="en-US">
-                          <a:noFill/>
-                        </a:rPr>
-                        <a:t> </a:t>
-                      </a:r>
-                    </a:p>
-                  </p:txBody>
-                </p:sp>
-              </mc:Fallback>
-            </mc:AlternateContent>
-            <p:cxnSp>
-              <p:nvCxnSpPr>
-                <p:cNvPr id="51" name="Straight Connector 50">
-                  <a:extLst>
-                    <a:ext uri="{FF2B5EF4-FFF2-40B4-BE49-F238E27FC236}">
-                      <a16:creationId xmlns:a16="http://schemas.microsoft.com/office/drawing/2014/main" id="{EE930B1E-9C4B-4F87-89B6-31D4B270D7E2}"/>
-                    </a:ext>
-                  </a:extLst>
-                </p:cNvPr>
-                <p:cNvCxnSpPr/>
-                <p:nvPr/>
-              </p:nvCxnSpPr>
-              <p:spPr>
-                <a:xfrm>
-                  <a:off x="4033886" y="4993368"/>
-                  <a:ext cx="681519" cy="763620"/>
-                </a:xfrm>
-                <a:prstGeom prst="line">
-                  <a:avLst/>
-                </a:prstGeom>
-                <a:ln>
-                  <a:solidFill>
-                    <a:schemeClr val="tx1">
-                      <a:lumMod val="50000"/>
-                      <a:lumOff val="50000"/>
-                    </a:schemeClr>
-                  </a:solidFill>
-                </a:ln>
-              </p:spPr>
-              <p:style>
-                <a:lnRef idx="1">
-                  <a:schemeClr val="accent1"/>
-                </a:lnRef>
-                <a:fillRef idx="0">
-                  <a:schemeClr val="accent1"/>
-                </a:fillRef>
-                <a:effectRef idx="0">
-                  <a:schemeClr val="accent1"/>
-                </a:effectRef>
-                <a:fontRef idx="minor">
-                  <a:schemeClr val="tx1"/>
-                </a:fontRef>
-              </p:style>
-            </p:cxnSp>
-            <mc:AlternateContent xmlns:mc="http://schemas.openxmlformats.org/markup-compatibility/2006" xmlns:a14="http://schemas.microsoft.com/office/drawing/2010/main">
-              <mc:Choice Requires="a14">
-                <p:sp>
-                  <p:nvSpPr>
-                    <p:cNvPr id="52" name="TextBox 51">
-                      <a:extLst>
-                        <a:ext uri="{FF2B5EF4-FFF2-40B4-BE49-F238E27FC236}">
-                          <a16:creationId xmlns:a16="http://schemas.microsoft.com/office/drawing/2014/main" id="{B846C461-A48F-490F-825E-061C06EE6DB1}"/>
-                        </a:ext>
-                      </a:extLst>
-                    </p:cNvPr>
-                    <p:cNvSpPr txBox="1"/>
-                    <p:nvPr/>
-                  </p:nvSpPr>
-                  <p:spPr>
-                    <a:xfrm>
-                      <a:off x="3306767" y="3033615"/>
-                      <a:ext cx="637000" cy="369332"/>
-                    </a:xfrm>
-                    <a:prstGeom prst="rect">
-                      <a:avLst/>
-                    </a:prstGeom>
-                    <a:noFill/>
-                  </p:spPr>
-                  <p:txBody>
-                    <a:bodyPr wrap="square" rtlCol="0">
                       <a:spAutoFit/>
                     </a:bodyPr>
                     <a:lstStyle/>
@@ -4983,7 +9377,7 @@
                                   <a:rPr lang="en-US" b="0" i="1" smtClean="0">
                                     <a:latin typeface="Cambria Math" panose="02040503050406030204" pitchFamily="18" charset="0"/>
                                   </a:rPr>
-                                  <m:t>𝑖𝑛</m:t>
+                                  <m:t>2</m:t>
                                 </m:r>
                               </m:sub>
                             </m:sSub>
@@ -4998,10 +9392,10 @@
               <mc:Fallback xmlns="">
                 <p:sp>
                   <p:nvSpPr>
-                    <p:cNvPr id="52" name="TextBox 51">
+                    <p:cNvPr id="82" name="TextBox 81">
                       <a:extLst>
                         <a:ext uri="{FF2B5EF4-FFF2-40B4-BE49-F238E27FC236}">
-                          <a16:creationId xmlns:a16="http://schemas.microsoft.com/office/drawing/2014/main" id="{B846C461-A48F-490F-825E-061C06EE6DB1}"/>
+                          <a16:creationId xmlns:a16="http://schemas.microsoft.com/office/drawing/2014/main" id="{560DA672-A233-4C81-B207-D91EA6F0BF76}"/>
                         </a:ext>
                       </a:extLst>
                     </p:cNvPr>
@@ -5012,14 +9406,14 @@
                   </p:nvSpPr>
                   <p:spPr>
                     <a:xfrm>
-                      <a:off x="3306767" y="3033615"/>
-                      <a:ext cx="637000" cy="369332"/>
+                      <a:off x="3658708" y="4207689"/>
+                      <a:ext cx="466603" cy="369332"/>
                     </a:xfrm>
                     <a:prstGeom prst="rect">
                       <a:avLst/>
                     </a:prstGeom>
                     <a:blipFill>
-                      <a:blip r:embed="rId5"/>
+                      <a:blip r:embed="rId14"/>
                       <a:stretch>
                         <a:fillRect/>
                       </a:stretch>
@@ -5040,1386 +9434,13 @@
                 </p:sp>
               </mc:Fallback>
             </mc:AlternateContent>
-            <mc:AlternateContent xmlns:mc="http://schemas.openxmlformats.org/markup-compatibility/2006" xmlns:a14="http://schemas.microsoft.com/office/drawing/2010/main">
-              <mc:Choice Requires="a14">
-                <p:sp>
-                  <p:nvSpPr>
-                    <p:cNvPr id="53" name="TextBox 52">
-                      <a:extLst>
-                        <a:ext uri="{FF2B5EF4-FFF2-40B4-BE49-F238E27FC236}">
-                          <a16:creationId xmlns:a16="http://schemas.microsoft.com/office/drawing/2014/main" id="{4A2DA21E-7E2B-41DC-96BD-8AE182E5172C}"/>
-                        </a:ext>
-                      </a:extLst>
-                    </p:cNvPr>
-                    <p:cNvSpPr txBox="1"/>
-                    <p:nvPr/>
-                  </p:nvSpPr>
-                  <p:spPr>
-                    <a:xfrm>
-                      <a:off x="3006373" y="4720798"/>
-                      <a:ext cx="637000" cy="369332"/>
-                    </a:xfrm>
-                    <a:prstGeom prst="rect">
-                      <a:avLst/>
-                    </a:prstGeom>
-                    <a:noFill/>
-                  </p:spPr>
-                  <p:txBody>
-                    <a:bodyPr wrap="square" rtlCol="0">
-                      <a:spAutoFit/>
-                    </a:bodyPr>
-                    <a:lstStyle/>
-                    <a:p>
-                      <a:pPr/>
-                      <a14:m>
-                        <m:oMathPara xmlns:m="http://schemas.openxmlformats.org/officeDocument/2006/math">
-                          <m:oMathParaPr>
-                            <m:jc m:val="centerGroup"/>
-                          </m:oMathParaPr>
-                          <m:oMath xmlns:m="http://schemas.openxmlformats.org/officeDocument/2006/math">
-                            <m:sSub>
-                              <m:sSubPr>
-                                <m:ctrlPr>
-                                  <a:rPr lang="en-US" b="0" i="1" smtClean="0">
-                                    <a:latin typeface="Cambria Math" panose="02040503050406030204" pitchFamily="18" charset="0"/>
-                                  </a:rPr>
-                                </m:ctrlPr>
-                              </m:sSubPr>
-                              <m:e>
-                                <m:r>
-                                  <a:rPr lang="en-US" b="0" i="1" smtClean="0">
-                                    <a:latin typeface="Cambria Math" panose="02040503050406030204" pitchFamily="18" charset="0"/>
-                                  </a:rPr>
-                                  <m:t>𝜃</m:t>
-                                </m:r>
-                              </m:e>
-                              <m:sub>
-                                <m:r>
-                                  <a:rPr lang="en-US" b="0" i="1" smtClean="0">
-                                    <a:latin typeface="Cambria Math" panose="02040503050406030204" pitchFamily="18" charset="0"/>
-                                  </a:rPr>
-                                  <m:t>𝑀</m:t>
-                                </m:r>
-                                <m:r>
-                                  <a:rPr lang="en-US" b="0" i="1" smtClean="0">
-                                    <a:latin typeface="Cambria Math" panose="02040503050406030204" pitchFamily="18" charset="0"/>
-                                  </a:rPr>
-                                  <m:t>2</m:t>
-                                </m:r>
-                              </m:sub>
-                            </m:sSub>
-                          </m:oMath>
-                        </m:oMathPara>
-                      </a14:m>
-                      <a:endParaRPr lang="en-US" dirty="0"/>
-                    </a:p>
-                  </p:txBody>
-                </p:sp>
-              </mc:Choice>
-              <mc:Fallback xmlns="">
-                <p:sp>
-                  <p:nvSpPr>
-                    <p:cNvPr id="53" name="TextBox 52">
-                      <a:extLst>
-                        <a:ext uri="{FF2B5EF4-FFF2-40B4-BE49-F238E27FC236}">
-                          <a16:creationId xmlns:a16="http://schemas.microsoft.com/office/drawing/2014/main" id="{4A2DA21E-7E2B-41DC-96BD-8AE182E5172C}"/>
-                        </a:ext>
-                      </a:extLst>
-                    </p:cNvPr>
-                    <p:cNvSpPr txBox="1">
-                      <a:spLocks noRot="1" noChangeAspect="1" noMove="1" noResize="1" noEditPoints="1" noAdjustHandles="1" noChangeArrowheads="1" noChangeShapeType="1" noTextEdit="1"/>
-                    </p:cNvSpPr>
-                    <p:nvPr/>
-                  </p:nvSpPr>
-                  <p:spPr>
-                    <a:xfrm>
-                      <a:off x="3006373" y="4720798"/>
-                      <a:ext cx="637000" cy="369332"/>
-                    </a:xfrm>
-                    <a:prstGeom prst="rect">
-                      <a:avLst/>
-                    </a:prstGeom>
-                    <a:blipFill>
-                      <a:blip r:embed="rId6"/>
-                      <a:stretch>
-                        <a:fillRect/>
-                      </a:stretch>
-                    </a:blipFill>
-                  </p:spPr>
-                  <p:txBody>
-                    <a:bodyPr/>
-                    <a:lstStyle/>
-                    <a:p>
-                      <a:r>
-                        <a:rPr lang="en-US">
-                          <a:noFill/>
-                        </a:rPr>
-                        <a:t> </a:t>
-                      </a:r>
-                    </a:p>
-                  </p:txBody>
-                </p:sp>
-              </mc:Fallback>
-            </mc:AlternateContent>
-            <p:cxnSp>
-              <p:nvCxnSpPr>
-                <p:cNvPr id="55" name="Straight Arrow Connector 54">
-                  <a:extLst>
-                    <a:ext uri="{FF2B5EF4-FFF2-40B4-BE49-F238E27FC236}">
-                      <a16:creationId xmlns:a16="http://schemas.microsoft.com/office/drawing/2014/main" id="{FD377320-2676-418B-B892-BB64BFB327F7}"/>
-                    </a:ext>
-                  </a:extLst>
-                </p:cNvPr>
-                <p:cNvCxnSpPr>
-                  <a:cxnSpLocks/>
-                </p:cNvCxnSpPr>
-                <p:nvPr/>
-              </p:nvCxnSpPr>
-              <p:spPr>
-                <a:xfrm flipV="1">
-                  <a:off x="3418395" y="4731195"/>
-                  <a:ext cx="226279" cy="107635"/>
-                </a:xfrm>
-                <a:prstGeom prst="straightConnector1">
-                  <a:avLst/>
-                </a:prstGeom>
-                <a:ln>
-                  <a:tailEnd type="triangle"/>
-                </a:ln>
-              </p:spPr>
-              <p:style>
-                <a:lnRef idx="1">
-                  <a:schemeClr val="accent1"/>
-                </a:lnRef>
-                <a:fillRef idx="0">
-                  <a:schemeClr val="accent1"/>
-                </a:fillRef>
-                <a:effectRef idx="0">
-                  <a:schemeClr val="accent1"/>
-                </a:effectRef>
-                <a:fontRef idx="minor">
-                  <a:schemeClr val="tx1"/>
-                </a:fontRef>
-              </p:style>
-            </p:cxnSp>
-            <mc:AlternateContent xmlns:mc="http://schemas.openxmlformats.org/markup-compatibility/2006" xmlns:a14="http://schemas.microsoft.com/office/drawing/2010/main">
-              <mc:Choice Requires="a14">
-                <p:sp>
-                  <p:nvSpPr>
-                    <p:cNvPr id="58" name="TextBox 57">
-                      <a:extLst>
-                        <a:ext uri="{FF2B5EF4-FFF2-40B4-BE49-F238E27FC236}">
-                          <a16:creationId xmlns:a16="http://schemas.microsoft.com/office/drawing/2014/main" id="{AA267F40-700B-4A25-92D6-5D0F7191C466}"/>
-                        </a:ext>
-                      </a:extLst>
-                    </p:cNvPr>
-                    <p:cNvSpPr txBox="1"/>
-                    <p:nvPr/>
-                  </p:nvSpPr>
-                  <p:spPr>
-                    <a:xfrm>
-                      <a:off x="3797444" y="2707592"/>
-                      <a:ext cx="637000" cy="369332"/>
-                    </a:xfrm>
-                    <a:prstGeom prst="rect">
-                      <a:avLst/>
-                    </a:prstGeom>
-                    <a:noFill/>
-                  </p:spPr>
-                  <p:txBody>
-                    <a:bodyPr wrap="square" rtlCol="0">
-                      <a:spAutoFit/>
-                    </a:bodyPr>
-                    <a:lstStyle/>
-                    <a:p>
-                      <a:pPr/>
-                      <a14:m>
-                        <m:oMathPara xmlns:m="http://schemas.openxmlformats.org/officeDocument/2006/math">
-                          <m:oMathParaPr>
-                            <m:jc m:val="centerGroup"/>
-                          </m:oMathParaPr>
-                          <m:oMath xmlns:m="http://schemas.openxmlformats.org/officeDocument/2006/math">
-                            <m:r>
-                              <a:rPr lang="en-US" b="0" i="1" smtClean="0">
-                                <a:solidFill>
-                                  <a:schemeClr val="accent1"/>
-                                </a:solidFill>
-                                <a:latin typeface="Cambria Math" panose="02040503050406030204" pitchFamily="18" charset="0"/>
-                              </a:rPr>
-                              <m:t>𝑀</m:t>
-                            </m:r>
-                            <m:r>
-                              <a:rPr lang="en-US" b="0" i="1" smtClean="0">
-                                <a:solidFill>
-                                  <a:schemeClr val="accent1"/>
-                                </a:solidFill>
-                                <a:latin typeface="Cambria Math" panose="02040503050406030204" pitchFamily="18" charset="0"/>
-                              </a:rPr>
-                              <m:t>1</m:t>
-                            </m:r>
-                          </m:oMath>
-                        </m:oMathPara>
-                      </a14:m>
-                      <a:endParaRPr lang="en-US" dirty="0">
-                        <a:solidFill>
-                          <a:schemeClr val="accent1"/>
-                        </a:solidFill>
-                      </a:endParaRPr>
-                    </a:p>
-                  </p:txBody>
-                </p:sp>
-              </mc:Choice>
-              <mc:Fallback xmlns="">
-                <p:sp>
-                  <p:nvSpPr>
-                    <p:cNvPr id="58" name="TextBox 57">
-                      <a:extLst>
-                        <a:ext uri="{FF2B5EF4-FFF2-40B4-BE49-F238E27FC236}">
-                          <a16:creationId xmlns:a16="http://schemas.microsoft.com/office/drawing/2014/main" id="{AA267F40-700B-4A25-92D6-5D0F7191C466}"/>
-                        </a:ext>
-                      </a:extLst>
-                    </p:cNvPr>
-                    <p:cNvSpPr txBox="1">
-                      <a:spLocks noRot="1" noChangeAspect="1" noMove="1" noResize="1" noEditPoints="1" noAdjustHandles="1" noChangeArrowheads="1" noChangeShapeType="1" noTextEdit="1"/>
-                    </p:cNvSpPr>
-                    <p:nvPr/>
-                  </p:nvSpPr>
-                  <p:spPr>
-                    <a:xfrm>
-                      <a:off x="3797444" y="2707592"/>
-                      <a:ext cx="637000" cy="369332"/>
-                    </a:xfrm>
-                    <a:prstGeom prst="rect">
-                      <a:avLst/>
-                    </a:prstGeom>
-                    <a:blipFill>
-                      <a:blip r:embed="rId7"/>
-                      <a:stretch>
-                        <a:fillRect/>
-                      </a:stretch>
-                    </a:blipFill>
-                  </p:spPr>
-                  <p:txBody>
-                    <a:bodyPr/>
-                    <a:lstStyle/>
-                    <a:p>
-                      <a:r>
-                        <a:rPr lang="en-US">
-                          <a:noFill/>
-                        </a:rPr>
-                        <a:t> </a:t>
-                      </a:r>
-                    </a:p>
-                  </p:txBody>
-                </p:sp>
-              </mc:Fallback>
-            </mc:AlternateContent>
-            <mc:AlternateContent xmlns:mc="http://schemas.openxmlformats.org/markup-compatibility/2006" xmlns:a14="http://schemas.microsoft.com/office/drawing/2010/main">
-              <mc:Choice Requires="a14">
-                <p:sp>
-                  <p:nvSpPr>
-                    <p:cNvPr id="59" name="TextBox 58">
-                      <a:extLst>
-                        <a:ext uri="{FF2B5EF4-FFF2-40B4-BE49-F238E27FC236}">
-                          <a16:creationId xmlns:a16="http://schemas.microsoft.com/office/drawing/2014/main" id="{5020F38C-27EC-4C4C-BAEB-BCE23E0A9446}"/>
-                        </a:ext>
-                      </a:extLst>
-                    </p:cNvPr>
-                    <p:cNvSpPr txBox="1"/>
-                    <p:nvPr/>
-                  </p:nvSpPr>
-                  <p:spPr>
-                    <a:xfrm>
-                      <a:off x="3059123" y="4283461"/>
-                      <a:ext cx="637000" cy="369332"/>
-                    </a:xfrm>
-                    <a:prstGeom prst="rect">
-                      <a:avLst/>
-                    </a:prstGeom>
-                    <a:noFill/>
-                  </p:spPr>
-                  <p:txBody>
-                    <a:bodyPr wrap="square" rtlCol="0">
-                      <a:spAutoFit/>
-                    </a:bodyPr>
-                    <a:lstStyle/>
-                    <a:p>
-                      <a:pPr/>
-                      <a14:m>
-                        <m:oMathPara xmlns:m="http://schemas.openxmlformats.org/officeDocument/2006/math">
-                          <m:oMathParaPr>
-                            <m:jc m:val="centerGroup"/>
-                          </m:oMathParaPr>
-                          <m:oMath xmlns:m="http://schemas.openxmlformats.org/officeDocument/2006/math">
-                            <m:r>
-                              <a:rPr lang="en-US" b="0" i="1" smtClean="0">
-                                <a:solidFill>
-                                  <a:schemeClr val="accent1"/>
-                                </a:solidFill>
-                                <a:latin typeface="Cambria Math" panose="02040503050406030204" pitchFamily="18" charset="0"/>
-                              </a:rPr>
-                              <m:t>𝑀</m:t>
-                            </m:r>
-                            <m:r>
-                              <a:rPr lang="en-US" b="0" i="1" smtClean="0">
-                                <a:solidFill>
-                                  <a:schemeClr val="accent1"/>
-                                </a:solidFill>
-                                <a:latin typeface="Cambria Math" panose="02040503050406030204" pitchFamily="18" charset="0"/>
-                              </a:rPr>
-                              <m:t>2</m:t>
-                            </m:r>
-                          </m:oMath>
-                        </m:oMathPara>
-                      </a14:m>
-                      <a:endParaRPr lang="en-US" dirty="0">
-                        <a:solidFill>
-                          <a:schemeClr val="accent1"/>
-                        </a:solidFill>
-                      </a:endParaRPr>
-                    </a:p>
-                  </p:txBody>
-                </p:sp>
-              </mc:Choice>
-              <mc:Fallback xmlns="">
-                <p:sp>
-                  <p:nvSpPr>
-                    <p:cNvPr id="59" name="TextBox 58">
-                      <a:extLst>
-                        <a:ext uri="{FF2B5EF4-FFF2-40B4-BE49-F238E27FC236}">
-                          <a16:creationId xmlns:a16="http://schemas.microsoft.com/office/drawing/2014/main" id="{5020F38C-27EC-4C4C-BAEB-BCE23E0A9446}"/>
-                        </a:ext>
-                      </a:extLst>
-                    </p:cNvPr>
-                    <p:cNvSpPr txBox="1">
-                      <a:spLocks noRot="1" noChangeAspect="1" noMove="1" noResize="1" noEditPoints="1" noAdjustHandles="1" noChangeArrowheads="1" noChangeShapeType="1" noTextEdit="1"/>
-                    </p:cNvSpPr>
-                    <p:nvPr/>
-                  </p:nvSpPr>
-                  <p:spPr>
-                    <a:xfrm>
-                      <a:off x="3059123" y="4283461"/>
-                      <a:ext cx="637000" cy="369332"/>
-                    </a:xfrm>
-                    <a:prstGeom prst="rect">
-                      <a:avLst/>
-                    </a:prstGeom>
-                    <a:blipFill>
-                      <a:blip r:embed="rId8"/>
-                      <a:stretch>
-                        <a:fillRect/>
-                      </a:stretch>
-                    </a:blipFill>
-                  </p:spPr>
-                  <p:txBody>
-                    <a:bodyPr/>
-                    <a:lstStyle/>
-                    <a:p>
-                      <a:r>
-                        <a:rPr lang="en-US">
-                          <a:noFill/>
-                        </a:rPr>
-                        <a:t> </a:t>
-                      </a:r>
-                    </a:p>
-                  </p:txBody>
-                </p:sp>
-              </mc:Fallback>
-            </mc:AlternateContent>
-            <mc:AlternateContent xmlns:mc="http://schemas.openxmlformats.org/markup-compatibility/2006" xmlns:a14="http://schemas.microsoft.com/office/drawing/2010/main">
-              <mc:Choice Requires="a14">
-                <p:sp>
-                  <p:nvSpPr>
-                    <p:cNvPr id="60" name="TextBox 59">
-                      <a:extLst>
-                        <a:ext uri="{FF2B5EF4-FFF2-40B4-BE49-F238E27FC236}">
-                          <a16:creationId xmlns:a16="http://schemas.microsoft.com/office/drawing/2014/main" id="{821A5169-C842-47F2-83EC-21A49E593B2A}"/>
-                        </a:ext>
-                      </a:extLst>
-                    </p:cNvPr>
-                    <p:cNvSpPr txBox="1"/>
-                    <p:nvPr/>
-                  </p:nvSpPr>
-                  <p:spPr>
-                    <a:xfrm>
-                      <a:off x="5504323" y="4774023"/>
-                      <a:ext cx="637000" cy="369332"/>
-                    </a:xfrm>
-                    <a:prstGeom prst="rect">
-                      <a:avLst/>
-                    </a:prstGeom>
-                    <a:noFill/>
-                  </p:spPr>
-                  <p:txBody>
-                    <a:bodyPr wrap="square" rtlCol="0">
-                      <a:spAutoFit/>
-                    </a:bodyPr>
-                    <a:lstStyle/>
-                    <a:p>
-                      <a:pPr/>
-                      <a14:m>
-                        <m:oMathPara xmlns:m="http://schemas.openxmlformats.org/officeDocument/2006/math">
-                          <m:oMathParaPr>
-                            <m:jc m:val="centerGroup"/>
-                          </m:oMathParaPr>
-                          <m:oMath xmlns:m="http://schemas.openxmlformats.org/officeDocument/2006/math">
-                            <m:r>
-                              <a:rPr lang="en-US" b="0" i="1" smtClean="0">
-                                <a:solidFill>
-                                  <a:schemeClr val="accent1"/>
-                                </a:solidFill>
-                                <a:latin typeface="Cambria Math" panose="02040503050406030204" pitchFamily="18" charset="0"/>
-                              </a:rPr>
-                              <m:t>𝑊</m:t>
-                            </m:r>
-                          </m:oMath>
-                        </m:oMathPara>
-                      </a14:m>
-                      <a:endParaRPr lang="en-US" dirty="0">
-                        <a:solidFill>
-                          <a:schemeClr val="accent1"/>
-                        </a:solidFill>
-                      </a:endParaRPr>
-                    </a:p>
-                  </p:txBody>
-                </p:sp>
-              </mc:Choice>
-              <mc:Fallback xmlns="">
-                <p:sp>
-                  <p:nvSpPr>
-                    <p:cNvPr id="60" name="TextBox 59">
-                      <a:extLst>
-                        <a:ext uri="{FF2B5EF4-FFF2-40B4-BE49-F238E27FC236}">
-                          <a16:creationId xmlns:a16="http://schemas.microsoft.com/office/drawing/2014/main" id="{821A5169-C842-47F2-83EC-21A49E593B2A}"/>
-                        </a:ext>
-                      </a:extLst>
-                    </p:cNvPr>
-                    <p:cNvSpPr txBox="1">
-                      <a:spLocks noRot="1" noChangeAspect="1" noMove="1" noResize="1" noEditPoints="1" noAdjustHandles="1" noChangeArrowheads="1" noChangeShapeType="1" noTextEdit="1"/>
-                    </p:cNvSpPr>
-                    <p:nvPr/>
-                  </p:nvSpPr>
-                  <p:spPr>
-                    <a:xfrm>
-                      <a:off x="5504323" y="4774023"/>
-                      <a:ext cx="637000" cy="369332"/>
-                    </a:xfrm>
-                    <a:prstGeom prst="rect">
-                      <a:avLst/>
-                    </a:prstGeom>
-                    <a:blipFill>
-                      <a:blip r:embed="rId9"/>
-                      <a:stretch>
-                        <a:fillRect/>
-                      </a:stretch>
-                    </a:blipFill>
-                  </p:spPr>
-                  <p:txBody>
-                    <a:bodyPr/>
-                    <a:lstStyle/>
-                    <a:p>
-                      <a:r>
-                        <a:rPr lang="en-US">
-                          <a:noFill/>
-                        </a:rPr>
-                        <a:t> </a:t>
-                      </a:r>
-                    </a:p>
-                  </p:txBody>
-                </p:sp>
-              </mc:Fallback>
-            </mc:AlternateContent>
-            <mc:AlternateContent xmlns:mc="http://schemas.openxmlformats.org/markup-compatibility/2006" xmlns:a14="http://schemas.microsoft.com/office/drawing/2010/main">
-              <mc:Choice Requires="a14">
-                <p:sp>
-                  <p:nvSpPr>
-                    <p:cNvPr id="61" name="TextBox 60">
-                      <a:extLst>
-                        <a:ext uri="{FF2B5EF4-FFF2-40B4-BE49-F238E27FC236}">
-                          <a16:creationId xmlns:a16="http://schemas.microsoft.com/office/drawing/2014/main" id="{7A4BE410-F16C-42B7-A0AD-16ED92E98E4A}"/>
-                        </a:ext>
-                      </a:extLst>
-                    </p:cNvPr>
-                    <p:cNvSpPr txBox="1"/>
-                    <p:nvPr/>
-                  </p:nvSpPr>
-                  <p:spPr>
-                    <a:xfrm>
-                      <a:off x="4951650" y="5541262"/>
-                      <a:ext cx="178643" cy="369332"/>
-                    </a:xfrm>
-                    <a:prstGeom prst="rect">
-                      <a:avLst/>
-                    </a:prstGeom>
-                    <a:noFill/>
-                  </p:spPr>
-                  <p:txBody>
-                    <a:bodyPr wrap="square" rtlCol="0">
-                      <a:spAutoFit/>
-                    </a:bodyPr>
-                    <a:lstStyle/>
-                    <a:p>
-                      <a:pPr/>
-                      <a14:m>
-                        <m:oMathPara xmlns:m="http://schemas.openxmlformats.org/officeDocument/2006/math">
-                          <m:oMathParaPr>
-                            <m:jc m:val="centerGroup"/>
-                          </m:oMathParaPr>
-                          <m:oMath xmlns:m="http://schemas.openxmlformats.org/officeDocument/2006/math">
-                            <m:sSub>
-                              <m:sSubPr>
-                                <m:ctrlPr>
-                                  <a:rPr lang="en-US" b="0" i="1" smtClean="0">
-                                    <a:latin typeface="Cambria Math" panose="02040503050406030204" pitchFamily="18" charset="0"/>
-                                  </a:rPr>
-                                </m:ctrlPr>
-                              </m:sSubPr>
-                              <m:e>
-                                <m:r>
-                                  <a:rPr lang="en-US" b="0" i="1" smtClean="0">
-                                    <a:latin typeface="Cambria Math" panose="02040503050406030204" pitchFamily="18" charset="0"/>
-                                  </a:rPr>
-                                  <m:t>𝜃</m:t>
-                                </m:r>
-                              </m:e>
-                              <m:sub>
-                                <m:r>
-                                  <a:rPr lang="en-US" b="0" i="1" smtClean="0">
-                                    <a:latin typeface="Cambria Math" panose="02040503050406030204" pitchFamily="18" charset="0"/>
-                                  </a:rPr>
-                                  <m:t>1</m:t>
-                                </m:r>
-                                <m:r>
-                                  <a:rPr lang="en-US" b="0" i="1" smtClean="0">
-                                    <a:latin typeface="Cambria Math" panose="02040503050406030204" pitchFamily="18" charset="0"/>
-                                  </a:rPr>
-                                  <m:t>𝑊</m:t>
-                                </m:r>
-                              </m:sub>
-                            </m:sSub>
-                          </m:oMath>
-                        </m:oMathPara>
-                      </a14:m>
-                      <a:endParaRPr lang="en-US" dirty="0"/>
-                    </a:p>
-                  </p:txBody>
-                </p:sp>
-              </mc:Choice>
-              <mc:Fallback xmlns="">
-                <p:sp>
-                  <p:nvSpPr>
-                    <p:cNvPr id="61" name="TextBox 60">
-                      <a:extLst>
-                        <a:ext uri="{FF2B5EF4-FFF2-40B4-BE49-F238E27FC236}">
-                          <a16:creationId xmlns:a16="http://schemas.microsoft.com/office/drawing/2014/main" id="{7A4BE410-F16C-42B7-A0AD-16ED92E98E4A}"/>
-                        </a:ext>
-                      </a:extLst>
-                    </p:cNvPr>
-                    <p:cNvSpPr txBox="1">
-                      <a:spLocks noRot="1" noChangeAspect="1" noMove="1" noResize="1" noEditPoints="1" noAdjustHandles="1" noChangeArrowheads="1" noChangeShapeType="1" noTextEdit="1"/>
-                    </p:cNvSpPr>
-                    <p:nvPr/>
-                  </p:nvSpPr>
-                  <p:spPr>
-                    <a:xfrm>
-                      <a:off x="4951650" y="5541262"/>
-                      <a:ext cx="178643" cy="369332"/>
-                    </a:xfrm>
-                    <a:prstGeom prst="rect">
-                      <a:avLst/>
-                    </a:prstGeom>
-                    <a:blipFill>
-                      <a:blip r:embed="rId10"/>
-                      <a:stretch>
-                        <a:fillRect r="-190000"/>
-                      </a:stretch>
-                    </a:blipFill>
-                  </p:spPr>
-                  <p:txBody>
-                    <a:bodyPr/>
-                    <a:lstStyle/>
-                    <a:p>
-                      <a:r>
-                        <a:rPr lang="en-US">
-                          <a:noFill/>
-                        </a:rPr>
-                        <a:t> </a:t>
-                      </a:r>
-                    </a:p>
-                  </p:txBody>
-                </p:sp>
-              </mc:Fallback>
-            </mc:AlternateContent>
-            <p:sp>
-              <p:nvSpPr>
-                <p:cNvPr id="62" name="Arc 61">
-                  <a:extLst>
-                    <a:ext uri="{FF2B5EF4-FFF2-40B4-BE49-F238E27FC236}">
-                      <a16:creationId xmlns:a16="http://schemas.microsoft.com/office/drawing/2014/main" id="{A2C758D4-95CC-436B-8207-839AB072253F}"/>
-                    </a:ext>
-                  </a:extLst>
-                </p:cNvPr>
-                <p:cNvSpPr/>
-                <p:nvPr/>
-              </p:nvSpPr>
-              <p:spPr>
-                <a:xfrm rot="5630690">
-                  <a:off x="3725557" y="4832207"/>
-                  <a:ext cx="914400" cy="914400"/>
-                </a:xfrm>
-                <a:prstGeom prst="arc">
-                  <a:avLst>
-                    <a:gd name="adj1" fmla="val 15584901"/>
-                    <a:gd name="adj2" fmla="val 18366232"/>
-                  </a:avLst>
-                </a:prstGeom>
-                <a:ln>
-                  <a:solidFill>
-                    <a:schemeClr val="tx1"/>
-                  </a:solidFill>
-                </a:ln>
-              </p:spPr>
-              <p:style>
-                <a:lnRef idx="1">
-                  <a:schemeClr val="accent1"/>
-                </a:lnRef>
-                <a:fillRef idx="0">
-                  <a:schemeClr val="accent1"/>
-                </a:fillRef>
-                <a:effectRef idx="0">
-                  <a:schemeClr val="accent1"/>
-                </a:effectRef>
-                <a:fontRef idx="minor">
-                  <a:schemeClr val="tx1"/>
-                </a:fontRef>
-              </p:style>
-              <p:txBody>
-                <a:bodyPr rtlCol="0" anchor="ctr"/>
-                <a:lstStyle/>
-                <a:p>
-                  <a:pPr algn="ctr"/>
-                  <a:endParaRPr lang="en-US"/>
-                </a:p>
-              </p:txBody>
-            </p:sp>
-            <p:cxnSp>
-              <p:nvCxnSpPr>
-                <p:cNvPr id="64" name="Straight Arrow Connector 63">
-                  <a:extLst>
-                    <a:ext uri="{FF2B5EF4-FFF2-40B4-BE49-F238E27FC236}">
-                      <a16:creationId xmlns:a16="http://schemas.microsoft.com/office/drawing/2014/main" id="{A445BAEE-F5B6-4150-9028-F9F3ADAEB3EB}"/>
-                    </a:ext>
-                  </a:extLst>
-                </p:cNvPr>
-                <p:cNvCxnSpPr>
-                  <a:cxnSpLocks/>
-                  <a:stCxn id="61" idx="1"/>
-                </p:cNvCxnSpPr>
-                <p:nvPr/>
-              </p:nvCxnSpPr>
-              <p:spPr>
-                <a:xfrm flipH="1" flipV="1">
-                  <a:off x="4713034" y="5412972"/>
-                  <a:ext cx="238616" cy="312956"/>
-                </a:xfrm>
-                <a:prstGeom prst="straightConnector1">
-                  <a:avLst/>
-                </a:prstGeom>
-                <a:ln>
-                  <a:tailEnd type="triangle"/>
-                </a:ln>
-              </p:spPr>
-              <p:style>
-                <a:lnRef idx="1">
-                  <a:schemeClr val="accent1"/>
-                </a:lnRef>
-                <a:fillRef idx="0">
-                  <a:schemeClr val="accent1"/>
-                </a:fillRef>
-                <a:effectRef idx="0">
-                  <a:schemeClr val="accent1"/>
-                </a:effectRef>
-                <a:fontRef idx="minor">
-                  <a:schemeClr val="tx1"/>
-                </a:fontRef>
-              </p:style>
-            </p:cxnSp>
-            <mc:AlternateContent xmlns:mc="http://schemas.openxmlformats.org/markup-compatibility/2006" xmlns:a14="http://schemas.microsoft.com/office/drawing/2010/main">
-              <mc:Choice Requires="a14">
-                <p:sp>
-                  <p:nvSpPr>
-                    <p:cNvPr id="66" name="TextBox 65">
-                      <a:extLst>
-                        <a:ext uri="{FF2B5EF4-FFF2-40B4-BE49-F238E27FC236}">
-                          <a16:creationId xmlns:a16="http://schemas.microsoft.com/office/drawing/2014/main" id="{DF16CAD1-3788-46E1-884B-5B5D80F7C21B}"/>
-                        </a:ext>
-                      </a:extLst>
-                    </p:cNvPr>
-                    <p:cNvSpPr txBox="1"/>
-                    <p:nvPr/>
-                  </p:nvSpPr>
-                  <p:spPr>
-                    <a:xfrm>
-                      <a:off x="7112501" y="3142558"/>
-                      <a:ext cx="433498" cy="369332"/>
-                    </a:xfrm>
-                    <a:prstGeom prst="rect">
-                      <a:avLst/>
-                    </a:prstGeom>
-                    <a:noFill/>
-                  </p:spPr>
-                  <p:txBody>
-                    <a:bodyPr wrap="square" rtlCol="0">
-                      <a:spAutoFit/>
-                    </a:bodyPr>
-                    <a:lstStyle/>
-                    <a:p>
-                      <a:pPr/>
-                      <a14:m>
-                        <m:oMathPara xmlns:m="http://schemas.openxmlformats.org/officeDocument/2006/math">
-                          <m:oMathParaPr>
-                            <m:jc m:val="centerGroup"/>
-                          </m:oMathParaPr>
-                          <m:oMath xmlns:m="http://schemas.openxmlformats.org/officeDocument/2006/math">
-                            <m:r>
-                              <a:rPr lang="en-US" b="0" i="1" smtClean="0">
-                                <a:latin typeface="Cambria Math" panose="02040503050406030204" pitchFamily="18" charset="0"/>
-                              </a:rPr>
-                              <m:t>𝜙</m:t>
-                            </m:r>
-                          </m:oMath>
-                        </m:oMathPara>
-                      </a14:m>
-                      <a:endParaRPr lang="en-US" dirty="0"/>
-                    </a:p>
-                  </p:txBody>
-                </p:sp>
-              </mc:Choice>
-              <mc:Fallback xmlns="">
-                <p:sp>
-                  <p:nvSpPr>
-                    <p:cNvPr id="66" name="TextBox 65">
-                      <a:extLst>
-                        <a:ext uri="{FF2B5EF4-FFF2-40B4-BE49-F238E27FC236}">
-                          <a16:creationId xmlns:a16="http://schemas.microsoft.com/office/drawing/2014/main" id="{DF16CAD1-3788-46E1-884B-5B5D80F7C21B}"/>
-                        </a:ext>
-                      </a:extLst>
-                    </p:cNvPr>
-                    <p:cNvSpPr txBox="1">
-                      <a:spLocks noRot="1" noChangeAspect="1" noMove="1" noResize="1" noEditPoints="1" noAdjustHandles="1" noChangeArrowheads="1" noChangeShapeType="1" noTextEdit="1"/>
-                    </p:cNvSpPr>
-                    <p:nvPr/>
-                  </p:nvSpPr>
-                  <p:spPr>
-                    <a:xfrm>
-                      <a:off x="7112501" y="3142558"/>
-                      <a:ext cx="433498" cy="369332"/>
-                    </a:xfrm>
-                    <a:prstGeom prst="rect">
-                      <a:avLst/>
-                    </a:prstGeom>
-                    <a:blipFill>
-                      <a:blip r:embed="rId11"/>
-                      <a:stretch>
-                        <a:fillRect b="-13333"/>
-                      </a:stretch>
-                    </a:blipFill>
-                  </p:spPr>
-                  <p:txBody>
-                    <a:bodyPr/>
-                    <a:lstStyle/>
-                    <a:p>
-                      <a:r>
-                        <a:rPr lang="en-US">
-                          <a:noFill/>
-                        </a:rPr>
-                        <a:t> </a:t>
-                      </a:r>
-                    </a:p>
-                  </p:txBody>
-                </p:sp>
-              </mc:Fallback>
-            </mc:AlternateContent>
-            <p:sp>
-              <p:nvSpPr>
-                <p:cNvPr id="67" name="Arc 66">
-                  <a:extLst>
-                    <a:ext uri="{FF2B5EF4-FFF2-40B4-BE49-F238E27FC236}">
-                      <a16:creationId xmlns:a16="http://schemas.microsoft.com/office/drawing/2014/main" id="{587A41C4-9314-4536-81A8-D114F98AE1FF}"/>
-                    </a:ext>
-                  </a:extLst>
-                </p:cNvPr>
-                <p:cNvSpPr/>
-                <p:nvPr/>
-              </p:nvSpPr>
-              <p:spPr>
-                <a:xfrm rot="11299855">
-                  <a:off x="7196139" y="2731074"/>
-                  <a:ext cx="457200" cy="457200"/>
-                </a:xfrm>
-                <a:prstGeom prst="arc">
-                  <a:avLst>
-                    <a:gd name="adj1" fmla="val 14506315"/>
-                    <a:gd name="adj2" fmla="val 20415195"/>
-                  </a:avLst>
-                </a:prstGeom>
-                <a:ln w="19050">
-                  <a:solidFill>
-                    <a:schemeClr val="tx1"/>
-                  </a:solidFill>
-                </a:ln>
-              </p:spPr>
-              <p:style>
-                <a:lnRef idx="1">
-                  <a:schemeClr val="accent1"/>
-                </a:lnRef>
-                <a:fillRef idx="0">
-                  <a:schemeClr val="accent1"/>
-                </a:fillRef>
-                <a:effectRef idx="0">
-                  <a:schemeClr val="accent1"/>
-                </a:effectRef>
-                <a:fontRef idx="minor">
-                  <a:schemeClr val="tx1"/>
-                </a:fontRef>
-              </p:style>
-              <p:txBody>
-                <a:bodyPr rtlCol="0" anchor="ctr"/>
-                <a:lstStyle/>
-                <a:p>
-                  <a:pPr algn="ctr"/>
-                  <a:endParaRPr lang="en-US"/>
-                </a:p>
-              </p:txBody>
-            </p:sp>
-            <mc:AlternateContent xmlns:mc="http://schemas.openxmlformats.org/markup-compatibility/2006" xmlns:a14="http://schemas.microsoft.com/office/drawing/2010/main">
-              <mc:Choice Requires="a14">
-                <p:sp>
-                  <p:nvSpPr>
-                    <p:cNvPr id="69" name="TextBox 68">
-                      <a:extLst>
-                        <a:ext uri="{FF2B5EF4-FFF2-40B4-BE49-F238E27FC236}">
-                          <a16:creationId xmlns:a16="http://schemas.microsoft.com/office/drawing/2014/main" id="{15B5F424-B1D4-431B-80B9-19B54A0400B7}"/>
-                        </a:ext>
-                      </a:extLst>
-                    </p:cNvPr>
-                    <p:cNvSpPr txBox="1"/>
-                    <p:nvPr/>
-                  </p:nvSpPr>
-                  <p:spPr>
-                    <a:xfrm>
-                      <a:off x="5829479" y="4536132"/>
-                      <a:ext cx="637000" cy="369332"/>
-                    </a:xfrm>
-                    <a:prstGeom prst="rect">
-                      <a:avLst/>
-                    </a:prstGeom>
-                    <a:noFill/>
-                  </p:spPr>
-                  <p:txBody>
-                    <a:bodyPr wrap="square" rtlCol="0">
-                      <a:spAutoFit/>
-                    </a:bodyPr>
-                    <a:lstStyle/>
-                    <a:p>
-                      <a:pPr/>
-                      <a14:m>
-                        <m:oMathPara xmlns:m="http://schemas.openxmlformats.org/officeDocument/2006/math">
-                          <m:oMathParaPr>
-                            <m:jc m:val="centerGroup"/>
-                          </m:oMathParaPr>
-                          <m:oMath xmlns:m="http://schemas.openxmlformats.org/officeDocument/2006/math">
-                            <m:r>
-                              <a:rPr lang="en-US" b="0" i="1" smtClean="0">
-                                <a:latin typeface="Cambria Math" panose="02040503050406030204" pitchFamily="18" charset="0"/>
-                              </a:rPr>
-                              <m:t>𝜃</m:t>
-                            </m:r>
-                          </m:oMath>
-                        </m:oMathPara>
-                      </a14:m>
-                      <a:endParaRPr lang="en-US" dirty="0"/>
-                    </a:p>
-                  </p:txBody>
-                </p:sp>
-              </mc:Choice>
-              <mc:Fallback xmlns="">
-                <p:sp>
-                  <p:nvSpPr>
-                    <p:cNvPr id="69" name="TextBox 68">
-                      <a:extLst>
-                        <a:ext uri="{FF2B5EF4-FFF2-40B4-BE49-F238E27FC236}">
-                          <a16:creationId xmlns:a16="http://schemas.microsoft.com/office/drawing/2014/main" id="{15B5F424-B1D4-431B-80B9-19B54A0400B7}"/>
-                        </a:ext>
-                      </a:extLst>
-                    </p:cNvPr>
-                    <p:cNvSpPr txBox="1">
-                      <a:spLocks noRot="1" noChangeAspect="1" noMove="1" noResize="1" noEditPoints="1" noAdjustHandles="1" noChangeArrowheads="1" noChangeShapeType="1" noTextEdit="1"/>
-                    </p:cNvSpPr>
-                    <p:nvPr/>
-                  </p:nvSpPr>
-                  <p:spPr>
-                    <a:xfrm>
-                      <a:off x="5829479" y="4536132"/>
-                      <a:ext cx="637000" cy="369332"/>
-                    </a:xfrm>
-                    <a:prstGeom prst="rect">
-                      <a:avLst/>
-                    </a:prstGeom>
-                    <a:blipFill>
-                      <a:blip r:embed="rId12"/>
-                      <a:stretch>
-                        <a:fillRect/>
-                      </a:stretch>
-                    </a:blipFill>
-                  </p:spPr>
-                  <p:txBody>
-                    <a:bodyPr/>
-                    <a:lstStyle/>
-                    <a:p>
-                      <a:r>
-                        <a:rPr lang="en-US">
-                          <a:noFill/>
-                        </a:rPr>
-                        <a:t> </a:t>
-                      </a:r>
-                    </a:p>
-                  </p:txBody>
-                </p:sp>
-              </mc:Fallback>
-            </mc:AlternateContent>
-            <p:sp>
-              <p:nvSpPr>
-                <p:cNvPr id="70" name="Arc 69">
-                  <a:extLst>
-                    <a:ext uri="{FF2B5EF4-FFF2-40B4-BE49-F238E27FC236}">
-                      <a16:creationId xmlns:a16="http://schemas.microsoft.com/office/drawing/2014/main" id="{C14CFA89-9519-4401-BCC3-1810D6D688D6}"/>
-                    </a:ext>
-                  </a:extLst>
-                </p:cNvPr>
-                <p:cNvSpPr/>
-                <p:nvPr/>
-              </p:nvSpPr>
-              <p:spPr>
-                <a:xfrm rot="4861225">
-                  <a:off x="5566101" y="4299027"/>
-                  <a:ext cx="457200" cy="457200"/>
-                </a:xfrm>
-                <a:prstGeom prst="arc">
-                  <a:avLst>
-                    <a:gd name="adj1" fmla="val 17474688"/>
-                    <a:gd name="adj2" fmla="val 20415195"/>
-                  </a:avLst>
-                </a:prstGeom>
-                <a:ln w="19050">
-                  <a:solidFill>
-                    <a:schemeClr val="tx1"/>
-                  </a:solidFill>
-                </a:ln>
-              </p:spPr>
-              <p:style>
-                <a:lnRef idx="1">
-                  <a:schemeClr val="accent1"/>
-                </a:lnRef>
-                <a:fillRef idx="0">
-                  <a:schemeClr val="accent1"/>
-                </a:fillRef>
-                <a:effectRef idx="0">
-                  <a:schemeClr val="accent1"/>
-                </a:effectRef>
-                <a:fontRef idx="minor">
-                  <a:schemeClr val="tx1"/>
-                </a:fontRef>
-              </p:style>
-              <p:txBody>
-                <a:bodyPr rtlCol="0" anchor="ctr"/>
-                <a:lstStyle/>
-                <a:p>
-                  <a:pPr algn="ctr"/>
-                  <a:endParaRPr lang="en-US"/>
-                </a:p>
-              </p:txBody>
-            </p:sp>
-            <p:sp>
-              <p:nvSpPr>
-                <p:cNvPr id="72" name="Arc 71">
-                  <a:extLst>
-                    <a:ext uri="{FF2B5EF4-FFF2-40B4-BE49-F238E27FC236}">
-                      <a16:creationId xmlns:a16="http://schemas.microsoft.com/office/drawing/2014/main" id="{C9889EFD-B34F-4E5B-8CD7-2143C03C5C2B}"/>
-                    </a:ext>
-                  </a:extLst>
-                </p:cNvPr>
-                <p:cNvSpPr/>
-                <p:nvPr/>
-              </p:nvSpPr>
-              <p:spPr>
-                <a:xfrm rot="21302669">
-                  <a:off x="4252569" y="4615172"/>
-                  <a:ext cx="457200" cy="457200"/>
-                </a:xfrm>
-                <a:prstGeom prst="arc">
-                  <a:avLst>
-                    <a:gd name="adj1" fmla="val 18053513"/>
-                    <a:gd name="adj2" fmla="val 270937"/>
-                  </a:avLst>
-                </a:prstGeom>
-                <a:ln w="19050">
-                  <a:solidFill>
-                    <a:schemeClr val="tx1"/>
-                  </a:solidFill>
-                </a:ln>
-              </p:spPr>
-              <p:style>
-                <a:lnRef idx="1">
-                  <a:schemeClr val="accent1"/>
-                </a:lnRef>
-                <a:fillRef idx="0">
-                  <a:schemeClr val="accent1"/>
-                </a:fillRef>
-                <a:effectRef idx="0">
-                  <a:schemeClr val="accent1"/>
-                </a:effectRef>
-                <a:fontRef idx="minor">
-                  <a:schemeClr val="tx1"/>
-                </a:fontRef>
-              </p:style>
-              <p:txBody>
-                <a:bodyPr rtlCol="0" anchor="ctr"/>
-                <a:lstStyle/>
-                <a:p>
-                  <a:pPr algn="ctr"/>
-                  <a:endParaRPr lang="en-US"/>
-                </a:p>
-              </p:txBody>
-            </p:sp>
-            <p:sp>
-              <p:nvSpPr>
-                <p:cNvPr id="81" name="Arc 80">
-                  <a:extLst>
-                    <a:ext uri="{FF2B5EF4-FFF2-40B4-BE49-F238E27FC236}">
-                      <a16:creationId xmlns:a16="http://schemas.microsoft.com/office/drawing/2014/main" id="{E131971B-CDF4-4D55-A093-9164F0D8DFEE}"/>
-                    </a:ext>
-                  </a:extLst>
-                </p:cNvPr>
-                <p:cNvSpPr/>
-                <p:nvPr/>
-              </p:nvSpPr>
-              <p:spPr>
-                <a:xfrm rot="3541768">
-                  <a:off x="5126752" y="4027041"/>
-                  <a:ext cx="457200" cy="457200"/>
-                </a:xfrm>
-                <a:prstGeom prst="arc">
-                  <a:avLst>
-                    <a:gd name="adj1" fmla="val 14506315"/>
-                    <a:gd name="adj2" fmla="val 20415195"/>
-                  </a:avLst>
-                </a:prstGeom>
-                <a:ln w="19050">
-                  <a:solidFill>
-                    <a:schemeClr val="tx1"/>
-                  </a:solidFill>
-                </a:ln>
-              </p:spPr>
-              <p:style>
-                <a:lnRef idx="1">
-                  <a:schemeClr val="accent1"/>
-                </a:lnRef>
-                <a:fillRef idx="0">
-                  <a:schemeClr val="accent1"/>
-                </a:fillRef>
-                <a:effectRef idx="0">
-                  <a:schemeClr val="accent1"/>
-                </a:effectRef>
-                <a:fontRef idx="minor">
-                  <a:schemeClr val="tx1"/>
-                </a:fontRef>
-              </p:style>
-              <p:txBody>
-                <a:bodyPr rtlCol="0" anchor="ctr"/>
-                <a:lstStyle/>
-                <a:p>
-                  <a:pPr algn="ctr"/>
-                  <a:endParaRPr lang="en-US"/>
-                </a:p>
-              </p:txBody>
-            </p:sp>
           </p:grpSp>
-          <mc:AlternateContent xmlns:mc="http://schemas.openxmlformats.org/markup-compatibility/2006" xmlns:a14="http://schemas.microsoft.com/office/drawing/2010/main">
-            <mc:Choice Requires="a14">
-              <p:sp>
-                <p:nvSpPr>
-                  <p:cNvPr id="73" name="TextBox 72">
-                    <a:extLst>
-                      <a:ext uri="{FF2B5EF4-FFF2-40B4-BE49-F238E27FC236}">
-                        <a16:creationId xmlns:a16="http://schemas.microsoft.com/office/drawing/2014/main" id="{2B811F39-E81D-48FD-8075-D4D4B3533102}"/>
-                      </a:ext>
-                    </a:extLst>
-                  </p:cNvPr>
-                  <p:cNvSpPr txBox="1"/>
-                  <p:nvPr/>
-                </p:nvSpPr>
-                <p:spPr>
-                  <a:xfrm>
-                    <a:off x="2778997" y="4748205"/>
-                    <a:ext cx="466602" cy="369332"/>
-                  </a:xfrm>
-                  <a:prstGeom prst="rect">
-                    <a:avLst/>
-                  </a:prstGeom>
-                  <a:noFill/>
-                </p:spPr>
-                <p:txBody>
-                  <a:bodyPr wrap="none" rtlCol="0">
-                    <a:spAutoFit/>
-                  </a:bodyPr>
-                  <a:lstStyle/>
-                  <a:p>
-                    <a:pPr/>
-                    <a14:m>
-                      <m:oMathPara xmlns:m="http://schemas.openxmlformats.org/officeDocument/2006/math">
-                        <m:oMathParaPr>
-                          <m:jc m:val="centerGroup"/>
-                        </m:oMathParaPr>
-                        <m:oMath xmlns:m="http://schemas.openxmlformats.org/officeDocument/2006/math">
-                          <m:sSub>
-                            <m:sSubPr>
-                              <m:ctrlPr>
-                                <a:rPr lang="en-US" b="0" i="1" smtClean="0">
-                                  <a:latin typeface="Cambria Math" panose="02040503050406030204" pitchFamily="18" charset="0"/>
-                                </a:rPr>
-                              </m:ctrlPr>
-                            </m:sSubPr>
-                            <m:e>
-                              <m:r>
-                                <a:rPr lang="en-US" b="0" i="1" smtClean="0">
-                                  <a:latin typeface="Cambria Math" panose="02040503050406030204" pitchFamily="18" charset="0"/>
-                                </a:rPr>
-                                <m:t>𝜃</m:t>
-                              </m:r>
-                            </m:e>
-                            <m:sub>
-                              <m:r>
-                                <a:rPr lang="en-US" b="0" i="1" smtClean="0">
-                                  <a:latin typeface="Cambria Math" panose="02040503050406030204" pitchFamily="18" charset="0"/>
-                                </a:rPr>
-                                <m:t>3</m:t>
-                              </m:r>
-                            </m:sub>
-                          </m:sSub>
-                        </m:oMath>
-                      </m:oMathPara>
-                    </a14:m>
-                    <a:endParaRPr lang="en-US" dirty="0"/>
-                  </a:p>
-                </p:txBody>
-              </p:sp>
-            </mc:Choice>
-            <mc:Fallback xmlns="">
-              <p:sp>
-                <p:nvSpPr>
-                  <p:cNvPr id="73" name="TextBox 72">
-                    <a:extLst>
-                      <a:ext uri="{FF2B5EF4-FFF2-40B4-BE49-F238E27FC236}">
-                        <a16:creationId xmlns:a16="http://schemas.microsoft.com/office/drawing/2014/main" id="{2B811F39-E81D-48FD-8075-D4D4B3533102}"/>
-                      </a:ext>
-                    </a:extLst>
-                  </p:cNvPr>
-                  <p:cNvSpPr txBox="1">
-                    <a:spLocks noRot="1" noChangeAspect="1" noMove="1" noResize="1" noEditPoints="1" noAdjustHandles="1" noChangeArrowheads="1" noChangeShapeType="1" noTextEdit="1"/>
-                  </p:cNvSpPr>
-                  <p:nvPr/>
-                </p:nvSpPr>
-                <p:spPr>
-                  <a:xfrm>
-                    <a:off x="2778997" y="4748205"/>
-                    <a:ext cx="466602" cy="369332"/>
-                  </a:xfrm>
-                  <a:prstGeom prst="rect">
-                    <a:avLst/>
-                  </a:prstGeom>
-                  <a:blipFill>
-                    <a:blip r:embed="rId13"/>
-                    <a:stretch>
-                      <a:fillRect/>
-                    </a:stretch>
-                  </a:blipFill>
-                </p:spPr>
-                <p:txBody>
-                  <a:bodyPr/>
-                  <a:lstStyle/>
-                  <a:p>
-                    <a:r>
-                      <a:rPr lang="en-US">
-                        <a:noFill/>
-                      </a:rPr>
-                      <a:t> </a:t>
-                    </a:r>
-                  </a:p>
-                </p:txBody>
-              </p:sp>
-            </mc:Fallback>
-          </mc:AlternateContent>
-          <mc:AlternateContent xmlns:mc="http://schemas.openxmlformats.org/markup-compatibility/2006" xmlns:a14="http://schemas.microsoft.com/office/drawing/2010/main">
-            <mc:Choice Requires="a14">
-              <p:sp>
-                <p:nvSpPr>
-                  <p:cNvPr id="82" name="TextBox 81">
-                    <a:extLst>
-                      <a:ext uri="{FF2B5EF4-FFF2-40B4-BE49-F238E27FC236}">
-                        <a16:creationId xmlns:a16="http://schemas.microsoft.com/office/drawing/2014/main" id="{560DA672-A233-4C81-B207-D91EA6F0BF76}"/>
-                      </a:ext>
-                    </a:extLst>
-                  </p:cNvPr>
-                  <p:cNvSpPr txBox="1"/>
-                  <p:nvPr/>
-                </p:nvSpPr>
-                <p:spPr>
-                  <a:xfrm>
-                    <a:off x="3658708" y="4207689"/>
-                    <a:ext cx="466603" cy="369332"/>
-                  </a:xfrm>
-                  <a:prstGeom prst="rect">
-                    <a:avLst/>
-                  </a:prstGeom>
-                  <a:noFill/>
-                </p:spPr>
-                <p:txBody>
-                  <a:bodyPr wrap="none" rtlCol="0">
-                    <a:spAutoFit/>
-                  </a:bodyPr>
-                  <a:lstStyle/>
-                  <a:p>
-                    <a:pPr/>
-                    <a14:m>
-                      <m:oMathPara xmlns:m="http://schemas.openxmlformats.org/officeDocument/2006/math">
-                        <m:oMathParaPr>
-                          <m:jc m:val="centerGroup"/>
-                        </m:oMathParaPr>
-                        <m:oMath xmlns:m="http://schemas.openxmlformats.org/officeDocument/2006/math">
-                          <m:sSub>
-                            <m:sSubPr>
-                              <m:ctrlPr>
-                                <a:rPr lang="en-US" b="0" i="1" smtClean="0">
-                                  <a:latin typeface="Cambria Math" panose="02040503050406030204" pitchFamily="18" charset="0"/>
-                                </a:rPr>
-                              </m:ctrlPr>
-                            </m:sSubPr>
-                            <m:e>
-                              <m:r>
-                                <a:rPr lang="en-US" b="0" i="1" smtClean="0">
-                                  <a:latin typeface="Cambria Math" panose="02040503050406030204" pitchFamily="18" charset="0"/>
-                                </a:rPr>
-                                <m:t>𝜃</m:t>
-                              </m:r>
-                            </m:e>
-                            <m:sub>
-                              <m:r>
-                                <a:rPr lang="en-US" b="0" i="1" smtClean="0">
-                                  <a:latin typeface="Cambria Math" panose="02040503050406030204" pitchFamily="18" charset="0"/>
-                                </a:rPr>
-                                <m:t>2</m:t>
-                              </m:r>
-                            </m:sub>
-                          </m:sSub>
-                        </m:oMath>
-                      </m:oMathPara>
-                    </a14:m>
-                    <a:endParaRPr lang="en-US" dirty="0"/>
-                  </a:p>
-                </p:txBody>
-              </p:sp>
-            </mc:Choice>
-            <mc:Fallback xmlns="">
-              <p:sp>
-                <p:nvSpPr>
-                  <p:cNvPr id="82" name="TextBox 81">
-                    <a:extLst>
-                      <a:ext uri="{FF2B5EF4-FFF2-40B4-BE49-F238E27FC236}">
-                        <a16:creationId xmlns:a16="http://schemas.microsoft.com/office/drawing/2014/main" id="{560DA672-A233-4C81-B207-D91EA6F0BF76}"/>
-                      </a:ext>
-                    </a:extLst>
-                  </p:cNvPr>
-                  <p:cNvSpPr txBox="1">
-                    <a:spLocks noRot="1" noChangeAspect="1" noMove="1" noResize="1" noEditPoints="1" noAdjustHandles="1" noChangeArrowheads="1" noChangeShapeType="1" noTextEdit="1"/>
-                  </p:cNvSpPr>
-                  <p:nvPr/>
-                </p:nvSpPr>
-                <p:spPr>
-                  <a:xfrm>
-                    <a:off x="3658708" y="4207689"/>
-                    <a:ext cx="466603" cy="369332"/>
-                  </a:xfrm>
-                  <a:prstGeom prst="rect">
-                    <a:avLst/>
-                  </a:prstGeom>
-                  <a:blipFill>
-                    <a:blip r:embed="rId14"/>
-                    <a:stretch>
-                      <a:fillRect/>
-                    </a:stretch>
-                  </a:blipFill>
-                </p:spPr>
-                <p:txBody>
-                  <a:bodyPr/>
-                  <a:lstStyle/>
-                  <a:p>
-                    <a:r>
-                      <a:rPr lang="en-US">
-                        <a:noFill/>
-                      </a:rPr>
-                      <a:t> </a:t>
-                    </a:r>
-                  </a:p>
-                </p:txBody>
-              </p:sp>
-            </mc:Fallback>
-          </mc:AlternateContent>
-        </p:grpSp>
-        <p:sp>
-          <p:nvSpPr>
-            <p:cNvPr id="85" name="TextBox 84">
-              <a:extLst>
-                <a:ext uri="{FF2B5EF4-FFF2-40B4-BE49-F238E27FC236}">
-                  <a16:creationId xmlns:a16="http://schemas.microsoft.com/office/drawing/2014/main" id="{F316BE75-945D-427B-B2F9-4FEFC06124B5}"/>
-                </a:ext>
-              </a:extLst>
-            </p:cNvPr>
-            <p:cNvSpPr txBox="1"/>
-            <p:nvPr/>
-          </p:nvSpPr>
-          <p:spPr>
-            <a:xfrm>
-              <a:off x="5687264" y="4105678"/>
-              <a:ext cx="279579" cy="369332"/>
-            </a:xfrm>
-            <a:prstGeom prst="rect">
-              <a:avLst/>
-            </a:prstGeom>
-            <a:noFill/>
-          </p:spPr>
-          <p:txBody>
-            <a:bodyPr wrap="square" rtlCol="0">
-              <a:spAutoFit/>
-            </a:bodyPr>
-            <a:lstStyle/>
-            <a:p>
-              <a:r>
-                <a:rPr lang="en-US" dirty="0"/>
-                <a:t>s</a:t>
-              </a:r>
-            </a:p>
-          </p:txBody>
-        </p:sp>
-      </p:grpSp>
-      <mc:AlternateContent xmlns:mc="http://schemas.openxmlformats.org/markup-compatibility/2006" xmlns:a14="http://schemas.microsoft.com/office/drawing/2010/main">
-        <mc:Choice Requires="a14">
           <p:sp>
             <p:nvSpPr>
-              <p:cNvPr id="86" name="TextBox 85">
+              <p:cNvPr id="85" name="TextBox 84">
                 <a:extLst>
                   <a:ext uri="{FF2B5EF4-FFF2-40B4-BE49-F238E27FC236}">
-                    <a16:creationId xmlns:a16="http://schemas.microsoft.com/office/drawing/2014/main" id="{861B506C-AD52-4F68-8A89-DE7655C9D1F1}"/>
+                    <a16:creationId xmlns:a16="http://schemas.microsoft.com/office/drawing/2014/main" id="{F316BE75-945D-427B-B2F9-4FEFC06124B5}"/>
                   </a:ext>
                 </a:extLst>
               </p:cNvPr>
@@ -6428,7 +9449,7 @@
             </p:nvSpPr>
             <p:spPr>
               <a:xfrm>
-                <a:off x="1735842" y="4916591"/>
+                <a:off x="5687264" y="4105678"/>
                 <a:ext cx="279579" cy="369332"/>
               </a:xfrm>
               <a:prstGeom prst="rect">
@@ -6442,168 +9463,207 @@
               </a:bodyPr>
               <a:lstStyle/>
               <a:p>
-                <a:pPr/>
-                <a14:m>
-                  <m:oMathPara xmlns:m="http://schemas.openxmlformats.org/officeDocument/2006/math">
-                    <m:oMathParaPr>
-                      <m:jc m:val="centerGroup"/>
-                    </m:oMathParaPr>
-                    <m:oMath xmlns:m="http://schemas.openxmlformats.org/officeDocument/2006/math">
-                      <m:r>
-                        <a:rPr lang="en-US" b="0" i="1" smtClean="0">
-                          <a:latin typeface="Cambria Math" panose="02040503050406030204" pitchFamily="18" charset="0"/>
-                        </a:rPr>
-                        <m:t>𝑝</m:t>
-                      </m:r>
-                    </m:oMath>
-                  </m:oMathPara>
-                </a14:m>
-                <a:endParaRPr lang="en-US" dirty="0"/>
-              </a:p>
-            </p:txBody>
-          </p:sp>
-        </mc:Choice>
-        <mc:Fallback xmlns="">
-          <p:sp>
-            <p:nvSpPr>
-              <p:cNvPr id="86" name="TextBox 85">
-                <a:extLst>
-                  <a:ext uri="{FF2B5EF4-FFF2-40B4-BE49-F238E27FC236}">
-                    <a16:creationId xmlns:a16="http://schemas.microsoft.com/office/drawing/2014/main" id="{861B506C-AD52-4F68-8A89-DE7655C9D1F1}"/>
-                  </a:ext>
-                </a:extLst>
-              </p:cNvPr>
-              <p:cNvSpPr txBox="1">
-                <a:spLocks noRot="1" noChangeAspect="1" noMove="1" noResize="1" noEditPoints="1" noAdjustHandles="1" noChangeArrowheads="1" noChangeShapeType="1" noTextEdit="1"/>
-              </p:cNvSpPr>
-              <p:nvPr/>
-            </p:nvSpPr>
-            <p:spPr>
-              <a:xfrm>
-                <a:off x="1735842" y="4916591"/>
-                <a:ext cx="279579" cy="369332"/>
-              </a:xfrm>
-              <a:prstGeom prst="rect">
-                <a:avLst/>
-              </a:prstGeom>
-              <a:blipFill>
-                <a:blip r:embed="rId15"/>
-                <a:stretch>
-                  <a:fillRect r="-8696" b="-6667"/>
-                </a:stretch>
-              </a:blipFill>
-            </p:spPr>
-            <p:txBody>
-              <a:bodyPr/>
-              <a:lstStyle/>
-              <a:p>
                 <a:r>
-                  <a:rPr lang="en-US">
-                    <a:noFill/>
-                  </a:rPr>
-                  <a:t> </a:t>
+                  <a:rPr lang="en-US" dirty="0"/>
+                  <a:t>s</a:t>
                 </a:r>
               </a:p>
             </p:txBody>
           </p:sp>
-        </mc:Fallback>
-      </mc:AlternateContent>
-      <mc:AlternateContent xmlns:mc="http://schemas.openxmlformats.org/markup-compatibility/2006" xmlns:a14="http://schemas.microsoft.com/office/drawing/2010/main">
-        <mc:Choice Requires="a14">
-          <p:sp>
-            <p:nvSpPr>
-              <p:cNvPr id="87" name="TextBox 86">
-                <a:extLst>
-                  <a:ext uri="{FF2B5EF4-FFF2-40B4-BE49-F238E27FC236}">
-                    <a16:creationId xmlns:a16="http://schemas.microsoft.com/office/drawing/2014/main" id="{66EE739A-047F-4455-A9F7-6A0BEDD8B5FB}"/>
-                  </a:ext>
-                </a:extLst>
-              </p:cNvPr>
-              <p:cNvSpPr txBox="1"/>
-              <p:nvPr/>
-            </p:nvSpPr>
-            <p:spPr>
-              <a:xfrm>
-                <a:off x="5216436" y="2509163"/>
-                <a:ext cx="279579" cy="369332"/>
-              </a:xfrm>
-              <a:prstGeom prst="rect">
-                <a:avLst/>
-              </a:prstGeom>
-              <a:noFill/>
-            </p:spPr>
-            <p:txBody>
-              <a:bodyPr wrap="square" rtlCol="0">
-                <a:spAutoFit/>
-              </a:bodyPr>
-              <a:lstStyle/>
-              <a:p>
-                <a:pPr/>
-                <a14:m>
-                  <m:oMathPara xmlns:m="http://schemas.openxmlformats.org/officeDocument/2006/math">
-                    <m:oMathParaPr>
-                      <m:jc m:val="centerGroup"/>
-                    </m:oMathParaPr>
-                    <m:oMath xmlns:m="http://schemas.openxmlformats.org/officeDocument/2006/math">
-                      <m:r>
-                        <a:rPr lang="en-US" b="0" i="1" smtClean="0">
-                          <a:latin typeface="Cambria Math" panose="02040503050406030204" pitchFamily="18" charset="0"/>
-                        </a:rPr>
-                        <m:t>𝑜</m:t>
-                      </m:r>
-                    </m:oMath>
-                  </m:oMathPara>
-                </a14:m>
-                <a:endParaRPr lang="en-US" dirty="0"/>
-              </a:p>
-            </p:txBody>
-          </p:sp>
-        </mc:Choice>
-        <mc:Fallback xmlns="">
-          <p:sp>
-            <p:nvSpPr>
-              <p:cNvPr id="87" name="TextBox 86">
-                <a:extLst>
-                  <a:ext uri="{FF2B5EF4-FFF2-40B4-BE49-F238E27FC236}">
-                    <a16:creationId xmlns:a16="http://schemas.microsoft.com/office/drawing/2014/main" id="{66EE739A-047F-4455-A9F7-6A0BEDD8B5FB}"/>
-                  </a:ext>
-                </a:extLst>
-              </p:cNvPr>
-              <p:cNvSpPr txBox="1">
-                <a:spLocks noRot="1" noChangeAspect="1" noMove="1" noResize="1" noEditPoints="1" noAdjustHandles="1" noChangeArrowheads="1" noChangeShapeType="1" noTextEdit="1"/>
-              </p:cNvSpPr>
-              <p:nvPr/>
-            </p:nvSpPr>
-            <p:spPr>
-              <a:xfrm>
-                <a:off x="5216436" y="2509163"/>
-                <a:ext cx="279579" cy="369332"/>
-              </a:xfrm>
-              <a:prstGeom prst="rect">
-                <a:avLst/>
-              </a:prstGeom>
-              <a:blipFill>
-                <a:blip r:embed="rId16"/>
-                <a:stretch>
-                  <a:fillRect/>
-                </a:stretch>
-              </a:blipFill>
-            </p:spPr>
-            <p:txBody>
-              <a:bodyPr/>
-              <a:lstStyle/>
-              <a:p>
-                <a:r>
-                  <a:rPr lang="en-US">
-                    <a:noFill/>
-                  </a:rPr>
-                  <a:t> </a:t>
-                </a:r>
-              </a:p>
-            </p:txBody>
-          </p:sp>
-        </mc:Fallback>
-      </mc:AlternateContent>
+        </p:grpSp>
+        <mc:AlternateContent xmlns:mc="http://schemas.openxmlformats.org/markup-compatibility/2006">
+          <mc:Choice xmlns:a14="http://schemas.microsoft.com/office/drawing/2010/main" Requires="a14">
+            <p:sp>
+              <p:nvSpPr>
+                <p:cNvPr id="86" name="TextBox 85">
+                  <a:extLst>
+                    <a:ext uri="{FF2B5EF4-FFF2-40B4-BE49-F238E27FC236}">
+                      <a16:creationId xmlns:a16="http://schemas.microsoft.com/office/drawing/2014/main" id="{861B506C-AD52-4F68-8A89-DE7655C9D1F1}"/>
+                    </a:ext>
+                  </a:extLst>
+                </p:cNvPr>
+                <p:cNvSpPr txBox="1"/>
+                <p:nvPr/>
+              </p:nvSpPr>
+              <p:spPr>
+                <a:xfrm>
+                  <a:off x="1735842" y="4916591"/>
+                  <a:ext cx="279579" cy="369332"/>
+                </a:xfrm>
+                <a:prstGeom prst="rect">
+                  <a:avLst/>
+                </a:prstGeom>
+                <a:noFill/>
+              </p:spPr>
+              <p:txBody>
+                <a:bodyPr wrap="square" rtlCol="0">
+                  <a:spAutoFit/>
+                </a:bodyPr>
+                <a:lstStyle/>
+                <a:p>
+                  <a:pPr/>
+                  <a14:m>
+                    <m:oMathPara xmlns:m="http://schemas.openxmlformats.org/officeDocument/2006/math">
+                      <m:oMathParaPr>
+                        <m:jc m:val="centerGroup"/>
+                      </m:oMathParaPr>
+                      <m:oMath xmlns:m="http://schemas.openxmlformats.org/officeDocument/2006/math">
+                        <m:r>
+                          <a:rPr lang="en-US" b="0" i="1" smtClean="0">
+                            <a:latin typeface="Cambria Math" panose="02040503050406030204" pitchFamily="18" charset="0"/>
+                          </a:rPr>
+                          <m:t>𝑝</m:t>
+                        </m:r>
+                      </m:oMath>
+                    </m:oMathPara>
+                  </a14:m>
+                  <a:endParaRPr lang="en-US" dirty="0"/>
+                </a:p>
+              </p:txBody>
+            </p:sp>
+          </mc:Choice>
+          <mc:Fallback>
+            <p:sp>
+              <p:nvSpPr>
+                <p:cNvPr id="86" name="TextBox 85">
+                  <a:extLst>
+                    <a:ext uri="{FF2B5EF4-FFF2-40B4-BE49-F238E27FC236}">
+                      <a16:creationId xmlns:a16="http://schemas.microsoft.com/office/drawing/2014/main" id="{861B506C-AD52-4F68-8A89-DE7655C9D1F1}"/>
+                    </a:ext>
+                  </a:extLst>
+                </p:cNvPr>
+                <p:cNvSpPr txBox="1">
+                  <a:spLocks noRot="1" noChangeAspect="1" noMove="1" noResize="1" noEditPoints="1" noAdjustHandles="1" noChangeArrowheads="1" noChangeShapeType="1" noTextEdit="1"/>
+                </p:cNvSpPr>
+                <p:nvPr/>
+              </p:nvSpPr>
+              <p:spPr>
+                <a:xfrm>
+                  <a:off x="1735842" y="4916591"/>
+                  <a:ext cx="279579" cy="369332"/>
+                </a:xfrm>
+                <a:prstGeom prst="rect">
+                  <a:avLst/>
+                </a:prstGeom>
+                <a:blipFill>
+                  <a:blip r:embed="rId15"/>
+                  <a:stretch>
+                    <a:fillRect r="-8696" b="-6667"/>
+                  </a:stretch>
+                </a:blipFill>
+              </p:spPr>
+              <p:txBody>
+                <a:bodyPr/>
+                <a:lstStyle/>
+                <a:p>
+                  <a:r>
+                    <a:rPr lang="en-US">
+                      <a:noFill/>
+                    </a:rPr>
+                    <a:t> </a:t>
+                  </a:r>
+                </a:p>
+              </p:txBody>
+            </p:sp>
+          </mc:Fallback>
+        </mc:AlternateContent>
+        <mc:AlternateContent xmlns:mc="http://schemas.openxmlformats.org/markup-compatibility/2006">
+          <mc:Choice xmlns:a14="http://schemas.microsoft.com/office/drawing/2010/main" Requires="a14">
+            <p:sp>
+              <p:nvSpPr>
+                <p:cNvPr id="87" name="TextBox 86">
+                  <a:extLst>
+                    <a:ext uri="{FF2B5EF4-FFF2-40B4-BE49-F238E27FC236}">
+                      <a16:creationId xmlns:a16="http://schemas.microsoft.com/office/drawing/2014/main" id="{66EE739A-047F-4455-A9F7-6A0BEDD8B5FB}"/>
+                    </a:ext>
+                  </a:extLst>
+                </p:cNvPr>
+                <p:cNvSpPr txBox="1"/>
+                <p:nvPr/>
+              </p:nvSpPr>
+              <p:spPr>
+                <a:xfrm>
+                  <a:off x="5216436" y="2509163"/>
+                  <a:ext cx="279579" cy="369332"/>
+                </a:xfrm>
+                <a:prstGeom prst="rect">
+                  <a:avLst/>
+                </a:prstGeom>
+                <a:noFill/>
+              </p:spPr>
+              <p:txBody>
+                <a:bodyPr wrap="square" rtlCol="0">
+                  <a:spAutoFit/>
+                </a:bodyPr>
+                <a:lstStyle/>
+                <a:p>
+                  <a:pPr/>
+                  <a14:m>
+                    <m:oMathPara xmlns:m="http://schemas.openxmlformats.org/officeDocument/2006/math">
+                      <m:oMathParaPr>
+                        <m:jc m:val="centerGroup"/>
+                      </m:oMathParaPr>
+                      <m:oMath xmlns:m="http://schemas.openxmlformats.org/officeDocument/2006/math">
+                        <m:r>
+                          <a:rPr lang="en-US" b="0" i="1" smtClean="0">
+                            <a:latin typeface="Cambria Math" panose="02040503050406030204" pitchFamily="18" charset="0"/>
+                          </a:rPr>
+                          <m:t>𝑜</m:t>
+                        </m:r>
+                      </m:oMath>
+                    </m:oMathPara>
+                  </a14:m>
+                  <a:endParaRPr lang="en-US" dirty="0"/>
+                </a:p>
+              </p:txBody>
+            </p:sp>
+          </mc:Choice>
+          <mc:Fallback>
+            <p:sp>
+              <p:nvSpPr>
+                <p:cNvPr id="87" name="TextBox 86">
+                  <a:extLst>
+                    <a:ext uri="{FF2B5EF4-FFF2-40B4-BE49-F238E27FC236}">
+                      <a16:creationId xmlns:a16="http://schemas.microsoft.com/office/drawing/2014/main" id="{66EE739A-047F-4455-A9F7-6A0BEDD8B5FB}"/>
+                    </a:ext>
+                  </a:extLst>
+                </p:cNvPr>
+                <p:cNvSpPr txBox="1">
+                  <a:spLocks noRot="1" noChangeAspect="1" noMove="1" noResize="1" noEditPoints="1" noAdjustHandles="1" noChangeArrowheads="1" noChangeShapeType="1" noTextEdit="1"/>
+                </p:cNvSpPr>
+                <p:nvPr/>
+              </p:nvSpPr>
+              <p:spPr>
+                <a:xfrm>
+                  <a:off x="5216436" y="2509163"/>
+                  <a:ext cx="279579" cy="369332"/>
+                </a:xfrm>
+                <a:prstGeom prst="rect">
+                  <a:avLst/>
+                </a:prstGeom>
+                <a:blipFill>
+                  <a:blip r:embed="rId16"/>
+                  <a:stretch>
+                    <a:fillRect/>
+                  </a:stretch>
+                </a:blipFill>
+              </p:spPr>
+              <p:txBody>
+                <a:bodyPr/>
+                <a:lstStyle/>
+                <a:p>
+                  <a:r>
+                    <a:rPr lang="en-US">
+                      <a:noFill/>
+                    </a:rPr>
+                    <a:t> </a:t>
+                  </a:r>
+                </a:p>
+              </p:txBody>
+            </p:sp>
+          </mc:Fallback>
+        </mc:AlternateContent>
+      </p:grpSp>
       <p:grpSp>
         <p:nvGrpSpPr>
           <p:cNvPr id="92" name="Group 91">
@@ -6618,7 +9678,7 @@
         </p:nvGrpSpPr>
         <p:grpSpPr>
           <a:xfrm>
-            <a:off x="6784861" y="777181"/>
+            <a:off x="8606842" y="722198"/>
             <a:ext cx="5407139" cy="5473225"/>
             <a:chOff x="6953922" y="617987"/>
             <a:chExt cx="5407139" cy="5473225"/>
@@ -13036,8 +16096,8 @@
           </a:p>
         </p:txBody>
       </p:sp>
-      <mc:AlternateContent xmlns:mc="http://schemas.openxmlformats.org/markup-compatibility/2006" xmlns:a14="http://schemas.microsoft.com/office/drawing/2010/main">
-        <mc:Choice Requires="a14">
+      <mc:AlternateContent xmlns:mc="http://schemas.openxmlformats.org/markup-compatibility/2006">
+        <mc:Choice xmlns:a14="http://schemas.microsoft.com/office/drawing/2010/main" Requires="a14">
           <p:sp>
             <p:nvSpPr>
               <p:cNvPr id="89" name="TextBox 88">
@@ -13052,7 +16112,7 @@
             </p:nvSpPr>
             <p:spPr>
               <a:xfrm>
-                <a:off x="5825174" y="542962"/>
+                <a:off x="6272792" y="4049044"/>
                 <a:ext cx="6544476" cy="1896096"/>
               </a:xfrm>
               <a:prstGeom prst="rect">
@@ -13842,7 +16902,7 @@
             </p:txBody>
           </p:sp>
         </mc:Choice>
-        <mc:Fallback xmlns="">
+        <mc:Fallback>
           <p:sp>
             <p:nvSpPr>
               <p:cNvPr id="89" name="TextBox 88">
@@ -13859,7 +16919,7 @@
             </p:nvSpPr>
             <p:spPr>
               <a:xfrm>
-                <a:off x="5825174" y="542962"/>
+                <a:off x="6272792" y="4049044"/>
                 <a:ext cx="6544476" cy="1896096"/>
               </a:xfrm>
               <a:prstGeom prst="rect">
@@ -13887,8 +16947,8 @@
           </p:sp>
         </mc:Fallback>
       </mc:AlternateContent>
-      <mc:AlternateContent xmlns:mc="http://schemas.openxmlformats.org/markup-compatibility/2006" xmlns:a14="http://schemas.microsoft.com/office/drawing/2010/main">
-        <mc:Choice Requires="a14">
+      <mc:AlternateContent xmlns:mc="http://schemas.openxmlformats.org/markup-compatibility/2006">
+        <mc:Choice xmlns:a14="http://schemas.microsoft.com/office/drawing/2010/main" Requires="a14">
           <p:sp>
             <p:nvSpPr>
               <p:cNvPr id="93" name="Rectangle 92">
@@ -13903,7 +16963,7 @@
             </p:nvSpPr>
             <p:spPr>
               <a:xfrm>
-                <a:off x="2929217" y="1081050"/>
+                <a:off x="2007072" y="843757"/>
                 <a:ext cx="1577227" cy="369332"/>
               </a:xfrm>
               <a:prstGeom prst="rect">
@@ -13986,7 +17046,7 @@
             </p:txBody>
           </p:sp>
         </mc:Choice>
-        <mc:Fallback xmlns="">
+        <mc:Fallback>
           <p:sp>
             <p:nvSpPr>
               <p:cNvPr id="93" name="Rectangle 92">
@@ -14003,14 +17063,14 @@
             </p:nvSpPr>
             <p:spPr>
               <a:xfrm>
-                <a:off x="2929217" y="1081050"/>
+                <a:off x="2007072" y="843757"/>
                 <a:ext cx="1577227" cy="369332"/>
               </a:xfrm>
               <a:prstGeom prst="rect">
                 <a:avLst/>
               </a:prstGeom>
               <a:blipFill>
-                <a:blip r:embed="rId17"/>
+                <a:blip r:embed="rId3"/>
                 <a:stretch>
                   <a:fillRect b="-13115"/>
                 </a:stretch>
@@ -15109,7 +18169,7 @@
                           <a:avLst/>
                         </a:prstGeom>
                         <a:blipFill>
-                          <a:blip r:embed="rId3"/>
+                          <a:blip r:embed="rId19"/>
                           <a:stretch>
                             <a:fillRect/>
                           </a:stretch>
@@ -16948,7 +20008,7 @@
                   <a:avLst/>
                 </a:prstGeom>
                 <a:blipFill>
-                  <a:blip r:embed="rId19"/>
+                  <a:blip r:embed="rId20"/>
                   <a:stretch>
                     <a:fillRect/>
                   </a:stretch>
@@ -17000,8 +20060,8 @@
           <a:chExt cx="0" cy="0"/>
         </a:xfrm>
       </p:grpSpPr>
-      <mc:AlternateContent xmlns:mc="http://schemas.openxmlformats.org/markup-compatibility/2006">
-        <mc:Choice xmlns:a14="http://schemas.microsoft.com/office/drawing/2010/main" Requires="a14">
+      <mc:AlternateContent xmlns:mc="http://schemas.openxmlformats.org/markup-compatibility/2006" xmlns:a14="http://schemas.microsoft.com/office/drawing/2010/main">
+        <mc:Choice Requires="a14">
           <p:sp>
             <p:nvSpPr>
               <p:cNvPr id="6" name="TextBox 5">
@@ -17806,7 +20866,7 @@
             </p:txBody>
           </p:sp>
         </mc:Choice>
-        <mc:Fallback>
+        <mc:Fallback xmlns="">
           <p:sp>
             <p:nvSpPr>
               <p:cNvPr id="6" name="TextBox 5">
@@ -17887,8 +20947,8 @@
           </a:p>
         </p:txBody>
       </p:sp>
-      <mc:AlternateContent xmlns:mc="http://schemas.openxmlformats.org/markup-compatibility/2006">
-        <mc:Choice xmlns:a14="http://schemas.microsoft.com/office/drawing/2010/main" Requires="a14">
+      <mc:AlternateContent xmlns:mc="http://schemas.openxmlformats.org/markup-compatibility/2006" xmlns:a14="http://schemas.microsoft.com/office/drawing/2010/main">
+        <mc:Choice Requires="a14">
           <p:sp>
             <p:nvSpPr>
               <p:cNvPr id="8" name="TextBox 7">
@@ -18002,7 +21062,7 @@
             </p:txBody>
           </p:sp>
         </mc:Choice>
-        <mc:Fallback>
+        <mc:Fallback xmlns="">
           <p:sp>
             <p:nvSpPr>
               <p:cNvPr id="8" name="TextBox 7">
@@ -18047,8 +21107,8 @@
           </p:sp>
         </mc:Fallback>
       </mc:AlternateContent>
-      <mc:AlternateContent xmlns:mc="http://schemas.openxmlformats.org/markup-compatibility/2006">
-        <mc:Choice xmlns:a14="http://schemas.microsoft.com/office/drawing/2010/main" Requires="a14">
+      <mc:AlternateContent xmlns:mc="http://schemas.openxmlformats.org/markup-compatibility/2006" xmlns:a14="http://schemas.microsoft.com/office/drawing/2010/main">
+        <mc:Choice Requires="a14">
           <p:sp>
             <p:nvSpPr>
               <p:cNvPr id="9" name="TextBox 8">
@@ -18885,7 +21945,7 @@
             </p:txBody>
           </p:sp>
         </mc:Choice>
-        <mc:Fallback>
+        <mc:Fallback xmlns="">
           <p:sp>
             <p:nvSpPr>
               <p:cNvPr id="9" name="TextBox 8">
@@ -21935,8 +24995,8 @@
           </a:p>
         </p:txBody>
       </p:sp>
-      <mc:AlternateContent xmlns:mc="http://schemas.openxmlformats.org/markup-compatibility/2006">
-        <mc:Choice xmlns:a14="http://schemas.microsoft.com/office/drawing/2010/main" Requires="a14">
+      <mc:AlternateContent xmlns:mc="http://schemas.openxmlformats.org/markup-compatibility/2006" xmlns:a14="http://schemas.microsoft.com/office/drawing/2010/main">
+        <mc:Choice Requires="a14">
           <p:sp>
             <p:nvSpPr>
               <p:cNvPr id="3" name="TextBox 2">
@@ -22076,7 +25136,7 @@
             </p:txBody>
           </p:sp>
         </mc:Choice>
-        <mc:Fallback>
+        <mc:Fallback xmlns="">
           <p:sp>
             <p:nvSpPr>
               <p:cNvPr id="3" name="TextBox 2">
@@ -23199,8 +26259,8 @@
           </p:sp>
         </mc:Fallback>
       </mc:AlternateContent>
-      <mc:AlternateContent xmlns:mc="http://schemas.openxmlformats.org/markup-compatibility/2006">
-        <mc:Choice xmlns:a14="http://schemas.microsoft.com/office/drawing/2010/main" Requires="a14">
+      <mc:AlternateContent xmlns:mc="http://schemas.openxmlformats.org/markup-compatibility/2006" xmlns:a14="http://schemas.microsoft.com/office/drawing/2010/main">
+        <mc:Choice Requires="a14">
           <p:sp>
             <p:nvSpPr>
               <p:cNvPr id="5" name="TextBox 4">
@@ -24066,7 +27126,7 @@
             </p:txBody>
           </p:sp>
         </mc:Choice>
-        <mc:Fallback>
+        <mc:Fallback xmlns="">
           <p:sp>
             <p:nvSpPr>
               <p:cNvPr id="5" name="TextBox 4">

--- a/receive_coordinate_setup  .pptx
+++ b/receive_coordinate_setup  .pptx
@@ -280,7 +280,7 @@
           <a:p>
             <a:fld id="{C1FD7E95-16DB-4A98-AEA5-7D9BAC9F37E6}" type="datetimeFigureOut">
               <a:rPr lang="en-US" smtClean="0"/>
-              <a:t>7/17/2024</a:t>
+              <a:t>7/18/2024</a:t>
             </a:fld>
             <a:endParaRPr lang="en-US"/>
           </a:p>
@@ -478,7 +478,7 @@
           <a:p>
             <a:fld id="{C1FD7E95-16DB-4A98-AEA5-7D9BAC9F37E6}" type="datetimeFigureOut">
               <a:rPr lang="en-US" smtClean="0"/>
-              <a:t>7/17/2024</a:t>
+              <a:t>7/18/2024</a:t>
             </a:fld>
             <a:endParaRPr lang="en-US"/>
           </a:p>
@@ -686,7 +686,7 @@
           <a:p>
             <a:fld id="{C1FD7E95-16DB-4A98-AEA5-7D9BAC9F37E6}" type="datetimeFigureOut">
               <a:rPr lang="en-US" smtClean="0"/>
-              <a:t>7/17/2024</a:t>
+              <a:t>7/18/2024</a:t>
             </a:fld>
             <a:endParaRPr lang="en-US"/>
           </a:p>
@@ -884,7 +884,7 @@
           <a:p>
             <a:fld id="{C1FD7E95-16DB-4A98-AEA5-7D9BAC9F37E6}" type="datetimeFigureOut">
               <a:rPr lang="en-US" smtClean="0"/>
-              <a:t>7/17/2024</a:t>
+              <a:t>7/18/2024</a:t>
             </a:fld>
             <a:endParaRPr lang="en-US"/>
           </a:p>
@@ -1159,7 +1159,7 @@
           <a:p>
             <a:fld id="{C1FD7E95-16DB-4A98-AEA5-7D9BAC9F37E6}" type="datetimeFigureOut">
               <a:rPr lang="en-US" smtClean="0"/>
-              <a:t>7/17/2024</a:t>
+              <a:t>7/18/2024</a:t>
             </a:fld>
             <a:endParaRPr lang="en-US"/>
           </a:p>
@@ -1424,7 +1424,7 @@
           <a:p>
             <a:fld id="{C1FD7E95-16DB-4A98-AEA5-7D9BAC9F37E6}" type="datetimeFigureOut">
               <a:rPr lang="en-US" smtClean="0"/>
-              <a:t>7/17/2024</a:t>
+              <a:t>7/18/2024</a:t>
             </a:fld>
             <a:endParaRPr lang="en-US"/>
           </a:p>
@@ -1836,7 +1836,7 @@
           <a:p>
             <a:fld id="{C1FD7E95-16DB-4A98-AEA5-7D9BAC9F37E6}" type="datetimeFigureOut">
               <a:rPr lang="en-US" smtClean="0"/>
-              <a:t>7/17/2024</a:t>
+              <a:t>7/18/2024</a:t>
             </a:fld>
             <a:endParaRPr lang="en-US"/>
           </a:p>
@@ -1977,7 +1977,7 @@
           <a:p>
             <a:fld id="{C1FD7E95-16DB-4A98-AEA5-7D9BAC9F37E6}" type="datetimeFigureOut">
               <a:rPr lang="en-US" smtClean="0"/>
-              <a:t>7/17/2024</a:t>
+              <a:t>7/18/2024</a:t>
             </a:fld>
             <a:endParaRPr lang="en-US"/>
           </a:p>
@@ -2090,7 +2090,7 @@
           <a:p>
             <a:fld id="{C1FD7E95-16DB-4A98-AEA5-7D9BAC9F37E6}" type="datetimeFigureOut">
               <a:rPr lang="en-US" smtClean="0"/>
-              <a:t>7/17/2024</a:t>
+              <a:t>7/18/2024</a:t>
             </a:fld>
             <a:endParaRPr lang="en-US"/>
           </a:p>
@@ -2401,7 +2401,7 @@
           <a:p>
             <a:fld id="{C1FD7E95-16DB-4A98-AEA5-7D9BAC9F37E6}" type="datetimeFigureOut">
               <a:rPr lang="en-US" smtClean="0"/>
-              <a:t>7/17/2024</a:t>
+              <a:t>7/18/2024</a:t>
             </a:fld>
             <a:endParaRPr lang="en-US"/>
           </a:p>
@@ -2689,7 +2689,7 @@
           <a:p>
             <a:fld id="{C1FD7E95-16DB-4A98-AEA5-7D9BAC9F37E6}" type="datetimeFigureOut">
               <a:rPr lang="en-US" smtClean="0"/>
-              <a:t>7/17/2024</a:t>
+              <a:t>7/18/2024</a:t>
             </a:fld>
             <a:endParaRPr lang="en-US"/>
           </a:p>
@@ -2930,7 +2930,7 @@
           <a:p>
             <a:fld id="{C1FD7E95-16DB-4A98-AEA5-7D9BAC9F37E6}" type="datetimeFigureOut">
               <a:rPr lang="en-US" smtClean="0"/>
-              <a:t>7/17/2024</a:t>
+              <a:t>7/18/2024</a:t>
             </a:fld>
             <a:endParaRPr lang="en-US"/>
           </a:p>
@@ -5778,8 +5778,8 @@
                   </a:p>
                 </p:txBody>
               </p:sp>
-              <mc:AlternateContent xmlns:mc="http://schemas.openxmlformats.org/markup-compatibility/2006">
-                <mc:Choice xmlns:a14="http://schemas.microsoft.com/office/drawing/2010/main" Requires="a14">
+              <mc:AlternateContent xmlns:mc="http://schemas.openxmlformats.org/markup-compatibility/2006" xmlns:a14="http://schemas.microsoft.com/office/drawing/2010/main">
+                <mc:Choice Requires="a14">
                   <p:sp>
                     <p:nvSpPr>
                       <p:cNvPr id="34" name="TextBox 33">
@@ -5829,7 +5829,7 @@
                     </p:txBody>
                   </p:sp>
                 </mc:Choice>
-                <mc:Fallback>
+                <mc:Fallback xmlns="">
                   <p:sp>
                     <p:nvSpPr>
                       <p:cNvPr id="34" name="TextBox 33">
@@ -6298,8 +6298,8 @@
             </p:txBody>
           </p:sp>
         </p:grpSp>
-        <mc:AlternateContent xmlns:mc="http://schemas.openxmlformats.org/markup-compatibility/2006">
-          <mc:Choice xmlns:a14="http://schemas.microsoft.com/office/drawing/2010/main" Requires="a14">
+        <mc:AlternateContent xmlns:mc="http://schemas.openxmlformats.org/markup-compatibility/2006" xmlns:a14="http://schemas.microsoft.com/office/drawing/2010/main">
+          <mc:Choice Requires="a14">
             <p:sp>
               <p:nvSpPr>
                 <p:cNvPr id="5" name="TextBox 4">
@@ -6349,7 +6349,7 @@
               </p:txBody>
             </p:sp>
           </mc:Choice>
-          <mc:Fallback>
+          <mc:Fallback xmlns="">
             <p:sp>
               <p:nvSpPr>
                 <p:cNvPr id="5" name="TextBox 4">
@@ -6394,8 +6394,8 @@
             </p:sp>
           </mc:Fallback>
         </mc:AlternateContent>
-        <mc:AlternateContent xmlns:mc="http://schemas.openxmlformats.org/markup-compatibility/2006">
-          <mc:Choice xmlns:a14="http://schemas.microsoft.com/office/drawing/2010/main" Requires="a14">
+        <mc:AlternateContent xmlns:mc="http://schemas.openxmlformats.org/markup-compatibility/2006" xmlns:a14="http://schemas.microsoft.com/office/drawing/2010/main">
+          <mc:Choice Requires="a14">
             <p:sp>
               <p:nvSpPr>
                 <p:cNvPr id="6" name="TextBox 5">
@@ -6445,7 +6445,7 @@
               </p:txBody>
             </p:sp>
           </mc:Choice>
-          <mc:Fallback>
+          <mc:Fallback xmlns="">
             <p:sp>
               <p:nvSpPr>
                 <p:cNvPr id="6" name="TextBox 5">
@@ -9471,8 +9471,8 @@
             </p:txBody>
           </p:sp>
         </p:grpSp>
-        <mc:AlternateContent xmlns:mc="http://schemas.openxmlformats.org/markup-compatibility/2006">
-          <mc:Choice xmlns:a14="http://schemas.microsoft.com/office/drawing/2010/main" Requires="a14">
+        <mc:AlternateContent xmlns:mc="http://schemas.openxmlformats.org/markup-compatibility/2006" xmlns:a14="http://schemas.microsoft.com/office/drawing/2010/main">
+          <mc:Choice Requires="a14">
             <p:sp>
               <p:nvSpPr>
                 <p:cNvPr id="86" name="TextBox 85">
@@ -9522,7 +9522,7 @@
               </p:txBody>
             </p:sp>
           </mc:Choice>
-          <mc:Fallback>
+          <mc:Fallback xmlns="">
             <p:sp>
               <p:nvSpPr>
                 <p:cNvPr id="86" name="TextBox 85">
@@ -9567,8 +9567,8 @@
             </p:sp>
           </mc:Fallback>
         </mc:AlternateContent>
-        <mc:AlternateContent xmlns:mc="http://schemas.openxmlformats.org/markup-compatibility/2006">
-          <mc:Choice xmlns:a14="http://schemas.microsoft.com/office/drawing/2010/main" Requires="a14">
+        <mc:AlternateContent xmlns:mc="http://schemas.openxmlformats.org/markup-compatibility/2006" xmlns:a14="http://schemas.microsoft.com/office/drawing/2010/main">
+          <mc:Choice Requires="a14">
             <p:sp>
               <p:nvSpPr>
                 <p:cNvPr id="87" name="TextBox 86">
@@ -9618,7 +9618,7 @@
               </p:txBody>
             </p:sp>
           </mc:Choice>
-          <mc:Fallback>
+          <mc:Fallback xmlns="">
             <p:sp>
               <p:nvSpPr>
                 <p:cNvPr id="87" name="TextBox 86">
@@ -16096,8 +16096,8 @@
           </a:p>
         </p:txBody>
       </p:sp>
-      <mc:AlternateContent xmlns:mc="http://schemas.openxmlformats.org/markup-compatibility/2006">
-        <mc:Choice xmlns:a14="http://schemas.microsoft.com/office/drawing/2010/main" Requires="a14">
+      <mc:AlternateContent xmlns:mc="http://schemas.openxmlformats.org/markup-compatibility/2006" xmlns:a14="http://schemas.microsoft.com/office/drawing/2010/main">
+        <mc:Choice Requires="a14">
           <p:sp>
             <p:nvSpPr>
               <p:cNvPr id="89" name="TextBox 88">
@@ -16902,7 +16902,7 @@
             </p:txBody>
           </p:sp>
         </mc:Choice>
-        <mc:Fallback>
+        <mc:Fallback xmlns="">
           <p:sp>
             <p:nvSpPr>
               <p:cNvPr id="89" name="TextBox 88">
@@ -16947,8 +16947,8 @@
           </p:sp>
         </mc:Fallback>
       </mc:AlternateContent>
-      <mc:AlternateContent xmlns:mc="http://schemas.openxmlformats.org/markup-compatibility/2006">
-        <mc:Choice xmlns:a14="http://schemas.microsoft.com/office/drawing/2010/main" Requires="a14">
+      <mc:AlternateContent xmlns:mc="http://schemas.openxmlformats.org/markup-compatibility/2006" xmlns:a14="http://schemas.microsoft.com/office/drawing/2010/main">
+        <mc:Choice Requires="a14">
           <p:sp>
             <p:nvSpPr>
               <p:cNvPr id="93" name="Rectangle 92">
@@ -17046,7 +17046,7 @@
             </p:txBody>
           </p:sp>
         </mc:Choice>
-        <mc:Fallback>
+        <mc:Fallback xmlns="">
           <p:sp>
             <p:nvSpPr>
               <p:cNvPr id="93" name="Rectangle 92">
@@ -26259,8 +26259,8 @@
           </p:sp>
         </mc:Fallback>
       </mc:AlternateContent>
-      <mc:AlternateContent xmlns:mc="http://schemas.openxmlformats.org/markup-compatibility/2006" xmlns:a14="http://schemas.microsoft.com/office/drawing/2010/main">
-        <mc:Choice Requires="a14">
+      <mc:AlternateContent xmlns:mc="http://schemas.openxmlformats.org/markup-compatibility/2006">
+        <mc:Choice xmlns:a14="http://schemas.microsoft.com/office/drawing/2010/main" Requires="a14">
           <p:sp>
             <p:nvSpPr>
               <p:cNvPr id="5" name="TextBox 4">
@@ -27034,7 +27034,7 @@
                 </a:r>
                 <a:r>
                   <a:rPr lang="en-US" dirty="0"/>
-                  <a:t>1.383^o</a:t>
+                  <a:t>1.238^o</a:t>
                 </a:r>
                 <a:endParaRPr lang="en-US" i="1" dirty="0">
                   <a:latin typeface="Cambria Math" panose="02040503050406030204" pitchFamily="18" charset="0"/>
@@ -27126,7 +27126,7 @@
             </p:txBody>
           </p:sp>
         </mc:Choice>
-        <mc:Fallback xmlns="">
+        <mc:Fallback>
           <p:sp>
             <p:nvSpPr>
               <p:cNvPr id="5" name="TextBox 4">
